--- a/开题/开题_1210.pptx
+++ b/开题/开题_1210.pptx
@@ -5,37 +5,34 @@
     <p:sldMasterId id="2147483648" r:id="rId1"/>
   </p:sldMasterIdLst>
   <p:notesMasterIdLst>
-    <p:notesMasterId r:id="rId30"/>
+    <p:notesMasterId r:id="rId4"/>
   </p:notesMasterIdLst>
   <p:sldIdLst>
-    <p:sldId id="313" r:id="rId2"/>
-    <p:sldId id="314" r:id="rId3"/>
-    <p:sldId id="315" r:id="rId4"/>
-    <p:sldId id="316" r:id="rId5"/>
-    <p:sldId id="318" r:id="rId6"/>
-    <p:sldId id="376" r:id="rId7"/>
-    <p:sldId id="319" r:id="rId8"/>
-    <p:sldId id="375" r:id="rId9"/>
-    <p:sldId id="336" r:id="rId10"/>
-    <p:sldId id="321" r:id="rId11"/>
-    <p:sldId id="347" r:id="rId12"/>
-    <p:sldId id="325" r:id="rId13"/>
-    <p:sldId id="322" r:id="rId14"/>
-    <p:sldId id="365" r:id="rId15"/>
-    <p:sldId id="369" r:id="rId16"/>
-    <p:sldId id="371" r:id="rId17"/>
-    <p:sldId id="366" r:id="rId18"/>
-    <p:sldId id="345" r:id="rId19"/>
-    <p:sldId id="368" r:id="rId20"/>
-    <p:sldId id="348" r:id="rId21"/>
-    <p:sldId id="323" r:id="rId22"/>
-    <p:sldId id="372" r:id="rId23"/>
-    <p:sldId id="326" r:id="rId24"/>
-    <p:sldId id="327" r:id="rId25"/>
-    <p:sldId id="329" r:id="rId26"/>
-    <p:sldId id="358" r:id="rId27"/>
-    <p:sldId id="331" r:id="rId28"/>
-    <p:sldId id="337" r:id="rId29"/>
+    <p:sldId id="313" r:id="rId3"/>
+    <p:sldId id="314" r:id="rId5"/>
+    <p:sldId id="315" r:id="rId6"/>
+    <p:sldId id="316" r:id="rId7"/>
+    <p:sldId id="318" r:id="rId8"/>
+    <p:sldId id="376" r:id="rId9"/>
+    <p:sldId id="319" r:id="rId10"/>
+    <p:sldId id="375" r:id="rId11"/>
+    <p:sldId id="336" r:id="rId12"/>
+    <p:sldId id="321" r:id="rId13"/>
+    <p:sldId id="347" r:id="rId14"/>
+    <p:sldId id="325" r:id="rId15"/>
+    <p:sldId id="322" r:id="rId16"/>
+    <p:sldId id="365" r:id="rId17"/>
+    <p:sldId id="369" r:id="rId18"/>
+    <p:sldId id="371" r:id="rId19"/>
+    <p:sldId id="366" r:id="rId20"/>
+    <p:sldId id="372" r:id="rId21"/>
+    <p:sldId id="326" r:id="rId22"/>
+    <p:sldId id="327" r:id="rId23"/>
+    <p:sldId id="329" r:id="rId24"/>
+    <p:sldId id="358" r:id="rId25"/>
+    <p:sldId id="331" r:id="rId26"/>
+    <p:sldId id="337" r:id="rId27"/>
+    <p:sldId id="399" r:id="rId28"/>
   </p:sldIdLst>
   <p:sldSz cx="12192000" cy="6858000"/>
   <p:notesSz cx="6858000" cy="9144000"/>
@@ -134,11 +131,6 @@
       </a:defRPr>
     </a:lvl9pPr>
   </p:defaultTextStyle>
-  <p:extLst>
-    <p:ext uri="{EFAFB233-063F-42B5-8137-9DF3F51BA10A}">
-      <p15:sldGuideLst xmlns:p15="http://schemas.microsoft.com/office/powerpoint/2012/main"/>
-    </p:ext>
-  </p:extLst>
 </p:presentation>
 </file>
 
@@ -224,7 +216,6 @@
           <a:p>
             <a:fld id="{B0C5499A-E137-45CD-ACE3-F044CB7CD816}" type="datetimeFigureOut">
               <a:rPr lang="zh-CN" altLang="en-US" smtClean="0"/>
-              <a:t>2023/12/9</a:t>
             </a:fld>
             <a:endParaRPr lang="zh-CN" altLang="en-US"/>
           </a:p>
@@ -291,6 +282,7 @@
               <a:rPr lang="zh-CN" altLang="en-US"/>
               <a:t>单击此处编辑母版文本样式</a:t>
             </a:r>
+            <a:endParaRPr lang="zh-CN" altLang="en-US"/>
           </a:p>
           <a:p>
             <a:pPr lvl="1"/>
@@ -298,6 +290,7 @@
               <a:rPr lang="zh-CN" altLang="en-US"/>
               <a:t>二级</a:t>
             </a:r>
+            <a:endParaRPr lang="zh-CN" altLang="en-US"/>
           </a:p>
           <a:p>
             <a:pPr lvl="2"/>
@@ -305,6 +298,7 @@
               <a:rPr lang="zh-CN" altLang="en-US"/>
               <a:t>三级</a:t>
             </a:r>
+            <a:endParaRPr lang="zh-CN" altLang="en-US"/>
           </a:p>
           <a:p>
             <a:pPr lvl="3"/>
@@ -312,6 +306,7 @@
               <a:rPr lang="zh-CN" altLang="en-US"/>
               <a:t>四级</a:t>
             </a:r>
+            <a:endParaRPr lang="zh-CN" altLang="en-US"/>
           </a:p>
           <a:p>
             <a:pPr lvl="4"/>
@@ -319,6 +314,7 @@
               <a:rPr lang="zh-CN" altLang="en-US"/>
               <a:t>五级</a:t>
             </a:r>
+            <a:endParaRPr lang="zh-CN" altLang="en-US"/>
           </a:p>
         </p:txBody>
       </p:sp>
@@ -382,7 +378,6 @@
           <a:p>
             <a:fld id="{C051D1BE-CA4E-40ED-88EB-F0221502D351}" type="slidenum">
               <a:rPr lang="zh-CN" altLang="en-US" smtClean="0"/>
-              <a:t>‹#›</a:t>
             </a:fld>
             <a:endParaRPr lang="zh-CN" altLang="en-US"/>
           </a:p>
@@ -587,10 +582,223 @@
           <a:lstStyle/>
           <a:p>
             <a:r>
-              <a:rPr lang="zh-CN" altLang="en-US" dirty="0"/>
-              <a:t>作者发现将基于对比学习的损失直接应用于域泛化问题时，优化不同域之间的正样本对会阻碍模型的泛化，而使用基于代理的损失函数则可以很好的解决这个问题。但同时基于代理的损失函数会使得模型丢失样本对间丰富的语义信息</a:t>
-            </a:r>
-            <a:endParaRPr lang="en-US" altLang="zh-CN" dirty="0"/>
+              <a:rPr lang="en-US" altLang="zh-CN" dirty="0">
+                <a:latin typeface="+mn-ea"/>
+                <a:sym typeface="+mn-ea"/>
+              </a:rPr>
+              <a:t>Clinton</a:t>
+            </a:r>
+            <a:r>
+              <a:rPr lang="zh-CN" altLang="en-US" dirty="0">
+                <a:latin typeface="+mn-ea"/>
+                <a:sym typeface="+mn-ea"/>
+              </a:rPr>
+              <a:t>等人在</a:t>
+            </a:r>
+            <a:r>
+              <a:rPr lang="en-US" altLang="zh-CN" dirty="0">
+                <a:latin typeface="+mn-ea"/>
+                <a:sym typeface="+mn-ea"/>
+              </a:rPr>
+              <a:t>2019</a:t>
+            </a:r>
+            <a:r>
+              <a:rPr lang="zh-CN" altLang="en-US" dirty="0">
+                <a:latin typeface="+mn-ea"/>
+                <a:sym typeface="+mn-ea"/>
+              </a:rPr>
+              <a:t>年</a:t>
+            </a:r>
+            <a:r>
+              <a:rPr lang="zh-CN" altLang="en-US" dirty="0">
+                <a:solidFill>
+                  <a:srgbClr val="000000"/>
+                </a:solidFill>
+                <a:effectLst/>
+                <a:latin typeface="+mn-ea"/>
+                <a:sym typeface="+mn-ea"/>
+              </a:rPr>
+              <a:t>提出了一种利用生成对抗性网络（</a:t>
+            </a:r>
+            <a:r>
+              <a:rPr lang="en-US" altLang="zh-CN" dirty="0">
+                <a:solidFill>
+                  <a:srgbClr val="000000"/>
+                </a:solidFill>
+                <a:effectLst/>
+                <a:latin typeface="+mn-ea"/>
+                <a:sym typeface="+mn-ea"/>
+              </a:rPr>
+              <a:t>GAN</a:t>
+            </a:r>
+            <a:r>
+              <a:rPr lang="zh-CN" altLang="en-US" dirty="0">
+                <a:solidFill>
+                  <a:srgbClr val="000000"/>
+                </a:solidFill>
+                <a:effectLst/>
+                <a:latin typeface="+mn-ea"/>
+                <a:sym typeface="+mn-ea"/>
+              </a:rPr>
+              <a:t>）生成合成数据</a:t>
+            </a:r>
+            <a:r>
+              <a:rPr lang="zh-CN" altLang="en-US" dirty="0">
+                <a:solidFill>
+                  <a:srgbClr val="000000"/>
+                </a:solidFill>
+                <a:latin typeface="+mn-ea"/>
+                <a:sym typeface="+mn-ea"/>
+              </a:rPr>
+              <a:t>的</a:t>
+            </a:r>
+            <a:r>
+              <a:rPr lang="zh-CN" altLang="en-US" dirty="0">
+                <a:solidFill>
+                  <a:srgbClr val="000000"/>
+                </a:solidFill>
+                <a:effectLst/>
+                <a:latin typeface="+mn-ea"/>
+                <a:sym typeface="+mn-ea"/>
+              </a:rPr>
+              <a:t>域泛化架构。</a:t>
+            </a:r>
+            <a:r>
+              <a:rPr lang="zh-CN" altLang="en-US" dirty="0">
+                <a:solidFill>
+                  <a:srgbClr val="000000"/>
+                </a:solidFill>
+                <a:effectLst/>
+                <a:latin typeface="微软雅黑" panose="020B0503020204020204" pitchFamily="34" charset="-122"/>
+                <a:ea typeface="微软雅黑" panose="020B0503020204020204" pitchFamily="34" charset="-122"/>
+                <a:sym typeface="+mn-ea"/>
+              </a:rPr>
+              <a:t>在训练阶段使用</a:t>
+            </a:r>
+            <a:r>
+              <a:rPr lang="en-US" altLang="zh-CN" dirty="0">
+                <a:solidFill>
+                  <a:srgbClr val="000000"/>
+                </a:solidFill>
+                <a:effectLst/>
+                <a:latin typeface="微软雅黑" panose="020B0503020204020204" pitchFamily="34" charset="-122"/>
+                <a:ea typeface="微软雅黑" panose="020B0503020204020204" pitchFamily="34" charset="-122"/>
+                <a:sym typeface="+mn-ea"/>
+              </a:rPr>
+              <a:t>GAN</a:t>
+            </a:r>
+            <a:r>
+              <a:rPr lang="zh-CN" altLang="en-US" dirty="0">
+                <a:solidFill>
+                  <a:srgbClr val="000000"/>
+                </a:solidFill>
+                <a:effectLst/>
+                <a:latin typeface="微软雅黑" panose="020B0503020204020204" pitchFamily="34" charset="-122"/>
+                <a:ea typeface="微软雅黑" panose="020B0503020204020204" pitchFamily="34" charset="-122"/>
+                <a:sym typeface="+mn-ea"/>
+              </a:rPr>
+              <a:t>生成合成图像，并</a:t>
+            </a:r>
+            <a:r>
+              <a:rPr lang="zh-CN" altLang="en-US" dirty="0">
+                <a:solidFill>
+                  <a:srgbClr val="000000"/>
+                </a:solidFill>
+                <a:effectLst/>
+                <a:latin typeface="+mn-ea"/>
+                <a:sym typeface="+mn-ea"/>
+              </a:rPr>
+              <a:t>使用域差异度量来最小化真实图像和</a:t>
+            </a:r>
+            <a:r>
+              <a:rPr lang="zh-CN" altLang="en-US" dirty="0">
+                <a:solidFill>
+                  <a:srgbClr val="000000"/>
+                </a:solidFill>
+                <a:latin typeface="+mn-ea"/>
+                <a:sym typeface="+mn-ea"/>
+              </a:rPr>
+              <a:t>生成</a:t>
+            </a:r>
+            <a:r>
+              <a:rPr lang="zh-CN" altLang="en-US" dirty="0">
+                <a:solidFill>
+                  <a:srgbClr val="000000"/>
+                </a:solidFill>
+                <a:effectLst/>
+                <a:latin typeface="+mn-ea"/>
+                <a:sym typeface="+mn-ea"/>
+              </a:rPr>
+              <a:t>图像之间的分布差异，以帮助学习域间的通用表示。</a:t>
+            </a:r>
+            <a:r>
+              <a:rPr lang="zh-CN" altLang="en-US" b="0" i="0" dirty="0">
+                <a:solidFill>
+                  <a:srgbClr val="000000"/>
+                </a:solidFill>
+                <a:effectLst/>
+                <a:latin typeface="微软雅黑" panose="020B0503020204020204" pitchFamily="34" charset="-122"/>
+                <a:ea typeface="微软雅黑" panose="020B0503020204020204" pitchFamily="34" charset="-122"/>
+              </a:rPr>
+              <a:t>然后使用域差异度量方法</a:t>
+            </a:r>
+            <a:r>
+              <a:rPr lang="zh-CN" altLang="en-US" b="0" i="0" dirty="0">
+                <a:solidFill>
+                  <a:srgbClr val="000000"/>
+                </a:solidFill>
+                <a:effectLst/>
+                <a:latin typeface="+mn-ea"/>
+              </a:rPr>
+              <a:t>（例如最大平均差异</a:t>
+            </a:r>
+            <a:r>
+              <a:rPr lang="zh-CN" altLang="en-US" dirty="0">
+                <a:solidFill>
+                  <a:srgbClr val="000000"/>
+                </a:solidFill>
+                <a:latin typeface="+mn-ea"/>
+              </a:rPr>
+              <a:t>（</a:t>
+            </a:r>
+            <a:r>
+              <a:rPr lang="en-US" altLang="zh-CN" dirty="0">
+                <a:solidFill>
+                  <a:srgbClr val="000000"/>
+                </a:solidFill>
+                <a:latin typeface="+mn-ea"/>
+              </a:rPr>
+              <a:t>MMD</a:t>
+            </a:r>
+            <a:r>
+              <a:rPr lang="zh-CN" altLang="en-US" dirty="0">
+                <a:solidFill>
+                  <a:srgbClr val="000000"/>
+                </a:solidFill>
+                <a:latin typeface="+mn-ea"/>
+              </a:rPr>
+              <a:t>）</a:t>
+            </a:r>
+            <a:r>
+              <a:rPr lang="zh-CN" altLang="en-US" b="0" i="0" dirty="0">
+                <a:solidFill>
+                  <a:srgbClr val="000000"/>
+                </a:solidFill>
+                <a:effectLst/>
+                <a:latin typeface="+mn-ea"/>
+              </a:rPr>
+              <a:t>）</a:t>
+            </a:r>
+            <a:endParaRPr lang="en-US" altLang="zh-CN" b="0" i="0" dirty="0">
+              <a:solidFill>
+                <a:srgbClr val="000000"/>
+              </a:solidFill>
+              <a:effectLst/>
+              <a:latin typeface="+mn-ea"/>
+            </a:endParaRPr>
+          </a:p>
+          <a:p>
+            <a:endParaRPr lang="zh-CN" altLang="en-US" dirty="0"/>
           </a:p>
         </p:txBody>
       </p:sp>
@@ -626,19 +834,19 @@
             <a:spLocks noGrp="1" noRot="1" noChangeAspect="1"/>
           </p:cNvSpPr>
           <p:nvPr>
-            <p:ph type="sldImg"/>
+            <p:ph type="sldImg" idx="2"/>
           </p:nvPr>
         </p:nvSpPr>
         <p:spPr/>
       </p:sp>
       <p:sp>
         <p:nvSpPr>
-          <p:cNvPr id="3" name="备注占位符 2"/>
+          <p:cNvPr id="3" name="文本占位符 2"/>
           <p:cNvSpPr>
             <a:spLocks noGrp="1"/>
           </p:cNvSpPr>
           <p:nvPr>
-            <p:ph type="body" idx="1"/>
+            <p:ph type="body" idx="3"/>
           </p:nvPr>
         </p:nvSpPr>
         <p:spPr/>
@@ -646,137 +854,31 @@
           <a:bodyPr/>
           <a:lstStyle/>
           <a:p>
-            <a:pPr marL="0" marR="0" lvl="0" indent="0" algn="l" defTabSz="914400" rtl="0" eaLnBrk="1" fontAlgn="auto" latinLnBrk="0" hangingPunct="1">
-              <a:lnSpc>
-                <a:spcPct val="100000"/>
-              </a:lnSpc>
-              <a:spcBef>
-                <a:spcPts val="0"/>
-              </a:spcBef>
-              <a:spcAft>
-                <a:spcPts val="0"/>
-              </a:spcAft>
-              <a:buClrTx/>
-              <a:buSzTx/>
-              <a:buFontTx/>
-              <a:buNone/>
-              <a:tabLst/>
-              <a:defRPr/>
-            </a:pPr>
-            <a:r>
-              <a:rPr lang="en-US" altLang="zh-CN" sz="1200" b="0" i="0" dirty="0">
-                <a:solidFill>
-                  <a:srgbClr val="000000"/>
-                </a:solidFill>
-                <a:effectLst/>
-                <a:latin typeface="+mn-ea"/>
-              </a:rPr>
-              <a:t>Nam</a:t>
-            </a:r>
-            <a:r>
-              <a:rPr lang="zh-CN" altLang="en-US" sz="1200" b="0" i="0" dirty="0">
-                <a:solidFill>
-                  <a:srgbClr val="000000"/>
-                </a:solidFill>
-                <a:effectLst/>
-                <a:latin typeface="+mn-ea"/>
-              </a:rPr>
-              <a:t>等人提出的风格不可知网络（</a:t>
-            </a:r>
-            <a:r>
-              <a:rPr lang="en-US" altLang="zh-CN" sz="1200" b="0" i="0" dirty="0" err="1">
-                <a:solidFill>
-                  <a:srgbClr val="000000"/>
-                </a:solidFill>
-                <a:effectLst/>
-                <a:latin typeface="+mn-ea"/>
-              </a:rPr>
-              <a:t>SagNets</a:t>
-            </a:r>
-            <a:r>
-              <a:rPr lang="zh-CN" altLang="en-US" sz="1200" b="0" i="0" dirty="0">
-                <a:solidFill>
-                  <a:srgbClr val="000000"/>
-                </a:solidFill>
-                <a:effectLst/>
-                <a:latin typeface="+mn-ea"/>
-              </a:rPr>
-              <a:t>）将特征解耦为内容相关部分与风格相关部分，将来自不同样本的风格随机化后再重新与内容特征融合，并分别训练内容偏好网络与风格偏好网络。</a:t>
-            </a:r>
-            <a:endParaRPr lang="en-US" altLang="zh-CN" sz="1200" b="0" i="0" dirty="0">
-              <a:solidFill>
-                <a:srgbClr val="000000"/>
-              </a:solidFill>
-              <a:effectLst/>
-              <a:latin typeface="+mn-ea"/>
-            </a:endParaRPr>
-          </a:p>
-          <a:p>
-            <a:pPr marL="0" marR="0" lvl="0" indent="0" algn="l" defTabSz="914400" rtl="0" eaLnBrk="1" fontAlgn="auto" latinLnBrk="0" hangingPunct="1">
-              <a:lnSpc>
-                <a:spcPct val="100000"/>
-              </a:lnSpc>
-              <a:spcBef>
-                <a:spcPts val="0"/>
-              </a:spcBef>
-              <a:spcAft>
-                <a:spcPts val="0"/>
-              </a:spcAft>
-              <a:buClrTx/>
-              <a:buSzTx/>
-              <a:buFontTx/>
-              <a:buNone/>
-              <a:tabLst/>
-              <a:defRPr/>
-            </a:pPr>
+            <a:r>
+              <a:rPr lang="en-US" altLang="zh-CN" dirty="0">
+                <a:sym typeface="+mn-ea"/>
+              </a:rPr>
+              <a:t>Yao</a:t>
+            </a:r>
             <a:r>
               <a:rPr lang="zh-CN" altLang="en-US" dirty="0">
-                <a:solidFill>
-                  <a:srgbClr val="000000"/>
-                </a:solidFill>
-                <a:latin typeface="微软雅黑" panose="020B0503020204020204" pitchFamily="34" charset="-122"/>
-                <a:ea typeface="微软雅黑" panose="020B0503020204020204" pitchFamily="34" charset="-122"/>
-              </a:rPr>
-              <a:t>这种</a:t>
-            </a:r>
-            <a:r>
-              <a:rPr lang="zh-CN" altLang="en-US" b="0" i="0" dirty="0">
-                <a:solidFill>
-                  <a:srgbClr val="000000"/>
-                </a:solidFill>
-                <a:effectLst/>
-                <a:latin typeface="微软雅黑" panose="020B0503020204020204" pitchFamily="34" charset="-122"/>
-                <a:ea typeface="微软雅黑" panose="020B0503020204020204" pitchFamily="34" charset="-122"/>
-              </a:rPr>
-              <a:t>将风格编码从特征中分离出来的做法避免了带有风格偏见的预测，并更多地关注内容。有效地减少了风格偏差，使模型在域偏移下具有更强的鲁棒性。</a:t>
+                <a:sym typeface="+mn-ea"/>
+              </a:rPr>
+              <a:t>等人提出了基于代理的对比学习方法。作者发现将基于对比学习的损失直接应用于域泛化问题时，优化不同域之间的正样本对会阻碍模型的泛化，而使用基于代理的损失函数则可以很好的解决这个问题。但同时基于代理的损失函数会使得模型丢失样本对间丰富的语义信息</a:t>
+            </a:r>
+            <a:endParaRPr lang="en-US" altLang="zh-CN" dirty="0"/>
+          </a:p>
+          <a:p>
+            <a:r>
+              <a:rPr lang="zh-CN" altLang="en-US" dirty="0">
+                <a:sym typeface="+mn-ea"/>
+              </a:rPr>
+              <a:t>该方法既避免了对比学习中拉齐正样本时带来的正对齐问题，也从负样本对中学习到了丰富的语义信息，同时基于代理的方法使得模型能够更快收敛，提升了模型泛化性</a:t>
             </a:r>
             <a:endParaRPr lang="zh-CN" altLang="en-US" dirty="0"/>
           </a:p>
           <a:p>
-            <a:endParaRPr lang="zh-CN" altLang="en-US" dirty="0"/>
-          </a:p>
-        </p:txBody>
-      </p:sp>
-      <p:sp>
-        <p:nvSpPr>
-          <p:cNvPr id="4" name="灯片编号占位符 3"/>
-          <p:cNvSpPr>
-            <a:spLocks noGrp="1"/>
-          </p:cNvSpPr>
-          <p:nvPr>
-            <p:ph type="sldNum" sz="quarter" idx="5"/>
-          </p:nvPr>
-        </p:nvSpPr>
-        <p:spPr/>
-        <p:txBody>
-          <a:bodyPr/>
-          <a:lstStyle/>
-          <a:p>
-            <a:fld id="{C051D1BE-CA4E-40ED-88EB-F0221502D351}" type="slidenum">
-              <a:rPr lang="zh-CN" altLang="en-US" smtClean="0"/>
-              <a:t>12</a:t>
-            </a:fld>
-            <a:endParaRPr lang="zh-CN" altLang="en-US"/>
+            <a:endParaRPr lang="en-US" altLang="zh-CN" dirty="0"/>
           </a:p>
         </p:txBody>
       </p:sp>
@@ -812,19 +914,19 @@
             <a:spLocks noGrp="1" noRot="1" noChangeAspect="1"/>
           </p:cNvSpPr>
           <p:nvPr>
-            <p:ph type="sldImg" idx="2"/>
+            <p:ph type="sldImg"/>
           </p:nvPr>
         </p:nvSpPr>
         <p:spPr/>
       </p:sp>
       <p:sp>
         <p:nvSpPr>
-          <p:cNvPr id="3" name="文本占位符 2"/>
+          <p:cNvPr id="3" name="备注占位符 2"/>
           <p:cNvSpPr>
             <a:spLocks noGrp="1"/>
           </p:cNvSpPr>
           <p:nvPr>
-            <p:ph type="body" idx="3"/>
+            <p:ph type="body" idx="1"/>
           </p:nvPr>
         </p:nvSpPr>
         <p:spPr/>
@@ -832,6 +934,113 @@
           <a:bodyPr/>
           <a:lstStyle/>
           <a:p>
+            <a:pPr marL="0" marR="0" lvl="0" indent="0" algn="l" defTabSz="914400" rtl="0" eaLnBrk="1" fontAlgn="auto" latinLnBrk="0" hangingPunct="1">
+              <a:lnSpc>
+                <a:spcPct val="100000"/>
+              </a:lnSpc>
+              <a:spcBef>
+                <a:spcPts val="0"/>
+              </a:spcBef>
+              <a:spcAft>
+                <a:spcPts val="0"/>
+              </a:spcAft>
+              <a:buClrTx/>
+              <a:buSzTx/>
+              <a:buFontTx/>
+              <a:buNone/>
+              <a:defRPr/>
+            </a:pPr>
+            <a:r>
+              <a:rPr lang="en-US" altLang="zh-CN" sz="1200" b="0" i="0" dirty="0">
+                <a:solidFill>
+                  <a:srgbClr val="000000"/>
+                </a:solidFill>
+                <a:effectLst/>
+                <a:latin typeface="+mn-ea"/>
+              </a:rPr>
+              <a:t>Nam</a:t>
+            </a:r>
+            <a:r>
+              <a:rPr lang="zh-CN" altLang="en-US" sz="1200" b="0" i="0" dirty="0">
+                <a:solidFill>
+                  <a:srgbClr val="000000"/>
+                </a:solidFill>
+                <a:effectLst/>
+                <a:latin typeface="+mn-ea"/>
+              </a:rPr>
+              <a:t>等人提出的风格不可知网络将特征解耦为内容相关部分与风格相关部分，将来自不同样本的风格随机化后再重新与内容特征融合，并分别训练内容偏好网络与风格偏好网络。</a:t>
+            </a:r>
+            <a:endParaRPr lang="en-US" altLang="zh-CN" sz="1200" b="0" i="0" dirty="0">
+              <a:solidFill>
+                <a:srgbClr val="000000"/>
+              </a:solidFill>
+              <a:effectLst/>
+              <a:latin typeface="+mn-ea"/>
+            </a:endParaRPr>
+          </a:p>
+          <a:p>
+            <a:pPr marL="0" marR="0" lvl="0" indent="0" algn="l" defTabSz="914400" rtl="0" eaLnBrk="1" fontAlgn="auto" latinLnBrk="0" hangingPunct="1">
+              <a:lnSpc>
+                <a:spcPct val="100000"/>
+              </a:lnSpc>
+              <a:spcBef>
+                <a:spcPts val="0"/>
+              </a:spcBef>
+              <a:spcAft>
+                <a:spcPts val="0"/>
+              </a:spcAft>
+              <a:buClrTx/>
+              <a:buSzTx/>
+              <a:buFontTx/>
+              <a:buNone/>
+              <a:defRPr/>
+            </a:pPr>
+            <a:r>
+              <a:rPr lang="zh-CN" altLang="en-US" dirty="0">
+                <a:solidFill>
+                  <a:srgbClr val="000000"/>
+                </a:solidFill>
+                <a:latin typeface="微软雅黑" panose="020B0503020204020204" pitchFamily="34" charset="-122"/>
+                <a:ea typeface="微软雅黑" panose="020B0503020204020204" pitchFamily="34" charset="-122"/>
+              </a:rPr>
+              <a:t>这种</a:t>
+            </a:r>
+            <a:r>
+              <a:rPr lang="zh-CN" altLang="en-US" b="0" i="0" dirty="0">
+                <a:solidFill>
+                  <a:srgbClr val="000000"/>
+                </a:solidFill>
+                <a:effectLst/>
+                <a:latin typeface="微软雅黑" panose="020B0503020204020204" pitchFamily="34" charset="-122"/>
+                <a:ea typeface="微软雅黑" panose="020B0503020204020204" pitchFamily="34" charset="-122"/>
+              </a:rPr>
+              <a:t>将风格编码从特征中分离出来的做法避免了带有风格偏见的预测，并更多地关注内容。有效地减少了风格偏差，使模型在域偏移下具有更强的鲁棒性。</a:t>
+            </a:r>
+            <a:endParaRPr lang="zh-CN" altLang="en-US" dirty="0"/>
+          </a:p>
+          <a:p>
+            <a:endParaRPr lang="zh-CN" altLang="en-US" dirty="0"/>
+          </a:p>
+        </p:txBody>
+      </p:sp>
+      <p:sp>
+        <p:nvSpPr>
+          <p:cNvPr id="4" name="灯片编号占位符 3"/>
+          <p:cNvSpPr>
+            <a:spLocks noGrp="1"/>
+          </p:cNvSpPr>
+          <p:nvPr>
+            <p:ph type="sldNum" sz="quarter" idx="5"/>
+          </p:nvPr>
+        </p:nvSpPr>
+        <p:spPr/>
+        <p:txBody>
+          <a:bodyPr/>
+          <a:lstStyle/>
+          <a:p>
+            <a:fld id="{C051D1BE-CA4E-40ED-88EB-F0221502D351}" type="slidenum">
+              <a:rPr lang="zh-CN" altLang="en-US" smtClean="0"/>
+            </a:fld>
             <a:endParaRPr lang="zh-CN" altLang="en-US"/>
           </a:p>
         </p:txBody>
@@ -909,20 +1118,11 @@
         <p:cNvGrpSpPr/>
         <p:nvPr/>
       </p:nvGrpSpPr>
-      <p:grpSpPr>
-        <a:xfrm>
-          <a:off x="0" y="0"/>
-          <a:ext cx="0" cy="0"/>
-          <a:chOff x="0" y="0"/>
-          <a:chExt cx="0" cy="0"/>
-        </a:xfrm>
-      </p:grpSpPr>
+      <p:grpSpPr/>
       <p:sp>
         <p:nvSpPr>
           <p:cNvPr id="2" name="幻灯片图像占位符 1"/>
-          <p:cNvSpPr>
-            <a:spLocks noGrp="1" noRot="1" noChangeAspect="1"/>
-          </p:cNvSpPr>
+          <p:cNvSpPr/>
           <p:nvPr>
             <p:ph type="sldImg" idx="2"/>
           </p:nvPr>
@@ -932,9 +1132,7 @@
       <p:sp>
         <p:nvSpPr>
           <p:cNvPr id="3" name="文本占位符 2"/>
-          <p:cNvSpPr>
-            <a:spLocks noGrp="1"/>
-          </p:cNvSpPr>
+          <p:cNvSpPr/>
           <p:nvPr>
             <p:ph type="body" idx="3"/>
           </p:nvPr>
@@ -942,8 +1140,46 @@
         <p:spPr/>
         <p:txBody>
           <a:bodyPr/>
-          <a:lstStyle/>
-          <a:p>
+          <a:p>
+            <a:r>
+              <a:rPr lang="zh-CN" altLang="en-US"/>
+              <a:t>本研究的第一个研究内容是如何仅使用</a:t>
+            </a:r>
+            <a:r>
+              <a:rPr lang="en-US" altLang="zh-CN"/>
+              <a:t>CT</a:t>
+            </a:r>
+            <a:r>
+              <a:rPr lang="zh-CN" altLang="en-US"/>
+              <a:t>影像数据训练腹部器官的多标签分类模型，如图所示：</a:t>
+            </a:r>
+            <a:br>
+              <a:rPr lang="zh-CN" altLang="en-US"/>
+            </a:br>
+            <a:r>
+              <a:rPr lang="zh-CN" altLang="en-US"/>
+              <a:t>在训练阶段，仅使用</a:t>
+            </a:r>
+            <a:r>
+              <a:rPr lang="en-US" altLang="zh-CN"/>
+              <a:t>CT</a:t>
+            </a:r>
+            <a:r>
+              <a:rPr lang="zh-CN" altLang="en-US"/>
+              <a:t>模态影像数据进行多标签分类模型的训练，而在用于推理时可以使用训练时未见的</a:t>
+            </a:r>
+            <a:r>
+              <a:rPr lang="en-US" altLang="zh-CN"/>
+              <a:t>MR</a:t>
+            </a:r>
+            <a:r>
+              <a:rPr lang="zh-CN" altLang="en-US"/>
+              <a:t>模态影像数据进行</a:t>
+            </a:r>
+            <a:r>
+              <a:rPr lang="zh-CN" altLang="en-US"/>
+              <a:t>测试。</a:t>
+            </a:r>
             <a:endParaRPr lang="zh-CN" altLang="en-US"/>
           </a:p>
         </p:txBody>
@@ -965,20 +1201,11 @@
         <p:cNvGrpSpPr/>
         <p:nvPr/>
       </p:nvGrpSpPr>
-      <p:grpSpPr>
-        <a:xfrm>
-          <a:off x="0" y="0"/>
-          <a:ext cx="0" cy="0"/>
-          <a:chOff x="0" y="0"/>
-          <a:chExt cx="0" cy="0"/>
-        </a:xfrm>
-      </p:grpSpPr>
+      <p:grpSpPr/>
       <p:sp>
         <p:nvSpPr>
           <p:cNvPr id="2" name="幻灯片图像占位符 1"/>
-          <p:cNvSpPr>
-            <a:spLocks noGrp="1" noRot="1" noChangeAspect="1"/>
-          </p:cNvSpPr>
+          <p:cNvSpPr/>
           <p:nvPr>
             <p:ph type="sldImg" idx="2"/>
           </p:nvPr>
@@ -988,9 +1215,7 @@
       <p:sp>
         <p:nvSpPr>
           <p:cNvPr id="3" name="文本占位符 2"/>
-          <p:cNvSpPr>
-            <a:spLocks noGrp="1"/>
-          </p:cNvSpPr>
+          <p:cNvSpPr/>
           <p:nvPr>
             <p:ph type="body" idx="3"/>
           </p:nvPr>
@@ -998,20 +1223,149 @@
         <p:spPr/>
         <p:txBody>
           <a:bodyPr/>
-          <a:lstStyle/>
+          <a:p>
+            <a:pPr algn="l"/>
+            <a:r>
+              <a:rPr lang="en-US" altLang="zh-CN">
+                <a:latin typeface="Times New Roman Regular" panose="02020603050405020304" charset="0"/>
+                <a:cs typeface="Times New Roman Regular" panose="02020603050405020304" charset="0"/>
+                <a:sym typeface="+mn-ea"/>
+              </a:rPr>
+              <a:t>CT</a:t>
+            </a:r>
+            <a:r>
+              <a:rPr lang="zh-CN" altLang="en-US">
+                <a:latin typeface="Times New Roman Regular" panose="02020603050405020304" charset="0"/>
+                <a:cs typeface="Times New Roman Regular" panose="02020603050405020304" charset="0"/>
+                <a:sym typeface="+mn-ea"/>
+              </a:rPr>
+              <a:t>影像数据和</a:t>
+            </a:r>
+            <a:r>
+              <a:rPr lang="en-US" altLang="zh-CN">
+                <a:latin typeface="Times New Roman Regular" panose="02020603050405020304" charset="0"/>
+                <a:cs typeface="Times New Roman Regular" panose="02020603050405020304" charset="0"/>
+                <a:sym typeface="+mn-ea"/>
+              </a:rPr>
+              <a:t>MR</a:t>
+            </a:r>
+            <a:r>
+              <a:rPr lang="zh-CN" altLang="en-US">
+                <a:latin typeface="Times New Roman Regular" panose="02020603050405020304" charset="0"/>
+                <a:cs typeface="Times New Roman Regular" panose="02020603050405020304" charset="0"/>
+                <a:sym typeface="+mn-ea"/>
+              </a:rPr>
+              <a:t>影像数据成像原理不同，因此同一组织、同一器官的数值分布</a:t>
+            </a:r>
+            <a:endParaRPr lang="zh-CN" altLang="en-US">
+              <a:latin typeface="Times New Roman Regular" panose="02020603050405020304" charset="0"/>
+              <a:cs typeface="Times New Roman Regular" panose="02020603050405020304" charset="0"/>
+            </a:endParaRPr>
+          </a:p>
+          <a:p>
+            <a:pPr algn="l"/>
+            <a:r>
+              <a:rPr lang="zh-CN" altLang="en-US">
+                <a:latin typeface="Times New Roman Regular" panose="02020603050405020304" charset="0"/>
+                <a:cs typeface="Times New Roman Regular" panose="02020603050405020304" charset="0"/>
+                <a:sym typeface="+mn-ea"/>
+              </a:rPr>
+              <a:t>也存在着差异，但形状相近。且</a:t>
+            </a:r>
+            <a:r>
+              <a:rPr lang="en-US" altLang="zh-CN">
+                <a:latin typeface="Times New Roman Regular" panose="02020603050405020304" charset="0"/>
+                <a:cs typeface="Times New Roman Regular" panose="02020603050405020304" charset="0"/>
+                <a:sym typeface="+mn-ea"/>
+              </a:rPr>
+              <a:t>CT</a:t>
+            </a:r>
+            <a:r>
+              <a:rPr lang="zh-CN" altLang="en-US">
+                <a:latin typeface="Times New Roman Regular" panose="02020603050405020304" charset="0"/>
+                <a:cs typeface="Times New Roman Regular" panose="02020603050405020304" charset="0"/>
+                <a:sym typeface="+mn-ea"/>
+              </a:rPr>
+              <a:t>与</a:t>
+            </a:r>
+            <a:r>
+              <a:rPr lang="en-US" altLang="zh-CN">
+                <a:latin typeface="Times New Roman Regular" panose="02020603050405020304" charset="0"/>
+                <a:cs typeface="Times New Roman Regular" panose="02020603050405020304" charset="0"/>
+                <a:sym typeface="+mn-ea"/>
+              </a:rPr>
+              <a:t>MR</a:t>
+            </a:r>
+            <a:r>
+              <a:rPr lang="zh-CN" altLang="en-US">
+                <a:latin typeface="Times New Roman Regular" panose="02020603050405020304" charset="0"/>
+                <a:cs typeface="Times New Roman Regular" panose="02020603050405020304" charset="0"/>
+                <a:sym typeface="+mn-ea"/>
+              </a:rPr>
+              <a:t>影像存在着一定的</a:t>
+            </a:r>
+            <a:r>
+              <a:rPr lang="en-US" altLang="zh-CN">
+                <a:latin typeface="Times New Roman Regular" panose="02020603050405020304" charset="0"/>
+                <a:cs typeface="Times New Roman Regular" panose="02020603050405020304" charset="0"/>
+                <a:sym typeface="+mn-ea"/>
+              </a:rPr>
+              <a:t>视野（Field of View</a:t>
+            </a:r>
+            <a:r>
+              <a:rPr lang="zh-CN" altLang="en-US">
+                <a:latin typeface="Times New Roman Regular" panose="02020603050405020304" charset="0"/>
+                <a:cs typeface="Times New Roman Regular" panose="02020603050405020304" charset="0"/>
+                <a:sym typeface="+mn-ea"/>
+              </a:rPr>
+              <a:t>，</a:t>
+            </a:r>
+            <a:r>
+              <a:rPr lang="en-US" altLang="zh-CN">
+                <a:latin typeface="Times New Roman Regular" panose="02020603050405020304" charset="0"/>
+                <a:cs typeface="Times New Roman Regular" panose="02020603050405020304" charset="0"/>
+                <a:sym typeface="+mn-ea"/>
+              </a:rPr>
+              <a:t>FOV</a:t>
+            </a:r>
+            <a:r>
+              <a:rPr lang="zh-CN" altLang="en-US">
+                <a:latin typeface="Times New Roman Regular" panose="02020603050405020304" charset="0"/>
+                <a:cs typeface="Times New Roman Regular" panose="02020603050405020304" charset="0"/>
+                <a:sym typeface="+mn-ea"/>
+              </a:rPr>
+              <a:t>）差距。</a:t>
+            </a:r>
+            <a:endParaRPr lang="zh-CN" altLang="en-US">
+              <a:latin typeface="Times New Roman Regular" panose="02020603050405020304" charset="0"/>
+              <a:cs typeface="Times New Roman Regular" panose="02020603050405020304" charset="0"/>
+            </a:endParaRPr>
+          </a:p>
+          <a:p>
+            <a:pPr algn="l"/>
+            <a:r>
+              <a:rPr lang="zh-CN" altLang="en-US">
+                <a:latin typeface="Times New Roman Regular" panose="02020603050405020304" charset="0"/>
+                <a:cs typeface="Times New Roman Regular" panose="02020603050405020304" charset="0"/>
+                <a:sym typeface="+mn-ea"/>
+              </a:rPr>
+              <a:t>因此，使用打乱分布的增强方法与缩放的增强方法可能会对模型的泛化性有所提升。</a:t>
+            </a:r>
+            <a:endParaRPr lang="zh-CN" altLang="en-US">
+              <a:latin typeface="Times New Roman Regular" panose="02020603050405020304" charset="0"/>
+              <a:cs typeface="Times New Roman Regular" panose="02020603050405020304" charset="0"/>
+            </a:endParaRPr>
+          </a:p>
           <a:p>
             <a:r>
               <a:rPr lang="zh-CN" altLang="en-US"/>
-              <a:t>基于多维度数据增强</a:t>
-            </a:r>
-            <a:r>
-              <a:rPr lang="en-US" altLang="zh-CN"/>
-              <a:t> </a:t>
+              <a:t>由此，本研究提出了基于分布重排的增强方法和基于贝塞尔曲线变换的增强方法，用于增加训练样本的多样性并是的模型尽可能学习到更多的</a:t>
             </a:r>
             <a:r>
               <a:rPr lang="zh-CN" altLang="en-US"/>
-              <a:t>腹部器官多标签分类</a:t>
-            </a:r>
+              <a:t>器官类别信息</a:t>
+            </a:r>
+            <a:endParaRPr lang="zh-CN" altLang="en-US"/>
           </a:p>
         </p:txBody>
       </p:sp>
@@ -1032,20 +1386,11 @@
         <p:cNvGrpSpPr/>
         <p:nvPr/>
       </p:nvGrpSpPr>
-      <p:grpSpPr>
-        <a:xfrm>
-          <a:off x="0" y="0"/>
-          <a:ext cx="0" cy="0"/>
-          <a:chOff x="0" y="0"/>
-          <a:chExt cx="0" cy="0"/>
-        </a:xfrm>
-      </p:grpSpPr>
+      <p:grpSpPr/>
       <p:sp>
         <p:nvSpPr>
           <p:cNvPr id="2" name="幻灯片图像占位符 1"/>
-          <p:cNvSpPr>
-            <a:spLocks noGrp="1" noRot="1" noChangeAspect="1"/>
-          </p:cNvSpPr>
+          <p:cNvSpPr/>
           <p:nvPr>
             <p:ph type="sldImg" idx="2"/>
           </p:nvPr>
@@ -1055,9 +1400,7 @@
       <p:sp>
         <p:nvSpPr>
           <p:cNvPr id="3" name="文本占位符 2"/>
-          <p:cNvSpPr>
-            <a:spLocks noGrp="1"/>
-          </p:cNvSpPr>
+          <p:cNvSpPr/>
           <p:nvPr>
             <p:ph type="body" idx="3"/>
           </p:nvPr>
@@ -1065,60 +1408,71 @@
         <p:spPr/>
         <p:txBody>
           <a:bodyPr/>
-          <a:lstStyle/>
           <a:p>
             <a:r>
               <a:rPr lang="zh-CN" altLang="en-US"/>
-              <a:t>数据增强</a:t>
+              <a:t>接下来介绍下</a:t>
             </a:r>
             <a:r>
               <a:rPr lang="en-US" altLang="zh-CN"/>
-              <a:t> </a:t>
+              <a:t>distrubution shuffle</a:t>
             </a:r>
             <a:r>
               <a:rPr lang="zh-CN" altLang="en-US"/>
-              <a:t>多源域域不变表征学习</a:t>
-            </a:r>
-            <a:r>
-              <a:rPr lang="en-US" altLang="zh-CN"/>
-              <a:t> </a:t>
-            </a:r>
-            <a:r>
-              <a:rPr lang="zh-CN" altLang="en-US"/>
-              <a:t>成像机理</a:t>
-            </a:r>
-            <a:r>
-              <a:rPr lang="en-US" altLang="zh-CN"/>
-              <a:t>4</a:t>
-            </a:r>
-            <a:r>
-              <a:rPr lang="zh-CN" altLang="en-US"/>
-              <a:t>不一样</a:t>
-            </a:r>
-            <a:r>
-              <a:rPr lang="en-US" altLang="zh-CN"/>
-              <a:t>  </a:t>
-            </a:r>
-            <a:r>
-              <a:rPr lang="zh-CN" altLang="en-US"/>
-              <a:t>保留轮廓特征</a:t>
-            </a:r>
-            <a:r>
-              <a:rPr lang="en-US" altLang="zh-CN"/>
-              <a:t> </a:t>
-            </a:r>
-            <a:r>
-              <a:rPr lang="zh-CN" altLang="en-US"/>
-              <a:t>关注病灶的细粒度纹理</a:t>
-            </a:r>
-            <a:r>
-              <a:rPr lang="en-US" altLang="zh-CN"/>
-              <a:t> </a:t>
-            </a:r>
-            <a:r>
-              <a:rPr lang="zh-CN" altLang="en-US"/>
-              <a:t>能不能用上域专有特征</a:t>
-            </a:r>
+              <a:t>数据增强模块。该模块的原理是先将原始图像的数值分布随机分块，再通过随机打乱规则来对图像分布进行调换，根据分块数目不同产生的增强图像效果如图所示。</a:t>
+            </a:r>
+            <a:endParaRPr lang="zh-CN" altLang="en-US"/>
+          </a:p>
+          <a:p>
+            <a:r>
+              <a:rPr lang="zh-CN" altLang="en-US">
+                <a:sym typeface="+mn-ea"/>
+              </a:rPr>
+              <a:t>该增强模块的作用是通过打乱图像的数值分布，使得网络更加关注器官的形状信息，</a:t>
+            </a:r>
+            <a:r>
+              <a:rPr lang="zh-CN" altLang="en-US">
+                <a:sym typeface="+mn-ea"/>
+              </a:rPr>
+              <a:t>而并非纹理信息。而</a:t>
+            </a:r>
+            <a:r>
+              <a:rPr lang="en-US" altLang="zh-CN">
+                <a:sym typeface="+mn-ea"/>
+              </a:rPr>
+              <a:t>CT</a:t>
+            </a:r>
+            <a:r>
+              <a:rPr lang="zh-CN" altLang="en-US">
+                <a:sym typeface="+mn-ea"/>
+              </a:rPr>
+              <a:t>与</a:t>
+            </a:r>
+            <a:r>
+              <a:rPr lang="en-US" altLang="zh-CN">
+                <a:sym typeface="+mn-ea"/>
+              </a:rPr>
+              <a:t>MR</a:t>
+            </a:r>
+            <a:r>
+              <a:rPr lang="zh-CN" altLang="en-US">
+                <a:sym typeface="+mn-ea"/>
+              </a:rPr>
+              <a:t>影像中器官的形状信息相近，该增强模块可以提升网络对</a:t>
+            </a:r>
+            <a:r>
+              <a:rPr lang="en-US" altLang="zh-CN">
+                <a:sym typeface="+mn-ea"/>
+              </a:rPr>
+              <a:t>MR</a:t>
+            </a:r>
+            <a:r>
+              <a:rPr lang="zh-CN" altLang="en-US">
+                <a:sym typeface="+mn-ea"/>
+              </a:rPr>
+              <a:t>影像器官的识别能力。</a:t>
+            </a:r>
+            <a:endParaRPr lang="zh-CN" altLang="en-US"/>
           </a:p>
         </p:txBody>
       </p:sp>
@@ -1139,20 +1493,11 @@
         <p:cNvGrpSpPr/>
         <p:nvPr/>
       </p:nvGrpSpPr>
-      <p:grpSpPr>
-        <a:xfrm>
-          <a:off x="0" y="0"/>
-          <a:ext cx="0" cy="0"/>
-          <a:chOff x="0" y="0"/>
-          <a:chExt cx="0" cy="0"/>
-        </a:xfrm>
-      </p:grpSpPr>
+      <p:grpSpPr/>
       <p:sp>
         <p:nvSpPr>
           <p:cNvPr id="2" name="幻灯片图像占位符 1"/>
-          <p:cNvSpPr>
-            <a:spLocks noGrp="1" noRot="1" noChangeAspect="1"/>
-          </p:cNvSpPr>
+          <p:cNvSpPr/>
           <p:nvPr>
             <p:ph type="sldImg" idx="2"/>
           </p:nvPr>
@@ -1162,9 +1507,7 @@
       <p:sp>
         <p:nvSpPr>
           <p:cNvPr id="3" name="文本占位符 2"/>
-          <p:cNvSpPr>
-            <a:spLocks noGrp="1"/>
-          </p:cNvSpPr>
+          <p:cNvSpPr/>
           <p:nvPr>
             <p:ph type="body" idx="3"/>
           </p:nvPr>
@@ -1172,8 +1515,125 @@
         <p:spPr/>
         <p:txBody>
           <a:bodyPr/>
-          <a:lstStyle/>
-          <a:p>
+          <a:p>
+            <a:pPr marL="0" indent="0" algn="l">
+              <a:lnSpc>
+                <a:spcPct val="150000"/>
+              </a:lnSpc>
+            </a:pPr>
+            <a:r>
+              <a:rPr lang="zh-CN" altLang="en-US">
+                <a:sym typeface="+mn-ea"/>
+              </a:rPr>
+              <a:t>本研究的第二个研究内容是如何在部分序列的</a:t>
+            </a:r>
+            <a:r>
+              <a:rPr lang="en-US" altLang="zh-CN">
+                <a:sym typeface="+mn-ea"/>
+              </a:rPr>
+              <a:t>MR</a:t>
+            </a:r>
+            <a:r>
+              <a:rPr lang="zh-CN" altLang="en-US">
+                <a:sym typeface="+mn-ea"/>
+              </a:rPr>
+              <a:t>影像数据训练</a:t>
+            </a:r>
+            <a:r>
+              <a:rPr lang="en-US" altLang="zh-CN">
+                <a:sym typeface="+mn-ea"/>
+              </a:rPr>
+              <a:t>MVI</a:t>
+            </a:r>
+            <a:r>
+              <a:rPr lang="zh-CN" altLang="en-US">
+                <a:sym typeface="+mn-ea"/>
+              </a:rPr>
+              <a:t>分类模型，并将其泛化到其他序列的</a:t>
+            </a:r>
+            <a:r>
+              <a:rPr lang="en-US" altLang="zh-CN">
+                <a:sym typeface="+mn-ea"/>
+              </a:rPr>
+              <a:t>MR</a:t>
+            </a:r>
+            <a:r>
+              <a:rPr lang="zh-CN" altLang="en-US">
+                <a:sym typeface="+mn-ea"/>
+              </a:rPr>
+              <a:t>影像数据。如图所示：</a:t>
+            </a:r>
+            <a:br>
+              <a:rPr lang="zh-CN" altLang="en-US">
+                <a:sym typeface="+mn-ea"/>
+              </a:rPr>
+            </a:br>
+            <a:r>
+              <a:rPr lang="zh-CN" altLang="en-US">
+                <a:sym typeface="+mn-ea"/>
+              </a:rPr>
+              <a:t>在训练阶段，仅使用</a:t>
+            </a:r>
+            <a:r>
+              <a:rPr lang="en-US" altLang="zh-CN">
+                <a:sym typeface="+mn-ea"/>
+              </a:rPr>
+              <a:t>MR</a:t>
+            </a:r>
+            <a:r>
+              <a:rPr lang="zh-CN" altLang="en-US">
+                <a:sym typeface="+mn-ea"/>
+              </a:rPr>
+              <a:t>模态影像</a:t>
+            </a:r>
+            <a:r>
+              <a:rPr lang="zh-CN" altLang="en-US">
+                <a:sym typeface="+mn-ea"/>
+              </a:rPr>
+              <a:t>的部分序列</a:t>
+            </a:r>
+            <a:r>
+              <a:rPr lang="zh-CN" altLang="en-US">
+                <a:sym typeface="+mn-ea"/>
+              </a:rPr>
+              <a:t>数据</a:t>
+            </a:r>
+            <a:r>
+              <a:rPr lang="zh-CN" altLang="en-US">
+                <a:sym typeface="+mn-ea"/>
+              </a:rPr>
+              <a:t>进行</a:t>
+            </a:r>
+            <a:r>
+              <a:rPr lang="en-US" altLang="zh-CN">
+                <a:sym typeface="+mn-ea"/>
+              </a:rPr>
+              <a:t>MVI</a:t>
+            </a:r>
+            <a:r>
+              <a:rPr lang="zh-CN" altLang="en-US">
+                <a:sym typeface="+mn-ea"/>
+              </a:rPr>
+              <a:t>的二分类模型的训练，而在用于推理时可以使用训练时未见的</a:t>
+            </a:r>
+            <a:r>
+              <a:rPr lang="en-US" altLang="zh-CN">
+                <a:sym typeface="+mn-ea"/>
+              </a:rPr>
+              <a:t>MR</a:t>
+            </a:r>
+            <a:r>
+              <a:rPr lang="zh-CN" altLang="en-US">
+                <a:sym typeface="+mn-ea"/>
+              </a:rPr>
+              <a:t>模态影像的</a:t>
+            </a:r>
+            <a:r>
+              <a:rPr lang="zh-CN" altLang="en-US">
+                <a:sym typeface="+mn-ea"/>
+              </a:rPr>
+              <a:t>其他序列数据进行测试。</a:t>
+            </a:r>
             <a:endParaRPr lang="zh-CN" altLang="en-US"/>
           </a:p>
         </p:txBody>
@@ -1195,20 +1655,11 @@
         <p:cNvGrpSpPr/>
         <p:nvPr/>
       </p:nvGrpSpPr>
-      <p:grpSpPr>
-        <a:xfrm>
-          <a:off x="0" y="0"/>
-          <a:ext cx="0" cy="0"/>
-          <a:chOff x="0" y="0"/>
-          <a:chExt cx="0" cy="0"/>
-        </a:xfrm>
-      </p:grpSpPr>
+      <p:grpSpPr/>
       <p:sp>
         <p:nvSpPr>
           <p:cNvPr id="2" name="幻灯片图像占位符 1"/>
-          <p:cNvSpPr>
-            <a:spLocks noGrp="1" noRot="1" noChangeAspect="1"/>
-          </p:cNvSpPr>
+          <p:cNvSpPr/>
           <p:nvPr>
             <p:ph type="sldImg" idx="2"/>
           </p:nvPr>
@@ -1218,9 +1669,7 @@
       <p:sp>
         <p:nvSpPr>
           <p:cNvPr id="3" name="文本占位符 2"/>
-          <p:cNvSpPr>
-            <a:spLocks noGrp="1"/>
-          </p:cNvSpPr>
+          <p:cNvSpPr/>
           <p:nvPr>
             <p:ph type="body" idx="3"/>
           </p:nvPr>
@@ -1228,8 +1677,17 @@
         <p:spPr/>
         <p:txBody>
           <a:bodyPr/>
-          <a:lstStyle/>
-          <a:p>
+          <a:p>
+            <a:r>
+              <a:rPr lang="zh-CN" altLang="en-US"/>
+              <a:t>在面临更加细粒度的跨序列MVI分类问题时，单纯使用基于数据增强的方法来进行域泛化的效果可能不够。因此需要更加深度有效的方法来提取不同源域的域不变表征，以使网络获取到泛化性更强的类别提取能力。本研究提出了基于特征交叉重建的特征解耦方法，使得网络模型可以更加关注与域风格无关的内容信息，从而获得更强的泛化性。解耦表征学习旨在学习将样本映射到特征向量的函数，该特征向量包含关于不同因素的所有信息，并且每个维度仅包含关于某些因素的信息。</a:t>
+            </a:r>
+            <a:r>
+              <a:rPr lang="zh-CN" altLang="en-US">
+                <a:sym typeface="+mn-ea"/>
+              </a:rPr>
+              <a:t>基于解耦的域泛化方法通常将特征表示分解为独立的子特征，其中一个特征是域共有特征，即内容特征。另一个是域专有特征，即风格特征。</a:t>
+            </a:r>
             <a:endParaRPr lang="zh-CN" altLang="en-US"/>
           </a:p>
         </p:txBody>
@@ -1286,6 +1744,116 @@
           <a:bodyPr/>
           <a:lstStyle/>
           <a:p>
+            <a:r>
+              <a:rPr lang="zh-CN" altLang="en-US"/>
+              <a:t>接下来介绍基于特征交叉重建的特征解耦方法的</a:t>
+            </a:r>
+            <a:r>
+              <a:rPr lang="zh-CN" altLang="en-US"/>
+              <a:t>结构</a:t>
+            </a:r>
+            <a:endParaRPr lang="zh-CN" altLang="en-US"/>
+          </a:p>
+          <a:p>
+            <a:r>
+              <a:rPr lang="zh-CN" altLang="en-US"/>
+              <a:t>首先使用任务</a:t>
+            </a:r>
+            <a:r>
+              <a:rPr lang="en-US" altLang="zh-CN"/>
+              <a:t>1</a:t>
+            </a:r>
+            <a:r>
+              <a:rPr lang="zh-CN" altLang="en-US"/>
+              <a:t>中提出的多维度数据增强的域泛化方法来扩充源域数据，生成的数据可以作为新的域参与</a:t>
+            </a:r>
+            <a:r>
+              <a:rPr lang="zh-CN" altLang="en-US"/>
+              <a:t>训练。</a:t>
+            </a:r>
+            <a:endParaRPr lang="zh-CN" altLang="en-US"/>
+          </a:p>
+          <a:p>
+            <a:r>
+              <a:rPr lang="zh-CN" altLang="en-US"/>
+              <a:t>在特征解耦方法的基础上，本研究提出了基于特征交叉重建的特征解耦模块。如图</a:t>
+            </a:r>
+            <a:r>
+              <a:rPr lang="zh-CN" altLang="en-US"/>
+              <a:t>所示：</a:t>
+            </a:r>
+            <a:endParaRPr lang="zh-CN" altLang="en-US"/>
+          </a:p>
+          <a:p>
+            <a:r>
+              <a:rPr lang="zh-CN" altLang="en-US"/>
+              <a:t>输入为三个样本，分别是当前样本，与当前样本来自同域但不同类的负样本以及与当前样本来自不同域但是同类的正样本</a:t>
+            </a:r>
+            <a:br>
+              <a:rPr lang="zh-CN" altLang="en-US"/>
+            </a:br>
+            <a:r>
+              <a:rPr lang="zh-CN" altLang="en-US"/>
+              <a:t>三个样本的输入经过特征提取器后进行特征解耦，将样本特征解耦为内容特征与风格特征。其中使用当前样本的内容特征进行分类预测，并将预测结果与标签进行分类损失</a:t>
+            </a:r>
+            <a:r>
+              <a:rPr lang="zh-CN" altLang="en-US"/>
+              <a:t>计算。</a:t>
+            </a:r>
+            <a:endParaRPr lang="zh-CN" altLang="en-US"/>
+          </a:p>
+          <a:p>
+            <a:r>
+              <a:rPr lang="zh-CN" altLang="en-US"/>
+              <a:t>再根据三个输入的类别异同，进行样本内容的对比损失计算，拉近同类样本的内容特征，推远不同类样本的内容特征。对风格特征的操作</a:t>
+            </a:r>
+            <a:r>
+              <a:rPr lang="zh-CN" altLang="en-US"/>
+              <a:t>也是如此。</a:t>
+            </a:r>
+            <a:endParaRPr lang="zh-CN" altLang="en-US"/>
+          </a:p>
+          <a:p>
+            <a:r>
+              <a:rPr lang="zh-CN" altLang="en-US"/>
+              <a:t>此外，将当前样本内容特征与正样本的风格特征进行特征重建，将重建后的特征与正样本解耦前的特征进行对比，得到正样本</a:t>
+            </a:r>
+            <a:r>
+              <a:rPr lang="zh-CN" altLang="en-US"/>
+              <a:t>特征重建损失，</a:t>
+            </a:r>
+            <a:endParaRPr lang="zh-CN" altLang="en-US"/>
+          </a:p>
+          <a:p>
+            <a:r>
+              <a:rPr lang="zh-CN" altLang="en-US">
+                <a:sym typeface="+mn-ea"/>
+              </a:rPr>
+              <a:t>将当前样本风格特征与负样本的内容特征进行特征重建，将重建后的特征与负样本解耦前的特征进行对比，得到</a:t>
+            </a:r>
+            <a:r>
+              <a:rPr lang="zh-CN" altLang="en-US">
+                <a:sym typeface="+mn-ea"/>
+              </a:rPr>
+              <a:t>负样本特征重建损失。</a:t>
+            </a:r>
+            <a:endParaRPr lang="zh-CN" altLang="en-US">
+              <a:sym typeface="+mn-ea"/>
+            </a:endParaRPr>
+          </a:p>
+          <a:p>
+            <a:r>
+              <a:rPr lang="zh-CN" altLang="en-US">
+                <a:sym typeface="+mn-ea"/>
+              </a:rPr>
+              <a:t>至此，该方法所用到的损失函数约束都已介绍完毕。</a:t>
+            </a:r>
+            <a:endParaRPr lang="zh-CN" altLang="en-US"/>
+          </a:p>
+          <a:p>
+            <a:endParaRPr lang="zh-CN" altLang="en-US"/>
+          </a:p>
+          <a:p>
             <a:endParaRPr lang="zh-CN" altLang="en-US"/>
           </a:p>
         </p:txBody>
@@ -1354,6 +1922,221 @@
 </p:notes>
 </file>
 
+<file path=ppt/notesSlides/notesSlide20.xml><?xml version="1.0" encoding="utf-8"?>
+<p:notes xmlns:a="http://schemas.openxmlformats.org/drawingml/2006/main" xmlns:r="http://schemas.openxmlformats.org/officeDocument/2006/relationships" xmlns:p="http://schemas.openxmlformats.org/presentationml/2006/main">
+  <p:cSld>
+    <p:spTree>
+      <p:nvGrpSpPr>
+        <p:cNvPr id="1" name=""/>
+        <p:cNvGrpSpPr/>
+        <p:nvPr/>
+      </p:nvGrpSpPr>
+      <p:grpSpPr>
+        <a:xfrm>
+          <a:off x="0" y="0"/>
+          <a:ext cx="0" cy="0"/>
+          <a:chOff x="0" y="0"/>
+          <a:chExt cx="0" cy="0"/>
+        </a:xfrm>
+      </p:grpSpPr>
+      <p:sp>
+        <p:nvSpPr>
+          <p:cNvPr id="2" name="幻灯片图像占位符 1"/>
+          <p:cNvSpPr>
+            <a:spLocks noGrp="1" noRot="1" noChangeAspect="1"/>
+          </p:cNvSpPr>
+          <p:nvPr>
+            <p:ph type="sldImg" idx="2"/>
+          </p:nvPr>
+        </p:nvSpPr>
+        <p:spPr/>
+      </p:sp>
+      <p:sp>
+        <p:nvSpPr>
+          <p:cNvPr id="3" name="文本占位符 2"/>
+          <p:cNvSpPr>
+            <a:spLocks noGrp="1"/>
+          </p:cNvSpPr>
+          <p:nvPr>
+            <p:ph type="body" idx="3"/>
+          </p:nvPr>
+        </p:nvSpPr>
+        <p:spPr/>
+        <p:txBody>
+          <a:bodyPr/>
+          <a:lstStyle/>
+          <a:p>
+            <a:endParaRPr lang="zh-CN" altLang="en-US"/>
+          </a:p>
+        </p:txBody>
+      </p:sp>
+    </p:spTree>
+  </p:cSld>
+  <p:clrMapOvr>
+    <a:masterClrMapping/>
+  </p:clrMapOvr>
+</p:notes>
+</file>
+
+<file path=ppt/notesSlides/notesSlide21.xml><?xml version="1.0" encoding="utf-8"?>
+<p:notes xmlns:a="http://schemas.openxmlformats.org/drawingml/2006/main" xmlns:r="http://schemas.openxmlformats.org/officeDocument/2006/relationships" xmlns:p="http://schemas.openxmlformats.org/presentationml/2006/main">
+  <p:cSld>
+    <p:spTree>
+      <p:nvGrpSpPr>
+        <p:cNvPr id="1" name=""/>
+        <p:cNvGrpSpPr/>
+        <p:nvPr/>
+      </p:nvGrpSpPr>
+      <p:grpSpPr>
+        <a:xfrm>
+          <a:off x="0" y="0"/>
+          <a:ext cx="0" cy="0"/>
+          <a:chOff x="0" y="0"/>
+          <a:chExt cx="0" cy="0"/>
+        </a:xfrm>
+      </p:grpSpPr>
+      <p:sp>
+        <p:nvSpPr>
+          <p:cNvPr id="2" name="幻灯片图像占位符 1"/>
+          <p:cNvSpPr>
+            <a:spLocks noGrp="1" noRot="1" noChangeAspect="1"/>
+          </p:cNvSpPr>
+          <p:nvPr>
+            <p:ph type="sldImg" idx="2"/>
+          </p:nvPr>
+        </p:nvSpPr>
+        <p:spPr/>
+      </p:sp>
+      <p:sp>
+        <p:nvSpPr>
+          <p:cNvPr id="3" name="文本占位符 2"/>
+          <p:cNvSpPr>
+            <a:spLocks noGrp="1"/>
+          </p:cNvSpPr>
+          <p:nvPr>
+            <p:ph type="body" idx="3"/>
+          </p:nvPr>
+        </p:nvSpPr>
+        <p:spPr/>
+        <p:txBody>
+          <a:bodyPr/>
+          <a:lstStyle/>
+          <a:p>
+            <a:endParaRPr lang="zh-CN" altLang="en-US"/>
+          </a:p>
+        </p:txBody>
+      </p:sp>
+    </p:spTree>
+  </p:cSld>
+  <p:clrMapOvr>
+    <a:masterClrMapping/>
+  </p:clrMapOvr>
+</p:notes>
+</file>
+
+<file path=ppt/notesSlides/notesSlide22.xml><?xml version="1.0" encoding="utf-8"?>
+<p:notes xmlns:a="http://schemas.openxmlformats.org/drawingml/2006/main" xmlns:r="http://schemas.openxmlformats.org/officeDocument/2006/relationships" xmlns:p="http://schemas.openxmlformats.org/presentationml/2006/main">
+  <p:cSld>
+    <p:spTree>
+      <p:nvGrpSpPr>
+        <p:cNvPr id="1" name=""/>
+        <p:cNvGrpSpPr/>
+        <p:nvPr/>
+      </p:nvGrpSpPr>
+      <p:grpSpPr>
+        <a:xfrm>
+          <a:off x="0" y="0"/>
+          <a:ext cx="0" cy="0"/>
+          <a:chOff x="0" y="0"/>
+          <a:chExt cx="0" cy="0"/>
+        </a:xfrm>
+      </p:grpSpPr>
+      <p:sp>
+        <p:nvSpPr>
+          <p:cNvPr id="2" name="幻灯片图像占位符 1"/>
+          <p:cNvSpPr>
+            <a:spLocks noGrp="1" noRot="1" noChangeAspect="1"/>
+          </p:cNvSpPr>
+          <p:nvPr>
+            <p:ph type="sldImg" idx="2"/>
+          </p:nvPr>
+        </p:nvSpPr>
+        <p:spPr/>
+      </p:sp>
+      <p:sp>
+        <p:nvSpPr>
+          <p:cNvPr id="3" name="文本占位符 2"/>
+          <p:cNvSpPr>
+            <a:spLocks noGrp="1"/>
+          </p:cNvSpPr>
+          <p:nvPr>
+            <p:ph type="body" idx="3"/>
+          </p:nvPr>
+        </p:nvSpPr>
+        <p:spPr/>
+        <p:txBody>
+          <a:bodyPr/>
+          <a:lstStyle/>
+          <a:p>
+            <a:r>
+              <a:rPr lang="zh-CN" altLang="en-US"/>
+              <a:t>在目前所做的实验中，不添加任何数据增强的方法进行模型训练，在</a:t>
+            </a:r>
+            <a:r>
+              <a:rPr lang="en-US" altLang="zh-CN"/>
+              <a:t>MR</a:t>
+            </a:r>
+            <a:r>
+              <a:rPr lang="zh-CN" altLang="en-US"/>
+              <a:t>影像数据上的分类正确率在</a:t>
+            </a:r>
+            <a:r>
+              <a:rPr lang="en-US" altLang="zh-CN"/>
+              <a:t>40%-60%</a:t>
+            </a:r>
+            <a:r>
+              <a:rPr lang="zh-CN" altLang="en-US"/>
+              <a:t>之间</a:t>
+            </a:r>
+            <a:endParaRPr lang="zh-CN" altLang="en-US"/>
+          </a:p>
+          <a:p>
+            <a:r>
+              <a:rPr lang="zh-CN" altLang="en-US"/>
+              <a:t>添加</a:t>
+            </a:r>
+            <a:r>
+              <a:rPr lang="en-US" altLang="zh-CN"/>
+              <a:t>distribution shuffle</a:t>
+            </a:r>
+            <a:r>
+              <a:rPr lang="zh-CN" altLang="en-US"/>
+              <a:t>的增强方法后，正确率能够达到</a:t>
+            </a:r>
+            <a:r>
+              <a:rPr lang="en-US" altLang="zh-CN"/>
+              <a:t>80%-90%</a:t>
+            </a:r>
+            <a:r>
+              <a:rPr lang="zh-CN" altLang="en-US"/>
+              <a:t>左右，</a:t>
+            </a:r>
+            <a:r>
+              <a:rPr lang="zh-CN" altLang="en-US"/>
+              <a:t>效果显著</a:t>
+            </a:r>
+            <a:endParaRPr lang="zh-CN" altLang="en-US"/>
+          </a:p>
+        </p:txBody>
+      </p:sp>
+    </p:spTree>
+  </p:cSld>
+  <p:clrMapOvr>
+    <a:masterClrMapping/>
+  </p:clrMapOvr>
+</p:notes>
+</file>
+
 <file path=ppt/notesSlides/notesSlide3.xml><?xml version="1.0" encoding="utf-8"?>
 <p:notes xmlns:a="http://schemas.openxmlformats.org/drawingml/2006/main" xmlns:r="http://schemas.openxmlformats.org/officeDocument/2006/relationships" xmlns:p="http://schemas.openxmlformats.org/presentationml/2006/main">
   <p:cSld>
@@ -1607,13 +2390,13 @@
               <a:buSzTx/>
               <a:buFontTx/>
               <a:buNone/>
-              <a:tabLst/>
               <a:defRPr/>
             </a:pPr>
             <a:r>
               <a:rPr lang="zh-CN" altLang="en-US" sz="1200" dirty="0"/>
               <a:t>本研究将围绕以上两点内容展开</a:t>
             </a:r>
+            <a:endParaRPr lang="zh-CN" altLang="en-US" sz="1200" dirty="0"/>
           </a:p>
           <a:p>
             <a:endParaRPr lang="zh-CN" altLang="en-US" dirty="0"/>
@@ -1637,7 +2420,6 @@
           <a:p>
             <a:fld id="{C051D1BE-CA4E-40ED-88EB-F0221502D351}" type="slidenum">
               <a:rPr lang="zh-CN" altLang="en-US" smtClean="0"/>
-              <a:t>4</a:t>
             </a:fld>
             <a:endParaRPr lang="zh-CN" altLang="en-US"/>
           </a:p>
@@ -1777,19 +2559,12 @@
               <a:buChar char="•"/>
             </a:pPr>
             <a:r>
+              <a:rPr lang="en-US" altLang="zh-CN" dirty="0"/>
+              <a:t>MR</a:t>
+            </a:r>
+            <a:r>
               <a:rPr lang="zh-CN" altLang="en-US" dirty="0"/>
-              <a:t>来自多中心的医疗影像</a:t>
-            </a:r>
-            <a:endParaRPr lang="en-US" altLang="zh-CN" dirty="0"/>
-          </a:p>
-          <a:p>
-            <a:pPr marL="285750" indent="-285750">
-              <a:buFont typeface="Arial" panose="020B0604020202020204" pitchFamily="34" charset="0"/>
-              <a:buChar char="•"/>
-            </a:pPr>
-            <a:r>
-              <a:rPr lang="zh-CN" altLang="en-US" dirty="0"/>
-              <a:t>不同序列的影像</a:t>
+              <a:t>影像不同序列</a:t>
             </a:r>
             <a:endParaRPr lang="en-US" altLang="zh-CN" dirty="0"/>
           </a:p>
@@ -1798,6 +2573,7 @@
               <a:rPr lang="zh-CN" altLang="en-US" dirty="0"/>
               <a:t>如果直接将训练好的模型应用于存在分布差异的数据，会导致深度学习模型的性能下降。但是手机所有可能域的数据来训练模型十分昂贵，不具有现实性。</a:t>
             </a:r>
+            <a:endParaRPr lang="zh-CN" altLang="en-US" dirty="0"/>
           </a:p>
         </p:txBody>
       </p:sp>
@@ -1818,7 +2594,6 @@
           <a:p>
             <a:fld id="{C051D1BE-CA4E-40ED-88EB-F0221502D351}" type="slidenum">
               <a:rPr lang="zh-CN" altLang="en-US" smtClean="0"/>
-              <a:t>5</a:t>
             </a:fld>
             <a:endParaRPr lang="zh-CN" altLang="en-US"/>
           </a:p>
@@ -1890,7 +2665,6 @@
               <a:buSzTx/>
               <a:buFontTx/>
               <a:buNone/>
-              <a:tabLst/>
               <a:defRPr/>
             </a:pPr>
             <a:r>
@@ -1898,7 +2672,7 @@
                 <a:effectLst/>
                 <a:latin typeface="+mn-ea"/>
               </a:rPr>
-              <a:t>机器学习系统通常假设训练分布和测试分布是相同的。如何开发能够泛化到未见分布的模型成为了近年来的研究热点。</a:t>
+              <a:t>机器学习系统通常假设训练分布和测试分布是相同的。如何开发能够泛化到未见分布的模型成为了近年来的研究热点。由此本研究将围绕域泛化方法展开。</a:t>
             </a:r>
             <a:endParaRPr lang="en-US" altLang="zh-CN" sz="1200" b="0" i="0" dirty="0">
               <a:effectLst/>
@@ -1920,7 +2694,6 @@
               <a:buSzTx/>
               <a:buFontTx/>
               <a:buNone/>
-              <a:tabLst/>
               <a:defRPr/>
             </a:pPr>
             <a:r>
@@ -1936,6 +2709,9 @@
               </a:rPr>
               <a:t>:</a:t>
             </a:r>
+            <a:endParaRPr lang="en-US" altLang="zh-CN" sz="1200" dirty="0">
+              <a:latin typeface="-apple-system"/>
+            </a:endParaRPr>
           </a:p>
           <a:p>
             <a:pPr marL="0" marR="0" lvl="0" indent="0" algn="l" defTabSz="914400" rtl="0" eaLnBrk="1" fontAlgn="auto" latinLnBrk="0" hangingPunct="1">
@@ -1952,7 +2728,6 @@
               <a:buSzTx/>
               <a:buFontTx/>
               <a:buNone/>
-              <a:tabLst/>
               <a:defRPr/>
             </a:pPr>
             <a:r>
@@ -1993,7 +2768,6 @@
               <a:buSzTx/>
               <a:buFontTx/>
               <a:buNone/>
-              <a:tabLst/>
               <a:defRPr/>
             </a:pPr>
             <a:r>
@@ -2008,8 +2782,13 @@
             </a:r>
             <a:r>
               <a:rPr lang="zh-CN" altLang="en-US" sz="1200" dirty="0"/>
-              <a:t>对于医疗影像的分析具有重要意义。</a:t>
-            </a:r>
+              <a:t>对于医疗影像的分析和辅助</a:t>
+            </a:r>
+            <a:r>
+              <a:rPr lang="zh-CN" altLang="en-US" sz="1200" dirty="0"/>
+              <a:t>诊断具有重要意义。</a:t>
+            </a:r>
+            <a:endParaRPr lang="zh-CN" altLang="en-US" sz="1200" dirty="0"/>
           </a:p>
           <a:p>
             <a:endParaRPr lang="zh-CN" altLang="en-US" dirty="0"/>
@@ -2033,18 +2812,12 @@
           <a:p>
             <a:fld id="{C051D1BE-CA4E-40ED-88EB-F0221502D351}" type="slidenum">
               <a:rPr lang="zh-CN" altLang="en-US" smtClean="0"/>
-              <a:t>6</a:t>
             </a:fld>
             <a:endParaRPr lang="zh-CN" altLang="en-US"/>
           </a:p>
         </p:txBody>
       </p:sp>
     </p:spTree>
-    <p:extLst>
-      <p:ext uri="{BB962C8B-B14F-4D97-AF65-F5344CB8AC3E}">
-        <p14:creationId xmlns:p14="http://schemas.microsoft.com/office/powerpoint/2010/main" val="1995871377"/>
-      </p:ext>
-    </p:extLst>
   </p:cSld>
   <p:clrMapOvr>
     <a:masterClrMapping/>
@@ -2117,105 +2890,147 @@
         <p:cNvGrpSpPr/>
         <p:nvPr/>
       </p:nvGrpSpPr>
-      <p:grpSpPr>
-        <a:xfrm>
-          <a:off x="0" y="0"/>
-          <a:ext cx="0" cy="0"/>
-          <a:chOff x="0" y="0"/>
-          <a:chExt cx="0" cy="0"/>
-        </a:xfrm>
-      </p:grpSpPr>
+      <p:grpSpPr/>
       <p:sp>
         <p:nvSpPr>
           <p:cNvPr id="2" name="幻灯片图像占位符 1"/>
-          <p:cNvSpPr>
-            <a:spLocks noGrp="1" noRot="1" noChangeAspect="1"/>
-          </p:cNvSpPr>
+          <p:cNvSpPr/>
           <p:nvPr>
-            <p:ph type="sldImg"/>
+            <p:ph type="sldImg" idx="2"/>
           </p:nvPr>
         </p:nvSpPr>
         <p:spPr/>
       </p:sp>
       <p:sp>
         <p:nvSpPr>
-          <p:cNvPr id="3" name="备注占位符 2"/>
-          <p:cNvSpPr>
-            <a:spLocks noGrp="1"/>
-          </p:cNvSpPr>
+          <p:cNvPr id="3" name="文本占位符 2"/>
+          <p:cNvSpPr/>
           <p:nvPr>
-            <p:ph type="body" idx="1"/>
+            <p:ph type="body" idx="3"/>
           </p:nvPr>
         </p:nvSpPr>
         <p:spPr/>
         <p:txBody>
           <a:bodyPr/>
-          <a:lstStyle/>
-          <a:p>
-            <a:pPr algn="l"/>
-            <a:r>
-              <a:rPr lang="en-US" altLang="zh-CN" b="0" i="0" dirty="0">
-                <a:solidFill>
-                  <a:srgbClr val="121212"/>
-                </a:solidFill>
-                <a:effectLst/>
-                <a:latin typeface="-apple-system"/>
-              </a:rPr>
-              <a:t>CNN</a:t>
-            </a:r>
-            <a:r>
-              <a:rPr lang="zh-CN" altLang="en-US" b="0" i="0" dirty="0">
-                <a:solidFill>
-                  <a:srgbClr val="121212"/>
-                </a:solidFill>
-                <a:effectLst/>
-                <a:latin typeface="-apple-system"/>
-              </a:rPr>
-              <a:t>模型倾向于使用局部纹理特征而不是全局的物理形状进行分类。</a:t>
-            </a:r>
-            <a:endParaRPr lang="en-US" altLang="zh-CN" b="0" i="0" dirty="0">
-              <a:solidFill>
-                <a:srgbClr val="121212"/>
-              </a:solidFill>
-              <a:effectLst/>
-              <a:latin typeface="-apple-system"/>
-            </a:endParaRPr>
-          </a:p>
-          <a:p>
-            <a:pPr algn="l"/>
-            <a:r>
-              <a:rPr lang="zh-CN" altLang="en-US" b="0" i="0" dirty="0">
-                <a:solidFill>
-                  <a:srgbClr val="121212"/>
-                </a:solidFill>
-                <a:effectLst/>
-                <a:latin typeface="-apple-system"/>
-              </a:rPr>
-              <a:t>这种偏好会使得当模型遇到数据偏移或图像扰动时的性能下降。作者提出的随机卷积近似地保留图像中的形状信息，并可能扭曲局部纹理。直观地说，随机卷积会创造出无限多的具有类似全局形状但随机局部纹理不同的新域。极大的改善了神经网络的鲁棒性与泛化性</a:t>
+          <a:p>
+            <a:pPr>
+              <a:lnSpc>
+                <a:spcPct val="150000"/>
+              </a:lnSpc>
+            </a:pPr>
+            <a:r>
+              <a:rPr lang="zh-CN" altLang="en-US" dirty="0">
+                <a:sym typeface="+mn-ea"/>
+              </a:rPr>
+              <a:t>传统的域泛化方法可以分为以下几类：</a:t>
+            </a:r>
+            <a:endParaRPr lang="en-US" altLang="zh-CN" dirty="0"/>
+          </a:p>
+          <a:p>
+            <a:pPr marL="571500" indent="-571500">
+              <a:lnSpc>
+                <a:spcPct val="150000"/>
+              </a:lnSpc>
+              <a:buFont typeface="Arial" panose="020B0604020202020204" pitchFamily="34" charset="0"/>
+              <a:buChar char="•"/>
+            </a:pPr>
+            <a:r>
+              <a:rPr lang="zh-CN" altLang="en-US" dirty="0">
+                <a:sym typeface="+mn-ea"/>
+              </a:rPr>
+              <a:t>数据操纵</a:t>
+            </a:r>
+            <a:endParaRPr lang="en-US" altLang="zh-CN" dirty="0"/>
+          </a:p>
+          <a:p>
+            <a:pPr marL="1028700" lvl="1" indent="-571500">
+              <a:lnSpc>
+                <a:spcPct val="150000"/>
+              </a:lnSpc>
+              <a:buFont typeface="Arial" panose="020B0604020202020204" pitchFamily="34" charset="0"/>
+              <a:buChar char="•"/>
+            </a:pPr>
+            <a:r>
+              <a:rPr lang="zh-CN" altLang="en-US" dirty="0">
+                <a:sym typeface="+mn-ea"/>
+              </a:rPr>
+              <a:t>数据增强</a:t>
+            </a:r>
+            <a:endParaRPr lang="en-US" altLang="zh-CN" dirty="0"/>
+          </a:p>
+          <a:p>
+            <a:pPr marL="1028700" lvl="1" indent="-571500">
+              <a:lnSpc>
+                <a:spcPct val="150000"/>
+              </a:lnSpc>
+              <a:buFont typeface="Arial" panose="020B0604020202020204" pitchFamily="34" charset="0"/>
+              <a:buChar char="•"/>
+            </a:pPr>
+            <a:r>
+              <a:rPr lang="zh-CN" altLang="en-US" dirty="0">
+                <a:sym typeface="+mn-ea"/>
+              </a:rPr>
+              <a:t>数据生成</a:t>
+            </a:r>
+            <a:endParaRPr lang="en-US" altLang="zh-CN" dirty="0"/>
+          </a:p>
+          <a:p>
+            <a:pPr marL="571500" indent="-571500">
+              <a:lnSpc>
+                <a:spcPct val="150000"/>
+              </a:lnSpc>
+              <a:buFont typeface="Arial" panose="020B0604020202020204" pitchFamily="34" charset="0"/>
+              <a:buChar char="•"/>
+            </a:pPr>
+            <a:r>
+              <a:rPr lang="zh-CN" altLang="en-US" dirty="0">
+                <a:sym typeface="+mn-ea"/>
+              </a:rPr>
+              <a:t>表征学习</a:t>
+            </a:r>
+            <a:endParaRPr lang="en-US" altLang="zh-CN" dirty="0"/>
+          </a:p>
+          <a:p>
+            <a:pPr marL="1028700" lvl="1" indent="-571500">
+              <a:lnSpc>
+                <a:spcPct val="150000"/>
+              </a:lnSpc>
+              <a:buFont typeface="Arial" panose="020B0604020202020204" pitchFamily="34" charset="0"/>
+              <a:buChar char="•"/>
+            </a:pPr>
+            <a:r>
+              <a:rPr lang="zh-CN" altLang="en-US" dirty="0">
+                <a:sym typeface="+mn-ea"/>
+              </a:rPr>
+              <a:t>域不变表征学习</a:t>
+            </a:r>
+            <a:endParaRPr lang="en-US" altLang="zh-CN" dirty="0"/>
+          </a:p>
+          <a:p>
+            <a:pPr marL="1028700" lvl="1" indent="-571500">
+              <a:lnSpc>
+                <a:spcPct val="150000"/>
+              </a:lnSpc>
+              <a:buFont typeface="Arial" panose="020B0604020202020204" pitchFamily="34" charset="0"/>
+              <a:buChar char="•"/>
+            </a:pPr>
+            <a:r>
+              <a:rPr lang="zh-CN" altLang="en-US" dirty="0">
+                <a:sym typeface="+mn-ea"/>
+              </a:rPr>
+              <a:t>特征解耦</a:t>
             </a:r>
             <a:endParaRPr lang="zh-CN" altLang="en-US" dirty="0"/>
           </a:p>
-        </p:txBody>
-      </p:sp>
-      <p:sp>
-        <p:nvSpPr>
-          <p:cNvPr id="4" name="灯片编号占位符 3"/>
-          <p:cNvSpPr>
-            <a:spLocks noGrp="1"/>
-          </p:cNvSpPr>
-          <p:nvPr>
-            <p:ph type="sldNum" sz="quarter" idx="5"/>
-          </p:nvPr>
-        </p:nvSpPr>
-        <p:spPr/>
-        <p:txBody>
-          <a:bodyPr/>
-          <a:lstStyle/>
-          <a:p>
-            <a:fld id="{C051D1BE-CA4E-40ED-88EB-F0221502D351}" type="slidenum">
-              <a:rPr lang="zh-CN" altLang="en-US" smtClean="0"/>
-              <a:t>9</a:t>
-            </a:fld>
+          <a:p>
+            <a:r>
+              <a:rPr lang="zh-CN" altLang="en-US"/>
+              <a:t>接下来介绍几篇各类方法的</a:t>
+            </a:r>
+            <a:r>
+              <a:rPr lang="zh-CN" altLang="en-US"/>
+              <a:t>研究现状</a:t>
+            </a:r>
             <a:endParaRPr lang="zh-CN" altLang="en-US"/>
           </a:p>
         </p:txBody>
@@ -2252,19 +3067,19 @@
             <a:spLocks noGrp="1" noRot="1" noChangeAspect="1"/>
           </p:cNvSpPr>
           <p:nvPr>
-            <p:ph type="sldImg" idx="2"/>
+            <p:ph type="sldImg"/>
           </p:nvPr>
         </p:nvSpPr>
         <p:spPr/>
       </p:sp>
       <p:sp>
         <p:nvSpPr>
-          <p:cNvPr id="3" name="文本占位符 2"/>
+          <p:cNvPr id="3" name="备注占位符 2"/>
           <p:cNvSpPr>
             <a:spLocks noGrp="1"/>
           </p:cNvSpPr>
           <p:nvPr>
-            <p:ph type="body" idx="3"/>
+            <p:ph type="body" idx="1"/>
           </p:nvPr>
         </p:nvSpPr>
         <p:spPr/>
@@ -2272,117 +3087,143 @@
           <a:bodyPr/>
           <a:lstStyle/>
           <a:p>
-            <a:r>
-              <a:rPr lang="zh-CN" altLang="en-US" b="0" i="0" dirty="0">
-                <a:solidFill>
-                  <a:srgbClr val="000000"/>
-                </a:solidFill>
-                <a:effectLst/>
-                <a:latin typeface="微软雅黑" panose="020B0503020204020204" pitchFamily="34" charset="-122"/>
-                <a:ea typeface="微软雅黑" panose="020B0503020204020204" pitchFamily="34" charset="-122"/>
-              </a:rPr>
-              <a:t>在训练阶段使用</a:t>
-            </a:r>
-            <a:r>
-              <a:rPr lang="en-US" altLang="zh-CN" b="0" i="0" dirty="0">
-                <a:solidFill>
-                  <a:srgbClr val="000000"/>
-                </a:solidFill>
-                <a:effectLst/>
-                <a:latin typeface="微软雅黑" panose="020B0503020204020204" pitchFamily="34" charset="-122"/>
-                <a:ea typeface="微软雅黑" panose="020B0503020204020204" pitchFamily="34" charset="-122"/>
-              </a:rPr>
-              <a:t>GAN</a:t>
-            </a:r>
-            <a:r>
-              <a:rPr lang="zh-CN" altLang="en-US" b="0" i="0" dirty="0">
-                <a:solidFill>
-                  <a:srgbClr val="000000"/>
-                </a:solidFill>
-                <a:effectLst/>
-                <a:latin typeface="微软雅黑" panose="020B0503020204020204" pitchFamily="34" charset="-122"/>
-                <a:ea typeface="微软雅黑" panose="020B0503020204020204" pitchFamily="34" charset="-122"/>
-              </a:rPr>
-              <a:t>生成合成图像，然后使用域差异度量方法</a:t>
-            </a:r>
-            <a:r>
-              <a:rPr lang="zh-CN" altLang="en-US" b="0" i="0" dirty="0">
+            <a:pPr algn="l"/>
+            <a:endParaRPr lang="en-US" altLang="zh-CN" b="0" i="0" dirty="0">
+              <a:solidFill>
+                <a:srgbClr val="121212"/>
+              </a:solidFill>
+              <a:effectLst/>
+              <a:latin typeface="-apple-system"/>
+            </a:endParaRPr>
+          </a:p>
+          <a:p>
+            <a:pPr algn="l"/>
+            <a:r>
+              <a:rPr lang="en-US" altLang="zh-CN" dirty="0">
                 <a:solidFill>
                   <a:srgbClr val="000000"/>
                 </a:solidFill>
                 <a:effectLst/>
                 <a:latin typeface="+mn-ea"/>
-              </a:rPr>
-              <a:t>（例如最大平均差异</a:t>
+                <a:sym typeface="+mn-ea"/>
+              </a:rPr>
+              <a:t>Xu</a:t>
             </a:r>
             <a:r>
               <a:rPr lang="zh-CN" altLang="en-US" dirty="0">
-                <a:solidFill>
-                  <a:srgbClr val="000000"/>
-                </a:solidFill>
-                <a:latin typeface="+mn-ea"/>
-              </a:rPr>
-              <a:t>（</a:t>
-            </a:r>
-            <a:r>
-              <a:rPr lang="en-US" altLang="zh-CN" dirty="0">
-                <a:solidFill>
-                  <a:srgbClr val="000000"/>
-                </a:solidFill>
-                <a:latin typeface="+mn-ea"/>
-              </a:rPr>
-              <a:t>MMD</a:t>
-            </a:r>
-            <a:r>
-              <a:rPr lang="zh-CN" altLang="en-US" dirty="0">
-                <a:solidFill>
-                  <a:srgbClr val="000000"/>
-                </a:solidFill>
-                <a:latin typeface="+mn-ea"/>
-              </a:rPr>
-              <a:t>）</a:t>
-            </a:r>
-            <a:r>
-              <a:rPr lang="zh-CN" altLang="en-US" b="0" i="0" dirty="0">
                 <a:solidFill>
                   <a:srgbClr val="000000"/>
                 </a:solidFill>
                 <a:effectLst/>
                 <a:latin typeface="+mn-ea"/>
-              </a:rPr>
-              <a:t>）</a:t>
+                <a:sym typeface="+mn-ea"/>
+              </a:rPr>
+              <a:t>等人提出通过使用随机卷积作为数据增强来</a:t>
+            </a:r>
+            <a:r>
+              <a:rPr lang="zh-CN" altLang="en-US" dirty="0">
+                <a:solidFill>
+                  <a:srgbClr val="121212"/>
+                </a:solidFill>
+                <a:effectLst/>
+                <a:latin typeface="+mn-ea"/>
+                <a:sym typeface="+mn-ea"/>
+              </a:rPr>
+              <a:t>生成图像，同时保持目标的全局形状。</a:t>
             </a:r>
             <a:endParaRPr lang="en-US" altLang="zh-CN" b="0" i="0" dirty="0">
               <a:solidFill>
-                <a:srgbClr val="000000"/>
+                <a:srgbClr val="121212"/>
               </a:solidFill>
               <a:effectLst/>
               <a:latin typeface="+mn-ea"/>
             </a:endParaRPr>
           </a:p>
           <a:p>
+            <a:pPr algn="l"/>
+            <a:r>
+              <a:rPr lang="en-US" altLang="zh-CN" b="0" i="0" dirty="0">
+                <a:solidFill>
+                  <a:srgbClr val="121212"/>
+                </a:solidFill>
+                <a:effectLst/>
+                <a:latin typeface="-apple-system"/>
+              </a:rPr>
+              <a:t>CNN</a:t>
+            </a:r>
             <a:r>
               <a:rPr lang="zh-CN" altLang="en-US" b="0" i="0" dirty="0">
                 <a:solidFill>
-                  <a:srgbClr val="000000"/>
+                  <a:srgbClr val="121212"/>
                 </a:solidFill>
                 <a:effectLst/>
-                <a:latin typeface="微软雅黑" panose="020B0503020204020204" pitchFamily="34" charset="-122"/>
-                <a:ea typeface="微软雅黑" panose="020B0503020204020204" pitchFamily="34" charset="-122"/>
-              </a:rPr>
-              <a:t>来最小化真实源域图像与生成的合成图像之间的分布差异，</a:t>
+                <a:latin typeface="-apple-system"/>
+              </a:rPr>
+              <a:t>模型在进行分类预测</a:t>
             </a:r>
             <a:r>
               <a:rPr lang="zh-CN" altLang="en-US" b="0" i="0" dirty="0">
                 <a:solidFill>
-                  <a:srgbClr val="000000"/>
+                  <a:srgbClr val="121212"/>
                 </a:solidFill>
                 <a:effectLst/>
-                <a:latin typeface="+mn-ea"/>
-              </a:rPr>
-              <a:t>以帮助学习域间的通用表示。</a:t>
+                <a:latin typeface="-apple-system"/>
+              </a:rPr>
+              <a:t>时，倾向于使用局部纹理特征而不是全局的物理形状。</a:t>
+            </a:r>
+            <a:endParaRPr lang="en-US" altLang="zh-CN" b="0" i="0" dirty="0">
+              <a:solidFill>
+                <a:srgbClr val="121212"/>
+              </a:solidFill>
+              <a:effectLst/>
+              <a:latin typeface="-apple-system"/>
+            </a:endParaRPr>
+          </a:p>
+          <a:p>
+            <a:pPr algn="l"/>
+            <a:r>
+              <a:rPr lang="zh-CN" altLang="en-US" b="0" i="0" dirty="0">
+                <a:solidFill>
+                  <a:srgbClr val="121212"/>
+                </a:solidFill>
+                <a:effectLst/>
+                <a:latin typeface="-apple-system"/>
+              </a:rPr>
+              <a:t>这种偏好会使得当模型遇到数据偏移或图像扰动时的性能下降。作者提出的随机卷积近似地保留图像中的形状信息，并可能扭曲局部纹理。直观地说，随机卷积会创造出无限多的具有类似全局形状但随机局部纹理不同的新域。</a:t>
+            </a:r>
+            <a:r>
+              <a:rPr lang="zh-CN" altLang="en-US" b="0" i="0" dirty="0">
+                <a:solidFill>
+                  <a:srgbClr val="121212"/>
+                </a:solidFill>
+                <a:effectLst/>
+                <a:latin typeface="-apple-system"/>
+              </a:rPr>
+              <a:t>这一做法极大的改善了神经网络的鲁棒性与泛化性</a:t>
             </a:r>
             <a:endParaRPr lang="zh-CN" altLang="en-US" dirty="0"/>
+          </a:p>
+        </p:txBody>
+      </p:sp>
+      <p:sp>
+        <p:nvSpPr>
+          <p:cNvPr id="4" name="灯片编号占位符 3"/>
+          <p:cNvSpPr>
+            <a:spLocks noGrp="1"/>
+          </p:cNvSpPr>
+          <p:nvPr>
+            <p:ph type="sldNum" sz="quarter" idx="5"/>
+          </p:nvPr>
+        </p:nvSpPr>
+        <p:spPr/>
+        <p:txBody>
+          <a:bodyPr/>
+          <a:lstStyle/>
+          <a:p>
+            <a:fld id="{C051D1BE-CA4E-40ED-88EB-F0221502D351}" type="slidenum">
+              <a:rPr lang="zh-CN" altLang="en-US" smtClean="0"/>
+            </a:fld>
+            <a:endParaRPr lang="zh-CN" altLang="en-US"/>
           </a:p>
         </p:txBody>
       </p:sp>
@@ -2439,6 +3280,7 @@
               <a:rPr lang="zh-CN" altLang="en-US"/>
               <a:t>单击此处编辑母版标题样式</a:t>
             </a:r>
+            <a:endParaRPr lang="zh-CN" altLang="en-US"/>
           </a:p>
         </p:txBody>
       </p:sp>
@@ -2503,6 +3345,7 @@
               <a:rPr lang="zh-CN" altLang="en-US"/>
               <a:t>单击此处编辑母版副标题样式</a:t>
             </a:r>
+            <a:endParaRPr lang="zh-CN" altLang="en-US"/>
           </a:p>
         </p:txBody>
       </p:sp>
@@ -2523,7 +3366,6 @@
           <a:p>
             <a:fld id="{A9F4CA5D-05E9-4925-A779-A8ED914EAD44}" type="datetimeFigureOut">
               <a:rPr lang="zh-CN" altLang="en-US" smtClean="0"/>
-              <a:t>2023/12/9</a:t>
             </a:fld>
             <a:endParaRPr lang="zh-CN" altLang="en-US"/>
           </a:p>
@@ -2565,7 +3407,6 @@
           <a:p>
             <a:fld id="{3DA1DF93-515E-4F30-A041-C9671F66BB07}" type="slidenum">
               <a:rPr lang="zh-CN" altLang="en-US" smtClean="0"/>
-              <a:t>‹#›</a:t>
             </a:fld>
             <a:endParaRPr lang="zh-CN" altLang="en-US"/>
           </a:p>
@@ -2615,6 +3456,7 @@
               <a:rPr lang="zh-CN" altLang="en-US"/>
               <a:t>单击此处编辑母版标题样式</a:t>
             </a:r>
+            <a:endParaRPr lang="zh-CN" altLang="en-US"/>
           </a:p>
         </p:txBody>
       </p:sp>
@@ -2638,6 +3480,7 @@
               <a:rPr lang="zh-CN" altLang="en-US"/>
               <a:t>单击此处编辑母版文本样式</a:t>
             </a:r>
+            <a:endParaRPr lang="zh-CN" altLang="en-US"/>
           </a:p>
           <a:p>
             <a:pPr lvl="1"/>
@@ -2645,6 +3488,7 @@
               <a:rPr lang="zh-CN" altLang="en-US"/>
               <a:t>二级</a:t>
             </a:r>
+            <a:endParaRPr lang="zh-CN" altLang="en-US"/>
           </a:p>
           <a:p>
             <a:pPr lvl="2"/>
@@ -2652,6 +3496,7 @@
               <a:rPr lang="zh-CN" altLang="en-US"/>
               <a:t>三级</a:t>
             </a:r>
+            <a:endParaRPr lang="zh-CN" altLang="en-US"/>
           </a:p>
           <a:p>
             <a:pPr lvl="3"/>
@@ -2659,6 +3504,7 @@
               <a:rPr lang="zh-CN" altLang="en-US"/>
               <a:t>四级</a:t>
             </a:r>
+            <a:endParaRPr lang="zh-CN" altLang="en-US"/>
           </a:p>
           <a:p>
             <a:pPr lvl="4"/>
@@ -2666,6 +3512,7 @@
               <a:rPr lang="zh-CN" altLang="en-US"/>
               <a:t>五级</a:t>
             </a:r>
+            <a:endParaRPr lang="zh-CN" altLang="en-US"/>
           </a:p>
         </p:txBody>
       </p:sp>
@@ -2686,7 +3533,6 @@
           <a:p>
             <a:fld id="{A9F4CA5D-05E9-4925-A779-A8ED914EAD44}" type="datetimeFigureOut">
               <a:rPr lang="zh-CN" altLang="en-US" smtClean="0"/>
-              <a:t>2023/12/9</a:t>
             </a:fld>
             <a:endParaRPr lang="zh-CN" altLang="en-US"/>
           </a:p>
@@ -2728,7 +3574,6 @@
           <a:p>
             <a:fld id="{3DA1DF93-515E-4F30-A041-C9671F66BB07}" type="slidenum">
               <a:rPr lang="zh-CN" altLang="en-US" smtClean="0"/>
-              <a:t>‹#›</a:t>
             </a:fld>
             <a:endParaRPr lang="zh-CN" altLang="en-US"/>
           </a:p>
@@ -2783,6 +3628,7 @@
               <a:rPr lang="zh-CN" altLang="en-US"/>
               <a:t>单击此处编辑母版标题样式</a:t>
             </a:r>
+            <a:endParaRPr lang="zh-CN" altLang="en-US"/>
           </a:p>
         </p:txBody>
       </p:sp>
@@ -2811,6 +3657,7 @@
               <a:rPr lang="zh-CN" altLang="en-US"/>
               <a:t>单击此处编辑母版文本样式</a:t>
             </a:r>
+            <a:endParaRPr lang="zh-CN" altLang="en-US"/>
           </a:p>
           <a:p>
             <a:pPr lvl="1"/>
@@ -2818,6 +3665,7 @@
               <a:rPr lang="zh-CN" altLang="en-US"/>
               <a:t>二级</a:t>
             </a:r>
+            <a:endParaRPr lang="zh-CN" altLang="en-US"/>
           </a:p>
           <a:p>
             <a:pPr lvl="2"/>
@@ -2825,6 +3673,7 @@
               <a:rPr lang="zh-CN" altLang="en-US"/>
               <a:t>三级</a:t>
             </a:r>
+            <a:endParaRPr lang="zh-CN" altLang="en-US"/>
           </a:p>
           <a:p>
             <a:pPr lvl="3"/>
@@ -2832,6 +3681,7 @@
               <a:rPr lang="zh-CN" altLang="en-US"/>
               <a:t>四级</a:t>
             </a:r>
+            <a:endParaRPr lang="zh-CN" altLang="en-US"/>
           </a:p>
           <a:p>
             <a:pPr lvl="4"/>
@@ -2839,6 +3689,7 @@
               <a:rPr lang="zh-CN" altLang="en-US"/>
               <a:t>五级</a:t>
             </a:r>
+            <a:endParaRPr lang="zh-CN" altLang="en-US"/>
           </a:p>
         </p:txBody>
       </p:sp>
@@ -2859,7 +3710,6 @@
           <a:p>
             <a:fld id="{A9F4CA5D-05E9-4925-A779-A8ED914EAD44}" type="datetimeFigureOut">
               <a:rPr lang="zh-CN" altLang="en-US" smtClean="0"/>
-              <a:t>2023/12/9</a:t>
             </a:fld>
             <a:endParaRPr lang="zh-CN" altLang="en-US"/>
           </a:p>
@@ -2901,7 +3751,6 @@
           <a:p>
             <a:fld id="{3DA1DF93-515E-4F30-A041-C9671F66BB07}" type="slidenum">
               <a:rPr lang="zh-CN" altLang="en-US" smtClean="0"/>
-              <a:t>‹#›</a:t>
             </a:fld>
             <a:endParaRPr lang="zh-CN" altLang="en-US"/>
           </a:p>
@@ -2951,6 +3800,7 @@
               <a:rPr lang="zh-CN" altLang="en-US"/>
               <a:t>单击此处编辑母版标题样式</a:t>
             </a:r>
+            <a:endParaRPr lang="zh-CN" altLang="en-US"/>
           </a:p>
         </p:txBody>
       </p:sp>
@@ -2974,6 +3824,7 @@
               <a:rPr lang="zh-CN" altLang="en-US"/>
               <a:t>单击此处编辑母版文本样式</a:t>
             </a:r>
+            <a:endParaRPr lang="zh-CN" altLang="en-US"/>
           </a:p>
           <a:p>
             <a:pPr lvl="1"/>
@@ -2981,6 +3832,7 @@
               <a:rPr lang="zh-CN" altLang="en-US"/>
               <a:t>二级</a:t>
             </a:r>
+            <a:endParaRPr lang="zh-CN" altLang="en-US"/>
           </a:p>
           <a:p>
             <a:pPr lvl="2"/>
@@ -2988,6 +3840,7 @@
               <a:rPr lang="zh-CN" altLang="en-US"/>
               <a:t>三级</a:t>
             </a:r>
+            <a:endParaRPr lang="zh-CN" altLang="en-US"/>
           </a:p>
           <a:p>
             <a:pPr lvl="3"/>
@@ -2995,6 +3848,7 @@
               <a:rPr lang="zh-CN" altLang="en-US"/>
               <a:t>四级</a:t>
             </a:r>
+            <a:endParaRPr lang="zh-CN" altLang="en-US"/>
           </a:p>
           <a:p>
             <a:pPr lvl="4"/>
@@ -3002,6 +3856,7 @@
               <a:rPr lang="zh-CN" altLang="en-US"/>
               <a:t>五级</a:t>
             </a:r>
+            <a:endParaRPr lang="zh-CN" altLang="en-US"/>
           </a:p>
         </p:txBody>
       </p:sp>
@@ -3022,7 +3877,6 @@
           <a:p>
             <a:fld id="{A9F4CA5D-05E9-4925-A779-A8ED914EAD44}" type="datetimeFigureOut">
               <a:rPr lang="zh-CN" altLang="en-US" smtClean="0"/>
-              <a:t>2023/12/9</a:t>
             </a:fld>
             <a:endParaRPr lang="zh-CN" altLang="en-US"/>
           </a:p>
@@ -3064,7 +3918,6 @@
           <a:p>
             <a:fld id="{3DA1DF93-515E-4F30-A041-C9671F66BB07}" type="slidenum">
               <a:rPr lang="zh-CN" altLang="en-US" smtClean="0"/>
-              <a:t>‹#›</a:t>
             </a:fld>
             <a:endParaRPr lang="zh-CN" altLang="en-US"/>
           </a:p>
@@ -3123,6 +3976,7 @@
               <a:rPr lang="zh-CN" altLang="en-US"/>
               <a:t>单击此处编辑母版标题样式</a:t>
             </a:r>
+            <a:endParaRPr lang="zh-CN" altLang="en-US"/>
           </a:p>
         </p:txBody>
       </p:sp>
@@ -3242,6 +4096,7 @@
               <a:rPr lang="zh-CN" altLang="en-US"/>
               <a:t>单击此处编辑母版文本样式</a:t>
             </a:r>
+            <a:endParaRPr lang="zh-CN" altLang="en-US"/>
           </a:p>
         </p:txBody>
       </p:sp>
@@ -3262,7 +4117,6 @@
           <a:p>
             <a:fld id="{A9F4CA5D-05E9-4925-A779-A8ED914EAD44}" type="datetimeFigureOut">
               <a:rPr lang="zh-CN" altLang="en-US" smtClean="0"/>
-              <a:t>2023/12/9</a:t>
             </a:fld>
             <a:endParaRPr lang="zh-CN" altLang="en-US"/>
           </a:p>
@@ -3304,7 +4158,6 @@
           <a:p>
             <a:fld id="{3DA1DF93-515E-4F30-A041-C9671F66BB07}" type="slidenum">
               <a:rPr lang="zh-CN" altLang="en-US" smtClean="0"/>
-              <a:t>‹#›</a:t>
             </a:fld>
             <a:endParaRPr lang="zh-CN" altLang="en-US"/>
           </a:p>
@@ -3354,6 +4207,7 @@
               <a:rPr lang="zh-CN" altLang="en-US"/>
               <a:t>单击此处编辑母版标题样式</a:t>
             </a:r>
+            <a:endParaRPr lang="zh-CN" altLang="en-US"/>
           </a:p>
         </p:txBody>
       </p:sp>
@@ -3382,6 +4236,7 @@
               <a:rPr lang="zh-CN" altLang="en-US"/>
               <a:t>单击此处编辑母版文本样式</a:t>
             </a:r>
+            <a:endParaRPr lang="zh-CN" altLang="en-US"/>
           </a:p>
           <a:p>
             <a:pPr lvl="1"/>
@@ -3389,6 +4244,7 @@
               <a:rPr lang="zh-CN" altLang="en-US"/>
               <a:t>二级</a:t>
             </a:r>
+            <a:endParaRPr lang="zh-CN" altLang="en-US"/>
           </a:p>
           <a:p>
             <a:pPr lvl="2"/>
@@ -3396,6 +4252,7 @@
               <a:rPr lang="zh-CN" altLang="en-US"/>
               <a:t>三级</a:t>
             </a:r>
+            <a:endParaRPr lang="zh-CN" altLang="en-US"/>
           </a:p>
           <a:p>
             <a:pPr lvl="3"/>
@@ -3403,6 +4260,7 @@
               <a:rPr lang="zh-CN" altLang="en-US"/>
               <a:t>四级</a:t>
             </a:r>
+            <a:endParaRPr lang="zh-CN" altLang="en-US"/>
           </a:p>
           <a:p>
             <a:pPr lvl="4"/>
@@ -3410,6 +4268,7 @@
               <a:rPr lang="zh-CN" altLang="en-US"/>
               <a:t>五级</a:t>
             </a:r>
+            <a:endParaRPr lang="zh-CN" altLang="en-US"/>
           </a:p>
         </p:txBody>
       </p:sp>
@@ -3438,6 +4297,7 @@
               <a:rPr lang="zh-CN" altLang="en-US"/>
               <a:t>单击此处编辑母版文本样式</a:t>
             </a:r>
+            <a:endParaRPr lang="zh-CN" altLang="en-US"/>
           </a:p>
           <a:p>
             <a:pPr lvl="1"/>
@@ -3445,6 +4305,7 @@
               <a:rPr lang="zh-CN" altLang="en-US"/>
               <a:t>二级</a:t>
             </a:r>
+            <a:endParaRPr lang="zh-CN" altLang="en-US"/>
           </a:p>
           <a:p>
             <a:pPr lvl="2"/>
@@ -3452,6 +4313,7 @@
               <a:rPr lang="zh-CN" altLang="en-US"/>
               <a:t>三级</a:t>
             </a:r>
+            <a:endParaRPr lang="zh-CN" altLang="en-US"/>
           </a:p>
           <a:p>
             <a:pPr lvl="3"/>
@@ -3459,6 +4321,7 @@
               <a:rPr lang="zh-CN" altLang="en-US"/>
               <a:t>四级</a:t>
             </a:r>
+            <a:endParaRPr lang="zh-CN" altLang="en-US"/>
           </a:p>
           <a:p>
             <a:pPr lvl="4"/>
@@ -3466,6 +4329,7 @@
               <a:rPr lang="zh-CN" altLang="en-US"/>
               <a:t>五级</a:t>
             </a:r>
+            <a:endParaRPr lang="zh-CN" altLang="en-US"/>
           </a:p>
         </p:txBody>
       </p:sp>
@@ -3486,7 +4350,6 @@
           <a:p>
             <a:fld id="{A9F4CA5D-05E9-4925-A779-A8ED914EAD44}" type="datetimeFigureOut">
               <a:rPr lang="zh-CN" altLang="en-US" smtClean="0"/>
-              <a:t>2023/12/9</a:t>
             </a:fld>
             <a:endParaRPr lang="zh-CN" altLang="en-US"/>
           </a:p>
@@ -3528,7 +4391,6 @@
           <a:p>
             <a:fld id="{3DA1DF93-515E-4F30-A041-C9671F66BB07}" type="slidenum">
               <a:rPr lang="zh-CN" altLang="en-US" smtClean="0"/>
-              <a:t>‹#›</a:t>
             </a:fld>
             <a:endParaRPr lang="zh-CN" altLang="en-US"/>
           </a:p>
@@ -3583,6 +4445,7 @@
               <a:rPr lang="zh-CN" altLang="en-US"/>
               <a:t>单击此处编辑母版标题样式</a:t>
             </a:r>
+            <a:endParaRPr lang="zh-CN" altLang="en-US"/>
           </a:p>
         </p:txBody>
       </p:sp>
@@ -3648,6 +4511,7 @@
               <a:rPr lang="zh-CN" altLang="en-US"/>
               <a:t>单击此处编辑母版文本样式</a:t>
             </a:r>
+            <a:endParaRPr lang="zh-CN" altLang="en-US"/>
           </a:p>
         </p:txBody>
       </p:sp>
@@ -3676,6 +4540,7 @@
               <a:rPr lang="zh-CN" altLang="en-US"/>
               <a:t>单击此处编辑母版文本样式</a:t>
             </a:r>
+            <a:endParaRPr lang="zh-CN" altLang="en-US"/>
           </a:p>
           <a:p>
             <a:pPr lvl="1"/>
@@ -3683,6 +4548,7 @@
               <a:rPr lang="zh-CN" altLang="en-US"/>
               <a:t>二级</a:t>
             </a:r>
+            <a:endParaRPr lang="zh-CN" altLang="en-US"/>
           </a:p>
           <a:p>
             <a:pPr lvl="2"/>
@@ -3690,6 +4556,7 @@
               <a:rPr lang="zh-CN" altLang="en-US"/>
               <a:t>三级</a:t>
             </a:r>
+            <a:endParaRPr lang="zh-CN" altLang="en-US"/>
           </a:p>
           <a:p>
             <a:pPr lvl="3"/>
@@ -3697,6 +4564,7 @@
               <a:rPr lang="zh-CN" altLang="en-US"/>
               <a:t>四级</a:t>
             </a:r>
+            <a:endParaRPr lang="zh-CN" altLang="en-US"/>
           </a:p>
           <a:p>
             <a:pPr lvl="4"/>
@@ -3704,6 +4572,7 @@
               <a:rPr lang="zh-CN" altLang="en-US"/>
               <a:t>五级</a:t>
             </a:r>
+            <a:endParaRPr lang="zh-CN" altLang="en-US"/>
           </a:p>
         </p:txBody>
       </p:sp>
@@ -3769,6 +4638,7 @@
               <a:rPr lang="zh-CN" altLang="en-US"/>
               <a:t>单击此处编辑母版文本样式</a:t>
             </a:r>
+            <a:endParaRPr lang="zh-CN" altLang="en-US"/>
           </a:p>
         </p:txBody>
       </p:sp>
@@ -3797,6 +4667,7 @@
               <a:rPr lang="zh-CN" altLang="en-US"/>
               <a:t>单击此处编辑母版文本样式</a:t>
             </a:r>
+            <a:endParaRPr lang="zh-CN" altLang="en-US"/>
           </a:p>
           <a:p>
             <a:pPr lvl="1"/>
@@ -3804,6 +4675,7 @@
               <a:rPr lang="zh-CN" altLang="en-US"/>
               <a:t>二级</a:t>
             </a:r>
+            <a:endParaRPr lang="zh-CN" altLang="en-US"/>
           </a:p>
           <a:p>
             <a:pPr lvl="2"/>
@@ -3811,6 +4683,7 @@
               <a:rPr lang="zh-CN" altLang="en-US"/>
               <a:t>三级</a:t>
             </a:r>
+            <a:endParaRPr lang="zh-CN" altLang="en-US"/>
           </a:p>
           <a:p>
             <a:pPr lvl="3"/>
@@ -3818,6 +4691,7 @@
               <a:rPr lang="zh-CN" altLang="en-US"/>
               <a:t>四级</a:t>
             </a:r>
+            <a:endParaRPr lang="zh-CN" altLang="en-US"/>
           </a:p>
           <a:p>
             <a:pPr lvl="4"/>
@@ -3825,6 +4699,7 @@
               <a:rPr lang="zh-CN" altLang="en-US"/>
               <a:t>五级</a:t>
             </a:r>
+            <a:endParaRPr lang="zh-CN" altLang="en-US"/>
           </a:p>
         </p:txBody>
       </p:sp>
@@ -3845,7 +4720,6 @@
           <a:p>
             <a:fld id="{A9F4CA5D-05E9-4925-A779-A8ED914EAD44}" type="datetimeFigureOut">
               <a:rPr lang="zh-CN" altLang="en-US" smtClean="0"/>
-              <a:t>2023/12/9</a:t>
             </a:fld>
             <a:endParaRPr lang="zh-CN" altLang="en-US"/>
           </a:p>
@@ -3887,7 +4761,6 @@
           <a:p>
             <a:fld id="{3DA1DF93-515E-4F30-A041-C9671F66BB07}" type="slidenum">
               <a:rPr lang="zh-CN" altLang="en-US" smtClean="0"/>
-              <a:t>‹#›</a:t>
             </a:fld>
             <a:endParaRPr lang="zh-CN" altLang="en-US"/>
           </a:p>
@@ -3937,6 +4810,7 @@
               <a:rPr lang="zh-CN" altLang="en-US"/>
               <a:t>单击此处编辑母版标题样式</a:t>
             </a:r>
+            <a:endParaRPr lang="zh-CN" altLang="en-US"/>
           </a:p>
         </p:txBody>
       </p:sp>
@@ -3957,7 +4831,6 @@
           <a:p>
             <a:fld id="{A9F4CA5D-05E9-4925-A779-A8ED914EAD44}" type="datetimeFigureOut">
               <a:rPr lang="zh-CN" altLang="en-US" smtClean="0"/>
-              <a:t>2023/12/9</a:t>
             </a:fld>
             <a:endParaRPr lang="zh-CN" altLang="en-US"/>
           </a:p>
@@ -3999,7 +4872,6 @@
           <a:p>
             <a:fld id="{3DA1DF93-515E-4F30-A041-C9671F66BB07}" type="slidenum">
               <a:rPr lang="zh-CN" altLang="en-US" smtClean="0"/>
-              <a:t>‹#›</a:t>
             </a:fld>
             <a:endParaRPr lang="zh-CN" altLang="en-US"/>
           </a:p>
@@ -4047,7 +4919,6 @@
           <a:p>
             <a:fld id="{A9F4CA5D-05E9-4925-A779-A8ED914EAD44}" type="datetimeFigureOut">
               <a:rPr lang="zh-CN" altLang="en-US" smtClean="0"/>
-              <a:t>2023/12/9</a:t>
             </a:fld>
             <a:endParaRPr lang="zh-CN" altLang="en-US"/>
           </a:p>
@@ -4089,7 +4960,6 @@
           <a:p>
             <a:fld id="{3DA1DF93-515E-4F30-A041-C9671F66BB07}" type="slidenum">
               <a:rPr lang="zh-CN" altLang="en-US" smtClean="0"/>
-              <a:t>‹#›</a:t>
             </a:fld>
             <a:endParaRPr lang="zh-CN" altLang="en-US"/>
           </a:p>
@@ -4148,6 +5018,7 @@
               <a:rPr lang="zh-CN" altLang="en-US"/>
               <a:t>单击此处编辑母版标题样式</a:t>
             </a:r>
+            <a:endParaRPr lang="zh-CN" altLang="en-US"/>
           </a:p>
         </p:txBody>
       </p:sp>
@@ -4204,6 +5075,7 @@
               <a:rPr lang="zh-CN" altLang="en-US"/>
               <a:t>单击此处编辑母版文本样式</a:t>
             </a:r>
+            <a:endParaRPr lang="zh-CN" altLang="en-US"/>
           </a:p>
           <a:p>
             <a:pPr lvl="1"/>
@@ -4211,6 +5083,7 @@
               <a:rPr lang="zh-CN" altLang="en-US"/>
               <a:t>二级</a:t>
             </a:r>
+            <a:endParaRPr lang="zh-CN" altLang="en-US"/>
           </a:p>
           <a:p>
             <a:pPr lvl="2"/>
@@ -4218,6 +5091,7 @@
               <a:rPr lang="zh-CN" altLang="en-US"/>
               <a:t>三级</a:t>
             </a:r>
+            <a:endParaRPr lang="zh-CN" altLang="en-US"/>
           </a:p>
           <a:p>
             <a:pPr lvl="3"/>
@@ -4225,6 +5099,7 @@
               <a:rPr lang="zh-CN" altLang="en-US"/>
               <a:t>四级</a:t>
             </a:r>
+            <a:endParaRPr lang="zh-CN" altLang="en-US"/>
           </a:p>
           <a:p>
             <a:pPr lvl="4"/>
@@ -4232,6 +5107,7 @@
               <a:rPr lang="zh-CN" altLang="en-US"/>
               <a:t>五级</a:t>
             </a:r>
+            <a:endParaRPr lang="zh-CN" altLang="en-US"/>
           </a:p>
         </p:txBody>
       </p:sp>
@@ -4297,6 +5173,7 @@
               <a:rPr lang="zh-CN" altLang="en-US"/>
               <a:t>单击此处编辑母版文本样式</a:t>
             </a:r>
+            <a:endParaRPr lang="zh-CN" altLang="en-US"/>
           </a:p>
         </p:txBody>
       </p:sp>
@@ -4317,7 +5194,6 @@
           <a:p>
             <a:fld id="{A9F4CA5D-05E9-4925-A779-A8ED914EAD44}" type="datetimeFigureOut">
               <a:rPr lang="zh-CN" altLang="en-US" smtClean="0"/>
-              <a:t>2023/12/9</a:t>
             </a:fld>
             <a:endParaRPr lang="zh-CN" altLang="en-US"/>
           </a:p>
@@ -4359,7 +5235,6 @@
           <a:p>
             <a:fld id="{3DA1DF93-515E-4F30-A041-C9671F66BB07}" type="slidenum">
               <a:rPr lang="zh-CN" altLang="en-US" smtClean="0"/>
-              <a:t>‹#›</a:t>
             </a:fld>
             <a:endParaRPr lang="zh-CN" altLang="en-US"/>
           </a:p>
@@ -4418,6 +5293,7 @@
               <a:rPr lang="zh-CN" altLang="en-US"/>
               <a:t>单击此处编辑母版标题样式</a:t>
             </a:r>
+            <a:endParaRPr lang="zh-CN" altLang="en-US"/>
           </a:p>
         </p:txBody>
       </p:sp>
@@ -4482,6 +5358,7 @@
               <a:rPr lang="zh-CN" altLang="en-US"/>
               <a:t>单击图标添加图片</a:t>
             </a:r>
+            <a:endParaRPr lang="zh-CN" altLang="en-US"/>
           </a:p>
         </p:txBody>
       </p:sp>
@@ -4547,6 +5424,7 @@
               <a:rPr lang="zh-CN" altLang="en-US"/>
               <a:t>单击此处编辑母版文本样式</a:t>
             </a:r>
+            <a:endParaRPr lang="zh-CN" altLang="en-US"/>
           </a:p>
         </p:txBody>
       </p:sp>
@@ -4567,7 +5445,6 @@
           <a:p>
             <a:fld id="{A9F4CA5D-05E9-4925-A779-A8ED914EAD44}" type="datetimeFigureOut">
               <a:rPr lang="zh-CN" altLang="en-US" smtClean="0"/>
-              <a:t>2023/12/9</a:t>
             </a:fld>
             <a:endParaRPr lang="zh-CN" altLang="en-US"/>
           </a:p>
@@ -4609,7 +5486,6 @@
           <a:p>
             <a:fld id="{3DA1DF93-515E-4F30-A041-C9671F66BB07}" type="slidenum">
               <a:rPr lang="zh-CN" altLang="en-US" smtClean="0"/>
-              <a:t>‹#›</a:t>
             </a:fld>
             <a:endParaRPr lang="zh-CN" altLang="en-US"/>
           </a:p>
@@ -4674,6 +5550,7 @@
               <a:rPr lang="zh-CN" altLang="en-US"/>
               <a:t>单击此处编辑母版标题样式</a:t>
             </a:r>
+            <a:endParaRPr lang="zh-CN" altLang="en-US"/>
           </a:p>
         </p:txBody>
       </p:sp>
@@ -4707,6 +5584,7 @@
               <a:rPr lang="zh-CN" altLang="en-US"/>
               <a:t>单击此处编辑母版文本样式</a:t>
             </a:r>
+            <a:endParaRPr lang="zh-CN" altLang="en-US"/>
           </a:p>
           <a:p>
             <a:pPr lvl="1"/>
@@ -4714,6 +5592,7 @@
               <a:rPr lang="zh-CN" altLang="en-US"/>
               <a:t>二级</a:t>
             </a:r>
+            <a:endParaRPr lang="zh-CN" altLang="en-US"/>
           </a:p>
           <a:p>
             <a:pPr lvl="2"/>
@@ -4721,6 +5600,7 @@
               <a:rPr lang="zh-CN" altLang="en-US"/>
               <a:t>三级</a:t>
             </a:r>
+            <a:endParaRPr lang="zh-CN" altLang="en-US"/>
           </a:p>
           <a:p>
             <a:pPr lvl="3"/>
@@ -4728,6 +5608,7 @@
               <a:rPr lang="zh-CN" altLang="en-US"/>
               <a:t>四级</a:t>
             </a:r>
+            <a:endParaRPr lang="zh-CN" altLang="en-US"/>
           </a:p>
           <a:p>
             <a:pPr lvl="4"/>
@@ -4735,6 +5616,7 @@
               <a:rPr lang="zh-CN" altLang="en-US"/>
               <a:t>五级</a:t>
             </a:r>
+            <a:endParaRPr lang="zh-CN" altLang="en-US"/>
           </a:p>
         </p:txBody>
       </p:sp>
@@ -4773,7 +5655,6 @@
           <a:p>
             <a:fld id="{A9F4CA5D-05E9-4925-A779-A8ED914EAD44}" type="datetimeFigureOut">
               <a:rPr lang="zh-CN" altLang="en-US" smtClean="0"/>
-              <a:t>2023/12/9</a:t>
             </a:fld>
             <a:endParaRPr lang="zh-CN" altLang="en-US"/>
           </a:p>
@@ -4851,7 +5732,6 @@
           <a:p>
             <a:fld id="{3DA1DF93-515E-4F30-A041-C9671F66BB07}" type="slidenum">
               <a:rPr lang="zh-CN" altLang="en-US" smtClean="0"/>
-              <a:t>‹#›</a:t>
             </a:fld>
             <a:endParaRPr lang="zh-CN" altLang="en-US"/>
           </a:p>
@@ -5285,7 +6165,7 @@
             <p:nvPr/>
           </p:nvPicPr>
           <p:blipFill>
-            <a:blip r:embed="rId3" cstate="print">
+            <a:blip r:embed="rId1" cstate="print">
               <a:extLst>
                 <a:ext uri="{28A0092B-C50C-407E-A947-70E740481C1C}">
                   <a14:useLocalDpi xmlns:a14="http://schemas.microsoft.com/office/drawing/2010/main" val="0"/>
@@ -5316,7 +6196,7 @@
             <p:nvPr/>
           </p:nvPicPr>
           <p:blipFill>
-            <a:blip r:embed="rId4" cstate="print">
+            <a:blip r:embed="rId2" cstate="print">
               <a:extLst>
                 <a:ext uri="{28A0092B-C50C-407E-A947-70E740481C1C}">
                   <a14:useLocalDpi xmlns:a14="http://schemas.microsoft.com/office/drawing/2010/main" val="0"/>
@@ -5392,6 +6272,20 @@
                 </a:rPr>
                 <a:t>BEIJING UNIVERSITY OF TECHNOLOGY</a:t>
               </a:r>
+              <a:endParaRPr kumimoji="0" lang="en-US" altLang="zh-CN" sz="800" b="1" i="0" u="none" strike="noStrike" kern="1200" cap="none" spc="0" normalizeH="0" baseline="0" noProof="0" dirty="0">
+                <a:ln>
+                  <a:noFill/>
+                </a:ln>
+                <a:solidFill>
+                  <a:srgbClr val="024282"/>
+                </a:solidFill>
+                <a:effectLst/>
+                <a:uLnTx/>
+                <a:uFillTx/>
+                <a:latin typeface="Calibri" panose="020F0502020204030204"/>
+                <a:ea typeface="宋体" pitchFamily="2" charset="-122"/>
+                <a:cs typeface="+mn-cs"/>
+              </a:endParaRPr>
             </a:p>
           </p:txBody>
         </p:sp>
@@ -5430,7 +6324,7 @@
         </p:nvSpPr>
         <p:spPr>
           <a:xfrm>
-            <a:off x="1765935" y="2839720"/>
+            <a:off x="1970405" y="2839720"/>
             <a:ext cx="9185275" cy="768350"/>
           </a:xfrm>
           <a:prstGeom prst="rect">
@@ -5469,6 +6363,11 @@
               </a:rPr>
               <a:t>分类算法研究</a:t>
             </a:r>
+            <a:endParaRPr lang="zh-CN" altLang="en-US" sz="4400" dirty="0">
+              <a:solidFill>
+                <a:schemeClr val="bg1"/>
+              </a:solidFill>
+            </a:endParaRPr>
           </a:p>
         </p:txBody>
       </p:sp>
@@ -5480,8 +6379,8 @@
         </p:nvSpPr>
         <p:spPr>
           <a:xfrm>
-            <a:off x="3274867" y="4721192"/>
-            <a:ext cx="5384223" cy="400110"/>
+            <a:off x="3274695" y="4695825"/>
+            <a:ext cx="6181725" cy="398780"/>
           </a:xfrm>
           <a:prstGeom prst="rect">
             <a:avLst/>
@@ -5502,6 +6401,11 @@
               </a:rPr>
               <a:t>答辩人：张一鸣           指导老师：贾熹滨</a:t>
             </a:r>
+            <a:endParaRPr lang="zh-CN" altLang="en-US" sz="2000" dirty="0">
+              <a:solidFill>
+                <a:schemeClr val="bg1"/>
+              </a:solidFill>
+            </a:endParaRPr>
           </a:p>
         </p:txBody>
       </p:sp>
@@ -5588,7 +6492,7 @@
             <p:nvPr/>
           </p:nvPicPr>
           <p:blipFill>
-            <a:blip r:embed="rId3" cstate="print">
+            <a:blip r:embed="rId1" cstate="print">
               <a:extLst>
                 <a:ext uri="{28A0092B-C50C-407E-A947-70E740481C1C}">
                   <a14:useLocalDpi xmlns:a14="http://schemas.microsoft.com/office/drawing/2010/main" val="0"/>
@@ -5619,7 +6523,7 @@
             <p:nvPr/>
           </p:nvPicPr>
           <p:blipFill>
-            <a:blip r:embed="rId4" cstate="print">
+            <a:blip r:embed="rId2" cstate="print">
               <a:extLst>
                 <a:ext uri="{28A0092B-C50C-407E-A947-70E740481C1C}">
                   <a14:useLocalDpi xmlns:a14="http://schemas.microsoft.com/office/drawing/2010/main" val="0"/>
@@ -5695,6 +6599,20 @@
                 </a:rPr>
                 <a:t>BEIJING UNIVERSITY OF TECHNOLOGY</a:t>
               </a:r>
+              <a:endParaRPr kumimoji="0" lang="en-US" altLang="zh-CN" sz="800" b="1" i="0" u="none" strike="noStrike" kern="1200" cap="none" spc="0" normalizeH="0" baseline="0" noProof="0" dirty="0">
+                <a:ln>
+                  <a:noFill/>
+                </a:ln>
+                <a:solidFill>
+                  <a:srgbClr val="024282"/>
+                </a:solidFill>
+                <a:effectLst/>
+                <a:uLnTx/>
+                <a:uFillTx/>
+                <a:latin typeface="Calibri" panose="020F0502020204030204"/>
+                <a:ea typeface="宋体" pitchFamily="2" charset="-122"/>
+                <a:cs typeface="+mn-cs"/>
+              </a:endParaRPr>
             </a:p>
           </p:txBody>
         </p:sp>
@@ -5734,7 +6652,7 @@
           <p:nvPr/>
         </p:nvPicPr>
         <p:blipFill>
-          <a:blip r:embed="rId5"/>
+          <a:blip r:embed="rId3"/>
           <a:stretch>
             <a:fillRect/>
           </a:stretch>
@@ -5926,18 +6844,13 @@
               <a:rPr lang="zh-CN" altLang="en-US" sz="3600" dirty="0"/>
               <a:t>研究现状</a:t>
             </a:r>
+            <a:endParaRPr lang="zh-CN" altLang="en-US" sz="3600" dirty="0"/>
           </a:p>
         </p:txBody>
       </p:sp>
       <p:sp>
         <p:nvSpPr>
-          <p:cNvPr id="6" name="文本框 5">
-            <a:extLst>
-              <a:ext uri="{FF2B5EF4-FFF2-40B4-BE49-F238E27FC236}">
-                <a16:creationId xmlns:a16="http://schemas.microsoft.com/office/drawing/2014/main" id="{2ED4377D-1E8C-62BC-638B-9764DF75ABFF}"/>
-              </a:ext>
-            </a:extLst>
-          </p:cNvPr>
+          <p:cNvPr id="6" name="文本框 5"/>
           <p:cNvSpPr txBox="1"/>
           <p:nvPr/>
         </p:nvSpPr>
@@ -6068,7 +6981,7 @@
             <p:nvPr/>
           </p:nvPicPr>
           <p:blipFill>
-            <a:blip r:embed="rId3" cstate="print">
+            <a:blip r:embed="rId1" cstate="print">
               <a:extLst>
                 <a:ext uri="{28A0092B-C50C-407E-A947-70E740481C1C}">
                   <a14:useLocalDpi xmlns:a14="http://schemas.microsoft.com/office/drawing/2010/main" val="0"/>
@@ -6099,7 +7012,7 @@
             <p:nvPr/>
           </p:nvPicPr>
           <p:blipFill>
-            <a:blip r:embed="rId4" cstate="print">
+            <a:blip r:embed="rId2" cstate="print">
               <a:extLst>
                 <a:ext uri="{28A0092B-C50C-407E-A947-70E740481C1C}">
                   <a14:useLocalDpi xmlns:a14="http://schemas.microsoft.com/office/drawing/2010/main" val="0"/>
@@ -6175,6 +7088,20 @@
                 </a:rPr>
                 <a:t>BEIJING UNIVERSITY OF TECHNOLOGY</a:t>
               </a:r>
+              <a:endParaRPr kumimoji="0" lang="en-US" altLang="zh-CN" sz="800" b="1" i="0" u="none" strike="noStrike" kern="1200" cap="none" spc="0" normalizeH="0" baseline="0" noProof="0" dirty="0">
+                <a:ln>
+                  <a:noFill/>
+                </a:ln>
+                <a:solidFill>
+                  <a:srgbClr val="024282"/>
+                </a:solidFill>
+                <a:effectLst/>
+                <a:uLnTx/>
+                <a:uFillTx/>
+                <a:latin typeface="Calibri" panose="020F0502020204030204"/>
+                <a:ea typeface="宋体" pitchFamily="2" charset="-122"/>
+                <a:cs typeface="+mn-cs"/>
+              </a:endParaRPr>
             </a:p>
           </p:txBody>
         </p:sp>
@@ -6214,7 +7141,7 @@
           <p:nvPr/>
         </p:nvPicPr>
         <p:blipFill>
-          <a:blip r:embed="rId5"/>
+          <a:blip r:embed="rId3"/>
           <a:stretch>
             <a:fillRect/>
           </a:stretch>
@@ -6279,6 +7206,10 @@
               </a:rPr>
               <a:t> 2022 CVPR</a:t>
             </a:r>
+            <a:endParaRPr lang="en-US" altLang="zh-CN" sz="1600" dirty="0">
+              <a:latin typeface="Times New Roman" panose="02020603050405020304" pitchFamily="18" charset="0"/>
+              <a:cs typeface="Times New Roman" panose="02020603050405020304" pitchFamily="18" charset="0"/>
+            </a:endParaRPr>
           </a:p>
         </p:txBody>
       </p:sp>
@@ -6308,18 +7239,13 @@
               <a:rPr lang="zh-CN" altLang="en-US" sz="3600" dirty="0"/>
               <a:t>研究现状</a:t>
             </a:r>
+            <a:endParaRPr lang="zh-CN" altLang="en-US" sz="3600" dirty="0"/>
           </a:p>
         </p:txBody>
       </p:sp>
       <p:sp>
         <p:nvSpPr>
-          <p:cNvPr id="6" name="文本框 5">
-            <a:extLst>
-              <a:ext uri="{FF2B5EF4-FFF2-40B4-BE49-F238E27FC236}">
-                <a16:creationId xmlns:a16="http://schemas.microsoft.com/office/drawing/2014/main" id="{8AC7FC45-1845-87A5-0054-CC6FA1F2137D}"/>
-              </a:ext>
-            </a:extLst>
-          </p:cNvPr>
+          <p:cNvPr id="6" name="文本框 5"/>
           <p:cNvSpPr txBox="1"/>
           <p:nvPr/>
         </p:nvSpPr>
@@ -6352,6 +7278,7 @@
               <a:rPr lang="zh-CN" altLang="en-US" sz="2400" dirty="0"/>
               <a:t>等人提出了基于代理的对比学习方法。该方法既避免了对比学习中拉齐正样本时带来的正对齐问题，也从负样本对中学习到了丰富的语义信息，同时基于代理的方法使得模型能够更快收敛，提升了模型泛化性</a:t>
             </a:r>
+            <a:endParaRPr lang="zh-CN" altLang="en-US" sz="2400" dirty="0"/>
           </a:p>
         </p:txBody>
       </p:sp>
@@ -6438,7 +7365,7 @@
             <p:nvPr/>
           </p:nvPicPr>
           <p:blipFill>
-            <a:blip r:embed="rId3" cstate="print">
+            <a:blip r:embed="rId1" cstate="print">
               <a:extLst>
                 <a:ext uri="{28A0092B-C50C-407E-A947-70E740481C1C}">
                   <a14:useLocalDpi xmlns:a14="http://schemas.microsoft.com/office/drawing/2010/main" val="0"/>
@@ -6469,7 +7396,7 @@
             <p:nvPr/>
           </p:nvPicPr>
           <p:blipFill>
-            <a:blip r:embed="rId4" cstate="print">
+            <a:blip r:embed="rId2" cstate="print">
               <a:extLst>
                 <a:ext uri="{28A0092B-C50C-407E-A947-70E740481C1C}">
                   <a14:useLocalDpi xmlns:a14="http://schemas.microsoft.com/office/drawing/2010/main" val="0"/>
@@ -6545,6 +7472,20 @@
                 </a:rPr>
                 <a:t>BEIJING UNIVERSITY OF TECHNOLOGY</a:t>
               </a:r>
+              <a:endParaRPr kumimoji="0" lang="en-US" altLang="zh-CN" sz="800" b="1" i="0" u="none" strike="noStrike" kern="1200" cap="none" spc="0" normalizeH="0" baseline="0" noProof="0" dirty="0">
+                <a:ln>
+                  <a:noFill/>
+                </a:ln>
+                <a:solidFill>
+                  <a:srgbClr val="024282"/>
+                </a:solidFill>
+                <a:effectLst/>
+                <a:uLnTx/>
+                <a:uFillTx/>
+                <a:latin typeface="Calibri" panose="020F0502020204030204"/>
+                <a:ea typeface="宋体" pitchFamily="2" charset="-122"/>
+                <a:cs typeface="+mn-cs"/>
+              </a:endParaRPr>
             </a:p>
           </p:txBody>
         </p:sp>
@@ -6601,18 +7542,13 @@
               <a:rPr lang="zh-CN" altLang="en-US" sz="3600" dirty="0"/>
               <a:t>研究现状</a:t>
             </a:r>
+            <a:endParaRPr lang="zh-CN" altLang="en-US" sz="3600" dirty="0"/>
           </a:p>
         </p:txBody>
       </p:sp>
       <p:sp>
         <p:nvSpPr>
-          <p:cNvPr id="12" name="文本框 11">
-            <a:extLst>
-              <a:ext uri="{FF2B5EF4-FFF2-40B4-BE49-F238E27FC236}">
-                <a16:creationId xmlns:a16="http://schemas.microsoft.com/office/drawing/2014/main" id="{17C67D05-4EF5-9BB4-4209-7D8358F269DE}"/>
-              </a:ext>
-            </a:extLst>
-          </p:cNvPr>
+          <p:cNvPr id="12" name="文本框 11"/>
           <p:cNvSpPr txBox="1"/>
           <p:nvPr/>
         </p:nvSpPr>
@@ -6648,20 +7584,14 @@
       </p:sp>
       <p:pic>
         <p:nvPicPr>
-          <p:cNvPr id="5" name="图片 4">
-            <a:extLst>
-              <a:ext uri="{FF2B5EF4-FFF2-40B4-BE49-F238E27FC236}">
-                <a16:creationId xmlns:a16="http://schemas.microsoft.com/office/drawing/2014/main" id="{D60637CA-B382-5028-8274-CA8EA015B99F}"/>
-              </a:ext>
-            </a:extLst>
-          </p:cNvPr>
+          <p:cNvPr id="5" name="图片 4"/>
           <p:cNvPicPr>
             <a:picLocks noChangeAspect="1"/>
           </p:cNvPicPr>
           <p:nvPr/>
         </p:nvPicPr>
         <p:blipFill>
-          <a:blip r:embed="rId5"/>
+          <a:blip r:embed="rId3"/>
           <a:stretch>
             <a:fillRect/>
           </a:stretch>
@@ -6678,13 +7608,7 @@
       </p:pic>
       <p:sp>
         <p:nvSpPr>
-          <p:cNvPr id="8" name="文本框 7">
-            <a:extLst>
-              <a:ext uri="{FF2B5EF4-FFF2-40B4-BE49-F238E27FC236}">
-                <a16:creationId xmlns:a16="http://schemas.microsoft.com/office/drawing/2014/main" id="{F25EC152-142D-8FC5-12D8-352C6F6C0E15}"/>
-              </a:ext>
-            </a:extLst>
-          </p:cNvPr>
+          <p:cNvPr id="8" name="文本框 7"/>
           <p:cNvSpPr txBox="1"/>
           <p:nvPr/>
         </p:nvSpPr>
@@ -6842,7 +7766,7 @@
             <p:nvPr/>
           </p:nvPicPr>
           <p:blipFill>
-            <a:blip r:embed="rId3" cstate="print">
+            <a:blip r:embed="rId1" cstate="print">
               <a:extLst>
                 <a:ext uri="{28A0092B-C50C-407E-A947-70E740481C1C}">
                   <a14:useLocalDpi xmlns:a14="http://schemas.microsoft.com/office/drawing/2010/main" val="0"/>
@@ -6873,7 +7797,7 @@
             <p:nvPr/>
           </p:nvPicPr>
           <p:blipFill>
-            <a:blip r:embed="rId4" cstate="print">
+            <a:blip r:embed="rId2" cstate="print">
               <a:extLst>
                 <a:ext uri="{28A0092B-C50C-407E-A947-70E740481C1C}">
                   <a14:useLocalDpi xmlns:a14="http://schemas.microsoft.com/office/drawing/2010/main" val="0"/>
@@ -6949,6 +7873,20 @@
                 </a:rPr>
                 <a:t>BEIJING UNIVERSITY OF TECHNOLOGY</a:t>
               </a:r>
+              <a:endParaRPr kumimoji="0" lang="en-US" altLang="zh-CN" sz="800" b="1" i="0" u="none" strike="noStrike" kern="1200" cap="none" spc="0" normalizeH="0" baseline="0" noProof="0" dirty="0">
+                <a:ln>
+                  <a:noFill/>
+                </a:ln>
+                <a:solidFill>
+                  <a:srgbClr val="024282"/>
+                </a:solidFill>
+                <a:effectLst/>
+                <a:uLnTx/>
+                <a:uFillTx/>
+                <a:latin typeface="Calibri" panose="020F0502020204030204"/>
+                <a:ea typeface="宋体" pitchFamily="2" charset="-122"/>
+                <a:cs typeface="+mn-cs"/>
+              </a:endParaRPr>
             </a:p>
           </p:txBody>
         </p:sp>
@@ -6987,8 +7925,8 @@
         </p:nvSpPr>
         <p:spPr>
           <a:xfrm>
-            <a:off x="2648607" y="3064240"/>
-            <a:ext cx="6637611" cy="1015663"/>
+            <a:off x="2648585" y="3064510"/>
+            <a:ext cx="7595235" cy="1014730"/>
           </a:xfrm>
           <a:prstGeom prst="rect">
             <a:avLst/>
@@ -7013,6 +7951,7 @@
               <a:rPr lang="zh-CN" altLang="en-US" sz="6000" dirty="0"/>
               <a:t>研究内容与方案</a:t>
             </a:r>
+            <a:endParaRPr lang="zh-CN" altLang="en-US" sz="6000" dirty="0"/>
           </a:p>
         </p:txBody>
       </p:sp>
@@ -7099,7 +8038,7 @@
             <p:nvPr/>
           </p:nvPicPr>
           <p:blipFill>
-            <a:blip r:embed="rId2" cstate="print">
+            <a:blip r:embed="rId1" cstate="print">
               <a:extLst>
                 <a:ext uri="{28A0092B-C50C-407E-A947-70E740481C1C}">
                   <a14:useLocalDpi xmlns:a14="http://schemas.microsoft.com/office/drawing/2010/main" val="0"/>
@@ -7130,7 +8069,7 @@
             <p:nvPr/>
           </p:nvPicPr>
           <p:blipFill>
-            <a:blip r:embed="rId3" cstate="print">
+            <a:blip r:embed="rId2" cstate="print">
               <a:extLst>
                 <a:ext uri="{28A0092B-C50C-407E-A947-70E740481C1C}">
                   <a14:useLocalDpi xmlns:a14="http://schemas.microsoft.com/office/drawing/2010/main" val="0"/>
@@ -7206,6 +8145,20 @@
                 </a:rPr>
                 <a:t>BEIJING UNIVERSITY OF TECHNOLOGY</a:t>
               </a:r>
+              <a:endParaRPr kumimoji="0" lang="en-US" altLang="zh-CN" sz="800" b="1" i="0" u="none" strike="noStrike" kern="1200" cap="none" spc="0" normalizeH="0" baseline="0" noProof="0" dirty="0">
+                <a:ln>
+                  <a:noFill/>
+                </a:ln>
+                <a:solidFill>
+                  <a:srgbClr val="024282"/>
+                </a:solidFill>
+                <a:effectLst/>
+                <a:uLnTx/>
+                <a:uFillTx/>
+                <a:latin typeface="Calibri" panose="020F0502020204030204"/>
+                <a:ea typeface="宋体" pitchFamily="2" charset="-122"/>
+                <a:cs typeface="+mn-cs"/>
+              </a:endParaRPr>
             </a:p>
           </p:txBody>
         </p:sp>
@@ -7272,8 +8225,13 @@
             </a:r>
             <a:r>
               <a:rPr lang="zh-CN" altLang="en-US" sz="2400"/>
-              <a:t>影像数据训练腹部器官（肝、脾、肾）的多标签识别模型，</a:t>
-            </a:r>
+              <a:t>影像数据训练腹部器官（肝、脾、肾）的多标签</a:t>
+            </a:r>
+            <a:r>
+              <a:rPr lang="zh-CN" altLang="en-US" sz="2400"/>
+              <a:t>分类模型，</a:t>
+            </a:r>
+            <a:endParaRPr lang="zh-CN" altLang="en-US" sz="2400"/>
           </a:p>
           <a:p>
             <a:r>
@@ -7288,25 +8246,20 @@
               <a:rPr lang="zh-CN" altLang="en-US" sz="2400"/>
               <a:t>影像</a:t>
             </a:r>
+            <a:endParaRPr lang="zh-CN" altLang="en-US" sz="2400"/>
           </a:p>
         </p:txBody>
       </p:sp>
       <p:pic>
         <p:nvPicPr>
-          <p:cNvPr id="4" name="图片 3">
-            <a:extLst>
-              <a:ext uri="{FF2B5EF4-FFF2-40B4-BE49-F238E27FC236}">
-                <a16:creationId xmlns:a16="http://schemas.microsoft.com/office/drawing/2014/main" id="{ECABBC52-EFF8-9756-22D5-EFB16DE5C77E}"/>
-              </a:ext>
-            </a:extLst>
-          </p:cNvPr>
+          <p:cNvPr id="4" name="图片 3"/>
           <p:cNvPicPr>
             <a:picLocks noChangeAspect="1"/>
           </p:cNvPicPr>
           <p:nvPr/>
         </p:nvPicPr>
         <p:blipFill>
-          <a:blip r:embed="rId4"/>
+          <a:blip r:embed="rId3"/>
           <a:stretch>
             <a:fillRect/>
           </a:stretch>
@@ -7323,13 +8276,7 @@
       </p:pic>
       <p:sp>
         <p:nvSpPr>
-          <p:cNvPr id="5" name="文本框 4">
-            <a:extLst>
-              <a:ext uri="{FF2B5EF4-FFF2-40B4-BE49-F238E27FC236}">
-                <a16:creationId xmlns:a16="http://schemas.microsoft.com/office/drawing/2014/main" id="{C799080B-60C3-650F-A764-E6BC32E4554B}"/>
-              </a:ext>
-            </a:extLst>
-          </p:cNvPr>
+          <p:cNvPr id="5" name="文本框 4"/>
           <p:cNvSpPr txBox="1"/>
           <p:nvPr/>
         </p:nvSpPr>
@@ -7361,6 +8308,7 @@
               <a:rPr lang="zh-CN" altLang="en-US"/>
               <a:t>的多标签识别任务示意图</a:t>
             </a:r>
+            <a:endParaRPr lang="zh-CN" altLang="en-US"/>
           </a:p>
         </p:txBody>
       </p:sp>
@@ -7447,7 +8395,7 @@
             <p:nvPr/>
           </p:nvPicPr>
           <p:blipFill>
-            <a:blip r:embed="rId2" cstate="print">
+            <a:blip r:embed="rId1" cstate="print">
               <a:extLst>
                 <a:ext uri="{28A0092B-C50C-407E-A947-70E740481C1C}">
                   <a14:useLocalDpi xmlns:a14="http://schemas.microsoft.com/office/drawing/2010/main" val="0"/>
@@ -7478,7 +8426,7 @@
             <p:nvPr/>
           </p:nvPicPr>
           <p:blipFill>
-            <a:blip r:embed="rId3" cstate="print">
+            <a:blip r:embed="rId2" cstate="print">
               <a:extLst>
                 <a:ext uri="{28A0092B-C50C-407E-A947-70E740481C1C}">
                   <a14:useLocalDpi xmlns:a14="http://schemas.microsoft.com/office/drawing/2010/main" val="0"/>
@@ -7554,6 +8502,20 @@
                 </a:rPr>
                 <a:t>BEIJING UNIVERSITY OF TECHNOLOGY</a:t>
               </a:r>
+              <a:endParaRPr kumimoji="0" lang="en-US" altLang="zh-CN" sz="800" b="1" i="0" u="none" strike="noStrike" kern="1200" cap="none" spc="0" normalizeH="0" baseline="0" noProof="0" dirty="0">
+                <a:ln>
+                  <a:noFill/>
+                </a:ln>
+                <a:solidFill>
+                  <a:srgbClr val="024282"/>
+                </a:solidFill>
+                <a:effectLst/>
+                <a:uLnTx/>
+                <a:uFillTx/>
+                <a:latin typeface="Calibri" panose="020F0502020204030204"/>
+                <a:ea typeface="宋体" pitchFamily="2" charset="-122"/>
+                <a:cs typeface="+mn-cs"/>
+              </a:endParaRPr>
             </a:p>
           </p:txBody>
         </p:sp>
@@ -7678,6 +8640,10 @@
               </a:rPr>
               <a:t>影像数据成像原理不同，因此同一组织、同一器官的数值分布</a:t>
             </a:r>
+            <a:endParaRPr lang="zh-CN" altLang="en-US">
+              <a:latin typeface="Times New Roman Regular" panose="02020603050405020304" charset="0"/>
+              <a:cs typeface="Times New Roman Regular" panose="02020603050405020304" charset="0"/>
+            </a:endParaRPr>
           </a:p>
           <a:p>
             <a:pPr algn="l"/>
@@ -7744,6 +8710,10 @@
               </a:rPr>
               <a:t>）差距。</a:t>
             </a:r>
+            <a:endParaRPr lang="zh-CN" altLang="en-US">
+              <a:latin typeface="Times New Roman Regular" panose="02020603050405020304" charset="0"/>
+              <a:cs typeface="Times New Roman Regular" panose="02020603050405020304" charset="0"/>
+            </a:endParaRPr>
           </a:p>
           <a:p>
             <a:pPr algn="l"/>
@@ -7752,8 +8722,12 @@
                 <a:latin typeface="Times New Roman Regular" panose="02020603050405020304" charset="0"/>
                 <a:cs typeface="Times New Roman Regular" panose="02020603050405020304" charset="0"/>
               </a:rPr>
-              <a:t>因此，使用打乱影像分布的增强方法与缩放的增强方法可能会对模型的泛化性有所提升。</a:t>
-            </a:r>
+              <a:t>因此，使用打乱分布的增强方法与缩放的增强方法可能会对模型的泛化性有所提升。</a:t>
+            </a:r>
+            <a:endParaRPr lang="zh-CN" altLang="en-US">
+              <a:latin typeface="Times New Roman Regular" panose="02020603050405020304" charset="0"/>
+              <a:cs typeface="Times New Roman Regular" panose="02020603050405020304" charset="0"/>
+            </a:endParaRPr>
           </a:p>
         </p:txBody>
       </p:sp>
@@ -7783,6 +8757,7 @@
               <a:rPr lang="zh-CN" altLang="en-US"/>
               <a:t> </a:t>
             </a:r>
+            <a:endParaRPr lang="zh-CN" altLang="en-US"/>
           </a:p>
         </p:txBody>
       </p:sp>
@@ -7795,7 +8770,7 @@
           <p:nvPr/>
         </p:nvPicPr>
         <p:blipFill>
-          <a:blip r:embed="rId4"/>
+          <a:blip r:embed="rId3"/>
           <a:stretch>
             <a:fillRect/>
           </a:stretch>
@@ -7819,7 +8794,7 @@
           <p:nvPr/>
         </p:nvPicPr>
         <p:blipFill>
-          <a:blip r:embed="rId5"/>
+          <a:blip r:embed="rId4"/>
           <a:stretch>
             <a:fillRect/>
           </a:stretch>
@@ -7843,7 +8818,7 @@
           <p:nvPr/>
         </p:nvPicPr>
         <p:blipFill>
-          <a:blip r:embed="rId6"/>
+          <a:blip r:embed="rId5"/>
           <a:stretch>
             <a:fillRect/>
           </a:stretch>
@@ -7941,7 +8916,7 @@
             <p:nvPr/>
           </p:nvPicPr>
           <p:blipFill>
-            <a:blip r:embed="rId2" cstate="print">
+            <a:blip r:embed="rId1" cstate="print">
               <a:extLst>
                 <a:ext uri="{28A0092B-C50C-407E-A947-70E740481C1C}">
                   <a14:useLocalDpi xmlns:a14="http://schemas.microsoft.com/office/drawing/2010/main" val="0"/>
@@ -7972,7 +8947,7 @@
             <p:nvPr/>
           </p:nvPicPr>
           <p:blipFill>
-            <a:blip r:embed="rId3" cstate="print">
+            <a:blip r:embed="rId2" cstate="print">
               <a:extLst>
                 <a:ext uri="{28A0092B-C50C-407E-A947-70E740481C1C}">
                   <a14:useLocalDpi xmlns:a14="http://schemas.microsoft.com/office/drawing/2010/main" val="0"/>
@@ -8048,6 +9023,20 @@
                 </a:rPr>
                 <a:t>BEIJING UNIVERSITY OF TECHNOLOGY</a:t>
               </a:r>
+              <a:endParaRPr kumimoji="0" lang="en-US" altLang="zh-CN" sz="800" b="1" i="0" u="none" strike="noStrike" kern="1200" cap="none" spc="0" normalizeH="0" baseline="0" noProof="0" dirty="0">
+                <a:ln>
+                  <a:noFill/>
+                </a:ln>
+                <a:solidFill>
+                  <a:srgbClr val="024282"/>
+                </a:solidFill>
+                <a:effectLst/>
+                <a:uLnTx/>
+                <a:uFillTx/>
+                <a:latin typeface="Calibri" panose="020F0502020204030204"/>
+                <a:ea typeface="宋体" pitchFamily="2" charset="-122"/>
+                <a:cs typeface="+mn-cs"/>
+              </a:endParaRPr>
             </a:p>
           </p:txBody>
         </p:sp>
@@ -8078,8 +9067,8 @@
           </a:p>
         </p:txBody>
       </p:sp>
-      <mc:AlternateContent xmlns:mc="http://schemas.openxmlformats.org/markup-compatibility/2006" xmlns:a14="http://schemas.microsoft.com/office/drawing/2010/main">
-        <mc:Choice Requires="a14">
+      <mc:AlternateContent xmlns:mc="http://schemas.openxmlformats.org/markup-compatibility/2006">
+        <mc:Choice xmlns:a14="http://schemas.microsoft.com/office/drawing/2010/main" Requires="a14">
           <p:sp>
             <p:nvSpPr>
               <p:cNvPr id="9" name="文本框 8"/>
@@ -8102,7 +9091,6 @@
               </a:bodyPr>
               <a:lstStyle/>
               <a:p>
-                <a:pPr/>
                 <a14:m>
                   <m:oMathPara xmlns:m="http://schemas.openxmlformats.org/officeDocument/2006/math">
                     <m:oMathParaPr>
@@ -8383,7 +9371,7 @@
             </p:txBody>
           </p:sp>
         </mc:Choice>
-        <mc:Fallback xmlns="">
+        <mc:Fallback>
           <p:sp>
             <p:nvSpPr>
               <p:cNvPr id="9" name="文本框 8"/>
@@ -8401,7 +9389,7 @@
                 <a:avLst/>
               </a:prstGeom>
               <a:blipFill rotWithShape="1">
-                <a:blip r:embed="rId4"/>
+                <a:blip r:embed="rId3"/>
                 <a:stretch>
                   <a:fillRect/>
                 </a:stretch>
@@ -8460,6 +9448,7 @@
               <a:rPr lang="zh-CN" altLang="en-US"/>
               <a:t>时对原图分布的分块数</a:t>
             </a:r>
+            <a:endParaRPr lang="zh-CN" altLang="en-US"/>
           </a:p>
         </p:txBody>
       </p:sp>
@@ -8499,6 +9488,10 @@
               </a:rPr>
               <a:t>数据增强模块</a:t>
             </a:r>
+            <a:endParaRPr lang="zh-CN" altLang="en-US">
+              <a:latin typeface="Times New Roman Regular" panose="02020603050405020304" charset="0"/>
+              <a:cs typeface="Times New Roman Regular" panose="02020603050405020304" charset="0"/>
+            </a:endParaRPr>
           </a:p>
         </p:txBody>
       </p:sp>
@@ -8511,7 +9504,7 @@
           <p:nvPr/>
         </p:nvPicPr>
         <p:blipFill>
-          <a:blip r:embed="rId5"/>
+          <a:blip r:embed="rId4"/>
           <a:stretch>
             <a:fillRect/>
           </a:stretch>
@@ -8576,6 +9569,7 @@
               <a:rPr lang="zh-CN" altLang="en-US"/>
               <a:t>影像器官的识别能力。</a:t>
             </a:r>
+            <a:endParaRPr lang="zh-CN" altLang="en-US"/>
           </a:p>
         </p:txBody>
       </p:sp>
@@ -8662,7 +9656,7 @@
             <p:nvPr/>
           </p:nvPicPr>
           <p:blipFill>
-            <a:blip r:embed="rId2" cstate="print">
+            <a:blip r:embed="rId1" cstate="print">
               <a:extLst>
                 <a:ext uri="{28A0092B-C50C-407E-A947-70E740481C1C}">
                   <a14:useLocalDpi xmlns:a14="http://schemas.microsoft.com/office/drawing/2010/main" val="0"/>
@@ -8693,7 +9687,7 @@
             <p:nvPr/>
           </p:nvPicPr>
           <p:blipFill>
-            <a:blip r:embed="rId3" cstate="print">
+            <a:blip r:embed="rId2" cstate="print">
               <a:extLst>
                 <a:ext uri="{28A0092B-C50C-407E-A947-70E740481C1C}">
                   <a14:useLocalDpi xmlns:a14="http://schemas.microsoft.com/office/drawing/2010/main" val="0"/>
@@ -8769,6 +9763,20 @@
                 </a:rPr>
                 <a:t>BEIJING UNIVERSITY OF TECHNOLOGY</a:t>
               </a:r>
+              <a:endParaRPr kumimoji="0" lang="en-US" altLang="zh-CN" sz="800" b="1" i="0" u="none" strike="noStrike" kern="1200" cap="none" spc="0" normalizeH="0" baseline="0" noProof="0" dirty="0">
+                <a:ln>
+                  <a:noFill/>
+                </a:ln>
+                <a:solidFill>
+                  <a:srgbClr val="024282"/>
+                </a:solidFill>
+                <a:effectLst/>
+                <a:uLnTx/>
+                <a:uFillTx/>
+                <a:latin typeface="Calibri" panose="020F0502020204030204"/>
+                <a:ea typeface="宋体" pitchFamily="2" charset="-122"/>
+                <a:cs typeface="+mn-cs"/>
+              </a:endParaRPr>
             </a:p>
           </p:txBody>
         </p:sp>
@@ -8807,8 +9815,8 @@
         </p:nvSpPr>
         <p:spPr>
           <a:xfrm>
-            <a:off x="510540" y="1138555"/>
-            <a:ext cx="9819640" cy="460375"/>
+            <a:off x="523875" y="869950"/>
+            <a:ext cx="7459980" cy="829945"/>
           </a:xfrm>
           <a:prstGeom prst="rect">
             <a:avLst/>
@@ -8827,7 +9835,15 @@
             </a:r>
             <a:r>
               <a:rPr lang="zh-CN" altLang="en-US" sz="2400"/>
-              <a:t>在部分中心的</a:t>
+              <a:t>在部分序列的</a:t>
+            </a:r>
+            <a:r>
+              <a:rPr lang="en-US" altLang="zh-CN" sz="2400"/>
+              <a:t>MR</a:t>
+            </a:r>
+            <a:r>
+              <a:rPr lang="zh-CN" altLang="en-US" sz="2400"/>
+              <a:t>影像数据上进行</a:t>
             </a:r>
             <a:r>
               <a:rPr lang="en-US" altLang="zh-CN" sz="2400"/>
@@ -8835,171 +9851,109 @@
             </a:r>
             <a:r>
               <a:rPr lang="zh-CN" altLang="en-US" sz="2400"/>
-              <a:t>数据上做训练，预期能够泛化到其他其他中心的数据</a:t>
-            </a:r>
+              <a:t>分类</a:t>
+            </a:r>
+            <a:r>
+              <a:rPr lang="zh-CN" altLang="en-US" sz="2400"/>
+              <a:t>模型训练，</a:t>
+            </a:r>
+            <a:endParaRPr lang="zh-CN" altLang="en-US" sz="2400"/>
+          </a:p>
+          <a:p>
+            <a:r>
+              <a:rPr lang="zh-CN" altLang="en-US" sz="2400"/>
+              <a:t>预期能够泛化到其他序列的</a:t>
+            </a:r>
+            <a:r>
+              <a:rPr lang="en-US" altLang="zh-CN" sz="2400"/>
+              <a:t>MR</a:t>
+            </a:r>
+            <a:r>
+              <a:rPr lang="zh-CN" altLang="en-US" sz="2400"/>
+              <a:t>影像数据</a:t>
+            </a:r>
+            <a:endParaRPr lang="zh-CN" altLang="en-US" sz="2400"/>
           </a:p>
         </p:txBody>
       </p:sp>
-      <p:sp>
-        <p:nvSpPr>
-          <p:cNvPr id="100" name="文本框 99"/>
+      <p:pic>
+        <p:nvPicPr>
+          <p:cNvPr id="6" name="图片 5"/>
+          <p:cNvPicPr>
+            <a:picLocks noChangeAspect="1"/>
+          </p:cNvPicPr>
+          <p:nvPr/>
+        </p:nvPicPr>
+        <p:blipFill>
+          <a:blip r:embed="rId3"/>
+          <a:stretch>
+            <a:fillRect/>
+          </a:stretch>
+        </p:blipFill>
+        <p:spPr>
+          <a:xfrm>
+            <a:off x="740410" y="1713865"/>
+            <a:ext cx="7510145" cy="4366260"/>
+          </a:xfrm>
+          <a:prstGeom prst="rect">
+            <a:avLst/>
+          </a:prstGeom>
+        </p:spPr>
+      </p:pic>
+      <p:sp>
+        <p:nvSpPr>
+          <p:cNvPr id="4" name="文本框 3"/>
           <p:cNvSpPr txBox="1"/>
           <p:nvPr/>
         </p:nvSpPr>
         <p:spPr>
           <a:xfrm>
-            <a:off x="986790" y="1990725"/>
-            <a:ext cx="8867140" cy="3415030"/>
+            <a:off x="2811780" y="6195060"/>
+            <a:ext cx="4667250" cy="368300"/>
           </a:xfrm>
           <a:prstGeom prst="rect">
             <a:avLst/>
           </a:prstGeom>
           <a:noFill/>
-          <a:ln w="9525">
-            <a:noFill/>
-          </a:ln>
         </p:spPr>
         <p:txBody>
-          <a:bodyPr wrap="square">
+          <a:bodyPr wrap="none" rtlCol="0" anchor="t">
             <a:spAutoFit/>
           </a:bodyPr>
-          <a:lstStyle/>
-          <a:p>
-            <a:pPr marL="0" indent="0" algn="l">
-              <a:lnSpc>
-                <a:spcPct val="150000"/>
-              </a:lnSpc>
-            </a:pPr>
-            <a:r>
-              <a:rPr lang="zh-CN" b="0">
-                <a:latin typeface="Times New Roman" panose="02020603050405020304" pitchFamily="18" charset="0"/>
-                <a:cs typeface="宋体" charset="0"/>
-              </a:rPr>
-              <a:t>以</a:t>
-            </a:r>
-            <a:r>
-              <a:rPr lang="zh-CN" b="0">
-                <a:cs typeface="宋体" charset="0"/>
-              </a:rPr>
-              <a:t>肝细胞癌（</a:t>
-            </a:r>
-            <a:r>
-              <a:rPr lang="en-US" b="0">
-                <a:latin typeface="Times New Roman" panose="02020603050405020304" pitchFamily="18" charset="0"/>
-                <a:cs typeface="宋体" charset="0"/>
-              </a:rPr>
-              <a:t>HCC</a:t>
-            </a:r>
-            <a:r>
-              <a:rPr lang="zh-CN" b="0">
-                <a:cs typeface="宋体" charset="0"/>
-              </a:rPr>
-              <a:t>）</a:t>
-            </a:r>
-            <a:r>
-              <a:rPr lang="zh-CN" b="0">
-                <a:latin typeface="Times New Roman" panose="02020603050405020304" pitchFamily="18" charset="0"/>
-                <a:cs typeface="宋体" charset="0"/>
-              </a:rPr>
-              <a:t>为代表的肝脏局灶性病变</a:t>
-            </a:r>
-            <a:r>
-              <a:rPr lang="zh-CN" b="0">
-                <a:cs typeface="宋体" charset="0"/>
-              </a:rPr>
-              <a:t>是一种原发性肝</a:t>
-            </a:r>
-            <a:r>
-              <a:rPr lang="zh-CN" b="0">
-                <a:latin typeface="Times New Roman" panose="02020603050405020304" pitchFamily="18" charset="0"/>
-                <a:cs typeface="宋体" charset="0"/>
-              </a:rPr>
-              <a:t>脏疾病</a:t>
-            </a:r>
-            <a:r>
-              <a:rPr lang="zh-CN" b="0">
-                <a:cs typeface="宋体" charset="0"/>
-              </a:rPr>
-              <a:t>，</a:t>
-            </a:r>
-            <a:r>
-              <a:rPr lang="zh-CN" b="0">
-                <a:latin typeface="Times New Roman" panose="02020603050405020304" pitchFamily="18" charset="0"/>
-                <a:cs typeface="宋体" charset="0"/>
-              </a:rPr>
-              <a:t>临床认为手术切除和移植是目前治疗肝细胞癌的最佳选择，但即使如此，肝细胞癌仍具有复发率高、预后效果差等特点。而</a:t>
-            </a:r>
-            <a:r>
-              <a:rPr lang="zh-CN" b="1">
-                <a:latin typeface="Times New Roman" panose="02020603050405020304" pitchFamily="18" charset="0"/>
-                <a:cs typeface="宋体" charset="0"/>
-              </a:rPr>
-              <a:t>微血管侵犯（</a:t>
-            </a:r>
-            <a:r>
-              <a:rPr lang="en-US" b="1">
-                <a:latin typeface="Times New Roman" panose="02020603050405020304" pitchFamily="18" charset="0"/>
-                <a:cs typeface="宋体" charset="0"/>
-              </a:rPr>
-              <a:t>Microvascular Invasion, MVI</a:t>
-            </a:r>
-            <a:r>
-              <a:rPr lang="zh-CN" b="1">
-                <a:latin typeface="Times New Roman" panose="02020603050405020304" pitchFamily="18" charset="0"/>
-                <a:cs typeface="宋体" charset="0"/>
-              </a:rPr>
-              <a:t>）</a:t>
-            </a:r>
-            <a:r>
-              <a:rPr lang="zh-CN" b="0">
-                <a:latin typeface="Times New Roman" panose="02020603050405020304" pitchFamily="18" charset="0"/>
-                <a:cs typeface="宋体" charset="0"/>
-              </a:rPr>
-              <a:t>被认为是肝癌切除或移植患者早期复发和长期预后不良的重要因素。因此，在</a:t>
-            </a:r>
-            <a:r>
-              <a:rPr lang="en-US" b="0">
-                <a:latin typeface="Times New Roman" panose="02020603050405020304" pitchFamily="18" charset="0"/>
-                <a:cs typeface="宋体" charset="0"/>
-              </a:rPr>
-              <a:t>HCC</a:t>
-            </a:r>
-            <a:r>
-              <a:rPr lang="zh-CN" b="0">
-                <a:latin typeface="Times New Roman" panose="02020603050405020304" pitchFamily="18" charset="0"/>
-                <a:cs typeface="宋体" charset="0"/>
-              </a:rPr>
-              <a:t>患者术前评估是否存在</a:t>
-            </a:r>
-            <a:r>
-              <a:rPr lang="en-US" b="0">
-                <a:latin typeface="Times New Roman" panose="02020603050405020304" pitchFamily="18" charset="0"/>
-                <a:cs typeface="宋体" charset="0"/>
+          <a:p>
+            <a:r>
+              <a:rPr lang="zh-CN" altLang="en-US">
+                <a:sym typeface="+mn-ea"/>
+              </a:rPr>
+              <a:t>图</a:t>
+            </a:r>
+            <a:r>
+              <a:rPr lang="en-US" altLang="zh-CN">
+                <a:sym typeface="+mn-ea"/>
+              </a:rPr>
+              <a:t>  </a:t>
+            </a:r>
+            <a:r>
+              <a:rPr lang="zh-CN" altLang="en-US">
+                <a:sym typeface="+mn-ea"/>
+              </a:rPr>
+              <a:t>多中心的</a:t>
+            </a:r>
+            <a:r>
+              <a:rPr lang="en-US" altLang="zh-CN">
+                <a:sym typeface="+mn-ea"/>
               </a:rPr>
               <a:t>MVI</a:t>
             </a:r>
             <a:r>
-              <a:rPr lang="zh-CN" b="0">
-                <a:latin typeface="Times New Roman" panose="02020603050405020304" pitchFamily="18" charset="0"/>
-                <a:cs typeface="宋体" charset="0"/>
-              </a:rPr>
-              <a:t>具有非常重要的临床价值。</a:t>
-            </a:r>
-          </a:p>
-          <a:p>
-            <a:pPr marL="0" indent="0" algn="l">
-              <a:lnSpc>
-                <a:spcPct val="150000"/>
-              </a:lnSpc>
-            </a:pPr>
-            <a:r>
-              <a:rPr lang="zh-CN" altLang="en-US"/>
-              <a:t>而多中心医疗影像数据（即来自多家医疗机构的数据）由于设备和使用方法有所不同，各个中心间的数据存在域偏移。因此，本文的第二个任务为：</a:t>
-            </a:r>
-            <a:r>
-              <a:rPr lang="zh-CN" altLang="en-US" b="1"/>
-              <a:t>如何将在部分中心数据上训练的模型泛化到其他中心的数据上</a:t>
-            </a:r>
+              <a:rPr lang="zh-CN" altLang="en-US">
+                <a:sym typeface="+mn-ea"/>
+              </a:rPr>
+              <a:t>二分类模型泛化任务示意图</a:t>
+            </a:r>
+            <a:endParaRPr lang="zh-CN" altLang="en-US">
+              <a:sym typeface="+mn-ea"/>
+            </a:endParaRPr>
           </a:p>
         </p:txBody>
       </p:sp>
@@ -9086,7 +10040,7 @@
             <p:nvPr/>
           </p:nvPicPr>
           <p:blipFill>
-            <a:blip r:embed="rId3" cstate="print">
+            <a:blip r:embed="rId1" cstate="print">
               <a:extLst>
                 <a:ext uri="{28A0092B-C50C-407E-A947-70E740481C1C}">
                   <a14:useLocalDpi xmlns:a14="http://schemas.microsoft.com/office/drawing/2010/main" val="0"/>
@@ -9117,7 +10071,7 @@
             <p:nvPr/>
           </p:nvPicPr>
           <p:blipFill>
-            <a:blip r:embed="rId4" cstate="print">
+            <a:blip r:embed="rId2" cstate="print">
               <a:extLst>
                 <a:ext uri="{28A0092B-C50C-407E-A947-70E740481C1C}">
                   <a14:useLocalDpi xmlns:a14="http://schemas.microsoft.com/office/drawing/2010/main" val="0"/>
@@ -9193,6 +10147,20 @@
                 </a:rPr>
                 <a:t>BEIJING UNIVERSITY OF TECHNOLOGY</a:t>
               </a:r>
+              <a:endParaRPr kumimoji="0" lang="en-US" altLang="zh-CN" sz="800" b="1" i="0" u="none" strike="noStrike" kern="1200" cap="none" spc="0" normalizeH="0" baseline="0" noProof="0" dirty="0">
+                <a:ln>
+                  <a:noFill/>
+                </a:ln>
+                <a:solidFill>
+                  <a:srgbClr val="024282"/>
+                </a:solidFill>
+                <a:effectLst/>
+                <a:uLnTx/>
+                <a:uFillTx/>
+                <a:latin typeface="Calibri" panose="020F0502020204030204"/>
+                <a:ea typeface="宋体" pitchFamily="2" charset="-122"/>
+                <a:cs typeface="+mn-cs"/>
+              </a:endParaRPr>
             </a:p>
           </p:txBody>
         </p:sp>
@@ -9223,30 +10191,102 @@
           </a:p>
         </p:txBody>
       </p:sp>
-      <p:pic>
-        <p:nvPicPr>
-          <p:cNvPr id="3" name="图片 2"/>
-          <p:cNvPicPr>
-            <a:picLocks noChangeAspect="1"/>
-          </p:cNvPicPr>
+      <p:sp>
+        <p:nvSpPr>
+          <p:cNvPr id="3" name="文本框 2"/>
+          <p:cNvSpPr txBox="1"/>
           <p:nvPr/>
-        </p:nvPicPr>
-        <p:blipFill>
-          <a:blip r:embed="rId5"/>
-          <a:stretch>
-            <a:fillRect/>
-          </a:stretch>
-        </p:blipFill>
+        </p:nvSpPr>
         <p:spPr>
           <a:xfrm>
-            <a:off x="1974215" y="925195"/>
-            <a:ext cx="8242935" cy="5932805"/>
+            <a:off x="631051" y="1232361"/>
+            <a:ext cx="6783705" cy="368300"/>
           </a:xfrm>
           <a:prstGeom prst="rect">
             <a:avLst/>
           </a:prstGeom>
+          <a:noFill/>
         </p:spPr>
-      </p:pic>
+        <p:txBody>
+          <a:bodyPr wrap="none" rtlCol="0" anchor="t">
+            <a:spAutoFit/>
+          </a:bodyPr>
+          <a:lstStyle/>
+          <a:p>
+            <a:pPr algn="l"/>
+            <a:r>
+              <a:rPr lang="en-US" altLang="zh-CN" dirty="0">
+                <a:sym typeface="+mn-ea"/>
+              </a:rPr>
+              <a:t>2.</a:t>
+            </a:r>
+            <a:r>
+              <a:rPr lang="zh-CN" altLang="en-US" dirty="0">
+                <a:sym typeface="+mn-ea"/>
+              </a:rPr>
+              <a:t>基于特征交叉重建的特征解耦方法的MR影像跨序列MVI分类</a:t>
+            </a:r>
+            <a:r>
+              <a:rPr lang="zh-CN" altLang="en-US" dirty="0">
+                <a:sym typeface="+mn-ea"/>
+              </a:rPr>
+              <a:t>模型</a:t>
+            </a:r>
+            <a:endParaRPr lang="zh-CN" altLang="en-US" dirty="0">
+              <a:sym typeface="+mn-ea"/>
+            </a:endParaRPr>
+          </a:p>
+        </p:txBody>
+      </p:sp>
+      <p:sp>
+        <p:nvSpPr>
+          <p:cNvPr id="4" name="文本框 3"/>
+          <p:cNvSpPr txBox="1"/>
+          <p:nvPr/>
+        </p:nvSpPr>
+        <p:spPr>
+          <a:xfrm>
+            <a:off x="631190" y="2024380"/>
+            <a:ext cx="10067290" cy="1322070"/>
+          </a:xfrm>
+          <a:prstGeom prst="rect">
+            <a:avLst/>
+          </a:prstGeom>
+          <a:noFill/>
+        </p:spPr>
+        <p:txBody>
+          <a:bodyPr wrap="square" rtlCol="0" anchor="t">
+            <a:spAutoFit/>
+          </a:bodyPr>
+          <a:lstStyle/>
+          <a:p>
+            <a:pPr algn="l">
+              <a:lnSpc>
+                <a:spcPct val="200000"/>
+              </a:lnSpc>
+            </a:pPr>
+            <a:r>
+              <a:rPr lang="en-US" altLang="zh-CN" sz="2000">
+                <a:sym typeface="+mn-ea"/>
+              </a:rPr>
+              <a:t>    </a:t>
+            </a:r>
+            <a:r>
+              <a:rPr lang="zh-CN" altLang="en-US" sz="2000">
+                <a:sym typeface="+mn-ea"/>
+              </a:rPr>
+              <a:t>基于解耦的域泛化方法通常将特征表示分解为独立的子特征，其中一个特征是域共有特征，即内容特征。另一个是域专有特征，即</a:t>
+            </a:r>
+            <a:r>
+              <a:rPr lang="zh-CN" altLang="en-US" sz="2000">
+                <a:sym typeface="+mn-ea"/>
+              </a:rPr>
+              <a:t>风格特征。</a:t>
+            </a:r>
+            <a:endParaRPr lang="zh-CN" altLang="en-US" sz="2000"/>
+          </a:p>
+        </p:txBody>
+      </p:sp>
     </p:spTree>
   </p:cSld>
   <p:clrMapOvr>
@@ -9330,7 +10370,7 @@
             <p:nvPr/>
           </p:nvPicPr>
           <p:blipFill>
-            <a:blip r:embed="rId2" cstate="print">
+            <a:blip r:embed="rId1" cstate="print">
               <a:extLst>
                 <a:ext uri="{28A0092B-C50C-407E-A947-70E740481C1C}">
                   <a14:useLocalDpi xmlns:a14="http://schemas.microsoft.com/office/drawing/2010/main" val="0"/>
@@ -9361,7 +10401,7 @@
             <p:nvPr/>
           </p:nvPicPr>
           <p:blipFill>
-            <a:blip r:embed="rId3" cstate="print">
+            <a:blip r:embed="rId2" cstate="print">
               <a:extLst>
                 <a:ext uri="{28A0092B-C50C-407E-A947-70E740481C1C}">
                   <a14:useLocalDpi xmlns:a14="http://schemas.microsoft.com/office/drawing/2010/main" val="0"/>
@@ -9437,6 +10477,20 @@
                 </a:rPr>
                 <a:t>BEIJING UNIVERSITY OF TECHNOLOGY</a:t>
               </a:r>
+              <a:endParaRPr kumimoji="0" lang="en-US" altLang="zh-CN" sz="800" b="1" i="0" u="none" strike="noStrike" kern="1200" cap="none" spc="0" normalizeH="0" baseline="0" noProof="0" dirty="0">
+                <a:ln>
+                  <a:noFill/>
+                </a:ln>
+                <a:solidFill>
+                  <a:srgbClr val="024282"/>
+                </a:solidFill>
+                <a:effectLst/>
+                <a:uLnTx/>
+                <a:uFillTx/>
+                <a:latin typeface="Calibri" panose="020F0502020204030204"/>
+                <a:ea typeface="宋体" pitchFamily="2" charset="-122"/>
+                <a:cs typeface="+mn-cs"/>
+              </a:endParaRPr>
             </a:p>
           </p:txBody>
         </p:sp>
@@ -9469,14 +10523,14 @@
       </p:sp>
       <p:sp>
         <p:nvSpPr>
-          <p:cNvPr id="4" name="文本框 3"/>
+          <p:cNvPr id="6" name="文本框 5"/>
           <p:cNvSpPr txBox="1"/>
           <p:nvPr/>
         </p:nvSpPr>
         <p:spPr>
           <a:xfrm>
-            <a:off x="3105785" y="6029960"/>
-            <a:ext cx="4667250" cy="368300"/>
+            <a:off x="3078480" y="6304915"/>
+            <a:ext cx="5467350" cy="398780"/>
           </a:xfrm>
           <a:prstGeom prst="rect">
             <a:avLst/>
@@ -9484,62 +10538,41 @@
           <a:noFill/>
         </p:spPr>
         <p:txBody>
-          <a:bodyPr wrap="none" rtlCol="0" anchor="t">
+          <a:bodyPr wrap="square" rtlCol="0">
             <a:spAutoFit/>
           </a:bodyPr>
           <a:lstStyle/>
           <a:p>
             <a:r>
-              <a:rPr lang="zh-CN" altLang="en-US">
-                <a:sym typeface="+mn-ea"/>
-              </a:rPr>
-              <a:t>图</a:t>
-            </a:r>
-            <a:r>
-              <a:rPr lang="en-US" altLang="zh-CN">
-                <a:sym typeface="+mn-ea"/>
-              </a:rPr>
-              <a:t>  </a:t>
-            </a:r>
-            <a:r>
-              <a:rPr lang="zh-CN" altLang="en-US">
-                <a:sym typeface="+mn-ea"/>
-              </a:rPr>
-              <a:t>多中心的</a:t>
-            </a:r>
-            <a:r>
-              <a:rPr lang="en-US" altLang="zh-CN">
-                <a:sym typeface="+mn-ea"/>
-              </a:rPr>
-              <a:t>MVI</a:t>
-            </a:r>
-            <a:r>
-              <a:rPr lang="zh-CN" altLang="en-US">
-                <a:sym typeface="+mn-ea"/>
-              </a:rPr>
-              <a:t>二分类模型泛化任务示意图</a:t>
-            </a:r>
+              <a:rPr lang="zh-CN" altLang="en-US" sz="2000" dirty="0"/>
+              <a:t>图  基于特征交叉重建的特征解耦</a:t>
+            </a:r>
+            <a:r>
+              <a:rPr lang="zh-CN" altLang="en-US" sz="2000" dirty="0"/>
+              <a:t>方法结构</a:t>
+            </a:r>
+            <a:endParaRPr lang="zh-CN" altLang="en-US" sz="2000" dirty="0"/>
           </a:p>
         </p:txBody>
       </p:sp>
       <p:pic>
         <p:nvPicPr>
-          <p:cNvPr id="6" name="图片 5"/>
+          <p:cNvPr id="8" name="图片 7"/>
           <p:cNvPicPr>
             <a:picLocks noChangeAspect="1"/>
           </p:cNvPicPr>
           <p:nvPr/>
         </p:nvPicPr>
         <p:blipFill>
-          <a:blip r:embed="rId4"/>
+          <a:blip r:embed="rId3"/>
           <a:stretch>
             <a:fillRect/>
           </a:stretch>
         </p:blipFill>
         <p:spPr>
           <a:xfrm>
-            <a:off x="871855" y="1058545"/>
-            <a:ext cx="7905750" cy="4596130"/>
+            <a:off x="777875" y="878840"/>
+            <a:ext cx="8993505" cy="5509895"/>
           </a:xfrm>
           <a:prstGeom prst="rect">
             <a:avLst/>
@@ -9629,7 +10662,7 @@
             <p:nvPr/>
           </p:nvPicPr>
           <p:blipFill>
-            <a:blip r:embed="rId3" cstate="print">
+            <a:blip r:embed="rId1" cstate="print">
               <a:extLst>
                 <a:ext uri="{28A0092B-C50C-407E-A947-70E740481C1C}">
                   <a14:useLocalDpi xmlns:a14="http://schemas.microsoft.com/office/drawing/2010/main" val="0"/>
@@ -9660,7 +10693,7 @@
             <p:nvPr/>
           </p:nvPicPr>
           <p:blipFill>
-            <a:blip r:embed="rId4" cstate="print">
+            <a:blip r:embed="rId2" cstate="print">
               <a:extLst>
                 <a:ext uri="{28A0092B-C50C-407E-A947-70E740481C1C}">
                   <a14:useLocalDpi xmlns:a14="http://schemas.microsoft.com/office/drawing/2010/main" val="0"/>
@@ -9736,6 +10769,20 @@
                 </a:rPr>
                 <a:t>BEIJING UNIVERSITY OF TECHNOLOGY</a:t>
               </a:r>
+              <a:endParaRPr kumimoji="0" lang="en-US" altLang="zh-CN" sz="800" b="1" i="0" u="none" strike="noStrike" kern="1200" cap="none" spc="0" normalizeH="0" baseline="0" noProof="0" dirty="0">
+                <a:ln>
+                  <a:noFill/>
+                </a:ln>
+                <a:solidFill>
+                  <a:srgbClr val="024282"/>
+                </a:solidFill>
+                <a:effectLst/>
+                <a:uLnTx/>
+                <a:uFillTx/>
+                <a:latin typeface="Calibri" panose="020F0502020204030204"/>
+                <a:ea typeface="宋体" pitchFamily="2" charset="-122"/>
+                <a:cs typeface="+mn-cs"/>
+              </a:endParaRPr>
             </a:p>
           </p:txBody>
         </p:sp>
@@ -9792,6 +10839,7 @@
               <a:rPr lang="zh-CN" altLang="en-US" sz="4400" dirty="0"/>
               <a:t>目录</a:t>
             </a:r>
+            <a:endParaRPr lang="zh-CN" altLang="en-US" sz="4400" dirty="0"/>
           </a:p>
         </p:txBody>
       </p:sp>
@@ -9803,7 +10851,7 @@
         </p:nvSpPr>
         <p:spPr>
           <a:xfrm>
-            <a:off x="6096000" y="857271"/>
+            <a:off x="5904865" y="1550691"/>
             <a:ext cx="3044423" cy="4281685"/>
           </a:xfrm>
           <a:prstGeom prst="rect">
@@ -9828,6 +10876,7 @@
               <a:rPr lang="zh-CN" altLang="en-US" sz="2800" dirty="0"/>
               <a:t>研究背景与意义</a:t>
             </a:r>
+            <a:endParaRPr lang="zh-CN" altLang="en-US" sz="2800" dirty="0"/>
           </a:p>
           <a:p>
             <a:pPr marL="342900" indent="-342900">
@@ -9841,6 +10890,7 @@
               <a:rPr lang="zh-CN" altLang="en-US" sz="2800" dirty="0"/>
               <a:t>研究现状</a:t>
             </a:r>
+            <a:endParaRPr lang="zh-CN" altLang="en-US" sz="2800" dirty="0"/>
           </a:p>
           <a:p>
             <a:pPr marL="342900" indent="-342900">
@@ -9854,6 +10904,7 @@
               <a:rPr lang="zh-CN" altLang="en-US" sz="2800" dirty="0"/>
               <a:t>研究内容与方案</a:t>
             </a:r>
+            <a:endParaRPr lang="zh-CN" altLang="en-US" sz="2800" dirty="0"/>
           </a:p>
           <a:p>
             <a:pPr marL="342900" indent="-342900">
@@ -9867,6 +10918,7 @@
               <a:rPr lang="zh-CN" altLang="en-US" sz="2800" dirty="0"/>
               <a:t>前期工作</a:t>
             </a:r>
+            <a:endParaRPr lang="zh-CN" altLang="en-US" sz="2800" dirty="0"/>
           </a:p>
           <a:p>
             <a:pPr marL="342900" indent="-342900">
@@ -9880,6 +10932,7 @@
               <a:rPr lang="zh-CN" altLang="en-US" sz="2800" dirty="0"/>
               <a:t>进度安排</a:t>
             </a:r>
+            <a:endParaRPr lang="zh-CN" altLang="en-US" sz="2800" dirty="0"/>
           </a:p>
         </p:txBody>
       </p:sp>
@@ -9996,7 +11049,7 @@
             <p:nvPr/>
           </p:nvPicPr>
           <p:blipFill>
-            <a:blip r:embed="rId3" cstate="print">
+            <a:blip r:embed="rId1" cstate="print">
               <a:extLst>
                 <a:ext uri="{28A0092B-C50C-407E-A947-70E740481C1C}">
                   <a14:useLocalDpi xmlns:a14="http://schemas.microsoft.com/office/drawing/2010/main" val="0"/>
@@ -10027,7 +11080,7 @@
             <p:nvPr/>
           </p:nvPicPr>
           <p:blipFill>
-            <a:blip r:embed="rId4" cstate="print">
+            <a:blip r:embed="rId2" cstate="print">
               <a:extLst>
                 <a:ext uri="{28A0092B-C50C-407E-A947-70E740481C1C}">
                   <a14:useLocalDpi xmlns:a14="http://schemas.microsoft.com/office/drawing/2010/main" val="0"/>
@@ -10103,6 +11156,20 @@
                 </a:rPr>
                 <a:t>BEIJING UNIVERSITY OF TECHNOLOGY</a:t>
               </a:r>
+              <a:endParaRPr kumimoji="0" lang="en-US" altLang="zh-CN" sz="800" b="1" i="0" u="none" strike="noStrike" kern="1200" cap="none" spc="0" normalizeH="0" baseline="0" noProof="0" dirty="0">
+                <a:ln>
+                  <a:noFill/>
+                </a:ln>
+                <a:solidFill>
+                  <a:srgbClr val="024282"/>
+                </a:solidFill>
+                <a:effectLst/>
+                <a:uLnTx/>
+                <a:uFillTx/>
+                <a:latin typeface="Calibri" panose="020F0502020204030204"/>
+                <a:ea typeface="宋体" pitchFamily="2" charset="-122"/>
+                <a:cs typeface="+mn-cs"/>
+              </a:endParaRPr>
             </a:p>
           </p:txBody>
         </p:sp>
@@ -10141,8 +11208,8 @@
         </p:nvSpPr>
         <p:spPr>
           <a:xfrm>
-            <a:off x="3723005" y="2667000"/>
-            <a:ext cx="4929505" cy="1014730"/>
+            <a:off x="3691890" y="2626360"/>
+            <a:ext cx="5185410" cy="1014730"/>
           </a:xfrm>
           <a:prstGeom prst="rect">
             <a:avLst/>
@@ -10165,8 +11232,9 @@
             </a:r>
             <a:r>
               <a:rPr lang="zh-CN" altLang="en-US" sz="6000" dirty="0"/>
-              <a:t>研究方案</a:t>
-            </a:r>
+              <a:t>前期工作</a:t>
+            </a:r>
+            <a:endParaRPr lang="zh-CN" altLang="en-US" sz="6000" dirty="0"/>
           </a:p>
         </p:txBody>
       </p:sp>
@@ -10253,7 +11321,7 @@
             <p:nvPr/>
           </p:nvPicPr>
           <p:blipFill>
-            <a:blip r:embed="rId3" cstate="print">
+            <a:blip r:embed="rId1" cstate="print">
               <a:extLst>
                 <a:ext uri="{28A0092B-C50C-407E-A947-70E740481C1C}">
                   <a14:useLocalDpi xmlns:a14="http://schemas.microsoft.com/office/drawing/2010/main" val="0"/>
@@ -10284,7 +11352,7 @@
             <p:nvPr/>
           </p:nvPicPr>
           <p:blipFill>
-            <a:blip r:embed="rId4" cstate="print">
+            <a:blip r:embed="rId2" cstate="print">
               <a:extLst>
                 <a:ext uri="{28A0092B-C50C-407E-A947-70E740481C1C}">
                   <a14:useLocalDpi xmlns:a14="http://schemas.microsoft.com/office/drawing/2010/main" val="0"/>
@@ -10360,6 +11428,20 @@
                 </a:rPr>
                 <a:t>BEIJING UNIVERSITY OF TECHNOLOGY</a:t>
               </a:r>
+              <a:endParaRPr kumimoji="0" lang="en-US" altLang="zh-CN" sz="800" b="1" i="0" u="none" strike="noStrike" kern="1200" cap="none" spc="0" normalizeH="0" baseline="0" noProof="0" dirty="0">
+                <a:ln>
+                  <a:noFill/>
+                </a:ln>
+                <a:solidFill>
+                  <a:srgbClr val="024282"/>
+                </a:solidFill>
+                <a:effectLst/>
+                <a:uLnTx/>
+                <a:uFillTx/>
+                <a:latin typeface="Calibri" panose="020F0502020204030204"/>
+                <a:ea typeface="宋体" pitchFamily="2" charset="-122"/>
+                <a:cs typeface="+mn-cs"/>
+              </a:endParaRPr>
             </a:p>
           </p:txBody>
         </p:sp>
@@ -10392,14 +11474,14 @@
       </p:sp>
       <p:sp>
         <p:nvSpPr>
-          <p:cNvPr id="3" name="文本框 2"/>
+          <p:cNvPr id="4" name="文本框 3"/>
           <p:cNvSpPr txBox="1"/>
           <p:nvPr/>
         </p:nvSpPr>
         <p:spPr>
           <a:xfrm>
-            <a:off x="1187450" y="2263775"/>
-            <a:ext cx="9335135" cy="2676525"/>
+            <a:off x="730826" y="1114558"/>
+            <a:ext cx="9964883" cy="3353435"/>
           </a:xfrm>
           <a:prstGeom prst="rect">
             <a:avLst/>
@@ -10412,43 +11494,91 @@
           </a:bodyPr>
           <a:lstStyle/>
           <a:p>
+            <a:r>
+              <a:rPr lang="zh-CN" altLang="en-US" sz="3200" b="1" dirty="0"/>
+              <a:t>数据集准备与数据处理：</a:t>
+            </a:r>
+            <a:endParaRPr lang="en-US" altLang="zh-CN" sz="3200" b="1" dirty="0"/>
+          </a:p>
+          <a:p>
             <a:pPr>
               <a:lnSpc>
-                <a:spcPct val="200000"/>
+                <a:spcPct val="150000"/>
               </a:lnSpc>
             </a:pPr>
             <a:r>
-              <a:rPr lang="en-US" altLang="zh-CN" sz="2800" dirty="0"/>
+              <a:rPr lang="en-US" altLang="zh-CN" sz="2400" dirty="0"/>
               <a:t>1.</a:t>
             </a:r>
             <a:r>
-              <a:rPr lang="zh-CN" altLang="en-US" sz="2800" dirty="0"/>
-              <a:t>基于多维度数据增强的腹部器官跨域多标签分类方法</a:t>
-            </a:r>
-            <a:endParaRPr lang="en-US" altLang="zh-CN" sz="2800" dirty="0"/>
+              <a:rPr lang="zh-CN" altLang="en-US" sz="2400" dirty="0"/>
+              <a:t>训练集：</a:t>
+            </a:r>
+            <a:endParaRPr lang="en-US" altLang="zh-CN" sz="2400" dirty="0"/>
           </a:p>
           <a:p>
             <a:pPr>
               <a:lnSpc>
-                <a:spcPct val="200000"/>
+                <a:spcPct val="150000"/>
               </a:lnSpc>
             </a:pPr>
             <a:r>
-              <a:rPr lang="en-US" altLang="zh-CN" sz="2800" dirty="0"/>
-              <a:t>2.</a:t>
-            </a:r>
-            <a:r>
-              <a:rPr lang="zh-CN" altLang="en-US" sz="2800" dirty="0"/>
-              <a:t>基于特征解耦的三元组域不变表征学习方法</a:t>
-            </a:r>
+              <a:rPr lang="zh-CN" altLang="en-US" sz="2400" dirty="0"/>
+              <a:t>使用</a:t>
+            </a:r>
+            <a:r>
+              <a:rPr lang="en-US" altLang="zh-CN" sz="2400" dirty="0"/>
+              <a:t>total </a:t>
+            </a:r>
+            <a:r>
+              <a:rPr lang="en-US" altLang="zh-CN" sz="2400" dirty="0" err="1"/>
+              <a:t>sementator</a:t>
+            </a:r>
+            <a:r>
+              <a:rPr lang="zh-CN" altLang="en-US" sz="2400" dirty="0"/>
+              <a:t>数据集（</a:t>
+            </a:r>
+            <a:r>
+              <a:rPr lang="en-US" altLang="zh-CN" sz="2400" dirty="0"/>
+              <a:t>CT</a:t>
+            </a:r>
+            <a:r>
+              <a:rPr lang="zh-CN" altLang="en-US" sz="2400" dirty="0"/>
+              <a:t>）作为训练集，筛选掉非正方形的切片后，共</a:t>
+            </a:r>
+            <a:r>
+              <a:rPr lang="en-US" altLang="zh-CN" sz="2400" dirty="0"/>
+              <a:t>241442</a:t>
+            </a:r>
+            <a:r>
+              <a:rPr lang="zh-CN" altLang="en-US" sz="2400" dirty="0"/>
+              <a:t>张切片。按病例划分训练集与验证集，其中</a:t>
+            </a:r>
+            <a:r>
+              <a:rPr lang="en-US" altLang="zh-CN" sz="2400" dirty="0"/>
+              <a:t>201782</a:t>
+            </a:r>
+            <a:r>
+              <a:rPr lang="zh-CN" altLang="en-US" sz="2400" dirty="0"/>
+              <a:t>张切片作为训练集，</a:t>
+            </a:r>
+            <a:r>
+              <a:rPr lang="en-US" altLang="zh-CN" sz="2400" dirty="0"/>
+              <a:t>39360</a:t>
+            </a:r>
+            <a:r>
+              <a:rPr lang="zh-CN" altLang="en-US" sz="2400" dirty="0"/>
+              <a:t>张切片作为验证集。</a:t>
+            </a:r>
+            <a:endParaRPr lang="en-US" altLang="zh-CN" sz="2400" dirty="0"/>
           </a:p>
           <a:p>
             <a:pPr>
               <a:lnSpc>
-                <a:spcPct val="200000"/>
+                <a:spcPct val="150000"/>
               </a:lnSpc>
             </a:pPr>
-            <a:endParaRPr lang="zh-CN" altLang="en-US" sz="2800" dirty="0"/>
+            <a:endParaRPr lang="zh-CN" altLang="en-US" sz="2400" dirty="0"/>
           </a:p>
         </p:txBody>
       </p:sp>
@@ -10535,7 +11665,7 @@
             <p:nvPr/>
           </p:nvPicPr>
           <p:blipFill>
-            <a:blip r:embed="rId2" cstate="print">
+            <a:blip r:embed="rId1" cstate="print">
               <a:extLst>
                 <a:ext uri="{28A0092B-C50C-407E-A947-70E740481C1C}">
                   <a14:useLocalDpi xmlns:a14="http://schemas.microsoft.com/office/drawing/2010/main" val="0"/>
@@ -10566,7 +11696,7 @@
             <p:nvPr/>
           </p:nvPicPr>
           <p:blipFill>
-            <a:blip r:embed="rId3" cstate="print">
+            <a:blip r:embed="rId2" cstate="print">
               <a:extLst>
                 <a:ext uri="{28A0092B-C50C-407E-A947-70E740481C1C}">
                   <a14:useLocalDpi xmlns:a14="http://schemas.microsoft.com/office/drawing/2010/main" val="0"/>
@@ -10642,6 +11772,20 @@
                 </a:rPr>
                 <a:t>BEIJING UNIVERSITY OF TECHNOLOGY</a:t>
               </a:r>
+              <a:endParaRPr kumimoji="0" lang="en-US" altLang="zh-CN" sz="800" b="1" i="0" u="none" strike="noStrike" kern="1200" cap="none" spc="0" normalizeH="0" baseline="0" noProof="0" dirty="0">
+                <a:ln>
+                  <a:noFill/>
+                </a:ln>
+                <a:solidFill>
+                  <a:srgbClr val="024282"/>
+                </a:solidFill>
+                <a:effectLst/>
+                <a:uLnTx/>
+                <a:uFillTx/>
+                <a:latin typeface="Calibri" panose="020F0502020204030204"/>
+                <a:ea typeface="宋体" pitchFamily="2" charset="-122"/>
+                <a:cs typeface="+mn-cs"/>
+              </a:endParaRPr>
             </a:p>
           </p:txBody>
         </p:sp>
@@ -10674,14 +11818,14 @@
       </p:sp>
       <p:sp>
         <p:nvSpPr>
-          <p:cNvPr id="3" name="文本框 2"/>
+          <p:cNvPr id="4" name="文本框 3"/>
           <p:cNvSpPr txBox="1"/>
           <p:nvPr/>
         </p:nvSpPr>
         <p:spPr>
           <a:xfrm>
-            <a:off x="676136" y="1232361"/>
-            <a:ext cx="5436104" cy="369332"/>
+            <a:off x="1484630" y="1812925"/>
+            <a:ext cx="7972425" cy="2584450"/>
           </a:xfrm>
           <a:prstGeom prst="rect">
             <a:avLst/>
@@ -10689,11 +11833,16 @@
           <a:noFill/>
         </p:spPr>
         <p:txBody>
-          <a:bodyPr wrap="none" rtlCol="0" anchor="t">
+          <a:bodyPr wrap="square" rtlCol="0" anchor="t">
             <a:spAutoFit/>
           </a:bodyPr>
           <a:lstStyle/>
           <a:p>
+            <a:pPr>
+              <a:lnSpc>
+                <a:spcPct val="150000"/>
+              </a:lnSpc>
+            </a:pPr>
             <a:r>
               <a:rPr lang="en-US" altLang="zh-CN" dirty="0">
                 <a:sym typeface="+mn-ea"/>
@@ -10704,41 +11853,211 @@
               <a:rPr lang="zh-CN" altLang="en-US" dirty="0">
                 <a:sym typeface="+mn-ea"/>
               </a:rPr>
-              <a:t>基于交叉重建模块的特征解耦域不变表征学习方法</a:t>
-            </a:r>
-            <a:endParaRPr lang="zh-CN" altLang="en-US" dirty="0"/>
-          </a:p>
-        </p:txBody>
-      </p:sp>
-      <p:sp>
-        <p:nvSpPr>
-          <p:cNvPr id="4" name="文本框 3"/>
-          <p:cNvSpPr txBox="1"/>
-          <p:nvPr/>
-        </p:nvSpPr>
-        <p:spPr>
-          <a:xfrm>
-            <a:off x="631190" y="2024380"/>
-            <a:ext cx="7269480" cy="368300"/>
-          </a:xfrm>
-          <a:prstGeom prst="rect">
-            <a:avLst/>
-          </a:prstGeom>
-          <a:noFill/>
-        </p:spPr>
-        <p:txBody>
-          <a:bodyPr wrap="none" rtlCol="0" anchor="t">
-            <a:spAutoFit/>
-          </a:bodyPr>
-          <a:lstStyle/>
-          <a:p>
+              <a:t>测试集：</a:t>
+            </a:r>
+            <a:endParaRPr lang="en-US" altLang="zh-CN" dirty="0"/>
+          </a:p>
+          <a:p>
+            <a:pPr marL="285750" indent="-285750">
+              <a:lnSpc>
+                <a:spcPct val="150000"/>
+              </a:lnSpc>
+              <a:buFont typeface="Arial" panose="020B0604020202020204" pitchFamily="34" charset="0"/>
+              <a:buChar char="•"/>
+            </a:pPr>
             <a:r>
               <a:rPr lang="zh-CN" altLang="en-US" dirty="0">
                 <a:sym typeface="+mn-ea"/>
               </a:rPr>
-              <a:t>域不变表征作为不同域间的共有特征，是提高模型泛化性的重要因素。</a:t>
-            </a:r>
-            <a:endParaRPr lang="zh-CN" altLang="en-US"/>
+              <a:t>使用</a:t>
+            </a:r>
+            <a:r>
+              <a:rPr lang="en-US" altLang="zh-CN" dirty="0">
+                <a:sym typeface="+mn-ea"/>
+              </a:rPr>
+              <a:t>CHAOS</a:t>
+            </a:r>
+            <a:r>
+              <a:rPr lang="zh-CN" altLang="en-US" dirty="0">
+                <a:sym typeface="+mn-ea"/>
+              </a:rPr>
+              <a:t>数据集的</a:t>
+            </a:r>
+            <a:r>
+              <a:rPr lang="en-US" altLang="zh-CN" dirty="0">
+                <a:sym typeface="+mn-ea"/>
+              </a:rPr>
+              <a:t>MR</a:t>
+            </a:r>
+            <a:r>
+              <a:rPr lang="zh-CN" altLang="en-US" dirty="0">
+                <a:sym typeface="+mn-ea"/>
+              </a:rPr>
+              <a:t>模态部分数据作为测试集，该数据集含有肝、肾、脾的分割标准，包括</a:t>
+            </a:r>
+            <a:r>
+              <a:rPr lang="en-US" altLang="zh-CN" dirty="0">
+                <a:sym typeface="+mn-ea"/>
+              </a:rPr>
+              <a:t>T1_in, T1_out</a:t>
+            </a:r>
+            <a:r>
+              <a:rPr lang="zh-CN" altLang="en-US" dirty="0">
+                <a:sym typeface="+mn-ea"/>
+              </a:rPr>
+              <a:t>和</a:t>
+            </a:r>
+            <a:r>
+              <a:rPr lang="en-US" altLang="zh-CN" dirty="0">
+                <a:sym typeface="+mn-ea"/>
+              </a:rPr>
+              <a:t>T2</a:t>
+            </a:r>
+            <a:r>
+              <a:rPr lang="zh-CN" altLang="en-US" dirty="0">
+                <a:sym typeface="+mn-ea"/>
+              </a:rPr>
+              <a:t>三个</a:t>
+            </a:r>
+            <a:r>
+              <a:rPr lang="en-US" altLang="zh-CN" dirty="0">
+                <a:sym typeface="+mn-ea"/>
+              </a:rPr>
+              <a:t>MR</a:t>
+            </a:r>
+            <a:r>
+              <a:rPr lang="zh-CN" altLang="en-US" dirty="0">
+                <a:sym typeface="+mn-ea"/>
+              </a:rPr>
+              <a:t>序列。处理后</a:t>
+            </a:r>
+            <a:r>
+              <a:rPr lang="en-US" altLang="zh-CN" dirty="0">
+                <a:sym typeface="+mn-ea"/>
+              </a:rPr>
+              <a:t>T1_in</a:t>
+            </a:r>
+            <a:r>
+              <a:rPr lang="zh-CN" altLang="en-US" dirty="0">
+                <a:sym typeface="+mn-ea"/>
+              </a:rPr>
+              <a:t>序列</a:t>
+            </a:r>
+            <a:r>
+              <a:rPr lang="en-US" altLang="zh-CN" dirty="0">
+                <a:sym typeface="+mn-ea"/>
+              </a:rPr>
+              <a:t>647</a:t>
+            </a:r>
+            <a:r>
+              <a:rPr lang="zh-CN" altLang="en-US" dirty="0">
+                <a:sym typeface="+mn-ea"/>
+              </a:rPr>
+              <a:t>张切片，</a:t>
+            </a:r>
+            <a:r>
+              <a:rPr lang="en-US" altLang="zh-CN" dirty="0">
+                <a:sym typeface="+mn-ea"/>
+              </a:rPr>
+              <a:t>T1_out</a:t>
+            </a:r>
+            <a:r>
+              <a:rPr lang="zh-CN" altLang="en-US" dirty="0">
+                <a:sym typeface="+mn-ea"/>
+              </a:rPr>
+              <a:t>序列</a:t>
+            </a:r>
+            <a:r>
+              <a:rPr lang="en-US" altLang="zh-CN" dirty="0">
+                <a:sym typeface="+mn-ea"/>
+              </a:rPr>
+              <a:t>647</a:t>
+            </a:r>
+            <a:r>
+              <a:rPr lang="zh-CN" altLang="en-US" dirty="0">
+                <a:sym typeface="+mn-ea"/>
+              </a:rPr>
+              <a:t>张切片，</a:t>
+            </a:r>
+            <a:r>
+              <a:rPr lang="en-US" altLang="zh-CN" dirty="0">
+                <a:sym typeface="+mn-ea"/>
+              </a:rPr>
+              <a:t>T2</a:t>
+            </a:r>
+            <a:r>
+              <a:rPr lang="zh-CN" altLang="en-US" dirty="0">
+                <a:sym typeface="+mn-ea"/>
+              </a:rPr>
+              <a:t>序列</a:t>
+            </a:r>
+            <a:r>
+              <a:rPr lang="en-US" altLang="zh-CN" dirty="0">
+                <a:sym typeface="+mn-ea"/>
+              </a:rPr>
+              <a:t>623</a:t>
+            </a:r>
+            <a:r>
+              <a:rPr lang="zh-CN" altLang="en-US" dirty="0">
+                <a:sym typeface="+mn-ea"/>
+              </a:rPr>
+              <a:t>张切片</a:t>
+            </a:r>
+            <a:endParaRPr lang="zh-CN" altLang="en-US" dirty="0"/>
+          </a:p>
+          <a:p>
+            <a:pPr marL="285750" indent="-285750">
+              <a:lnSpc>
+                <a:spcPct val="150000"/>
+              </a:lnSpc>
+              <a:buFont typeface="Arial" panose="020B0604020202020204" pitchFamily="34" charset="0"/>
+              <a:buChar char="•"/>
+            </a:pPr>
+            <a:r>
+              <a:rPr lang="zh-CN" altLang="en-US" dirty="0">
+                <a:sym typeface="+mn-ea"/>
+              </a:rPr>
+              <a:t>使用</a:t>
+            </a:r>
+            <a:r>
+              <a:rPr lang="en-US" altLang="zh-CN" dirty="0">
+                <a:sym typeface="+mn-ea"/>
+              </a:rPr>
+              <a:t>AMOS</a:t>
+            </a:r>
+            <a:r>
+              <a:rPr lang="zh-CN" altLang="en-US" dirty="0">
+                <a:sym typeface="+mn-ea"/>
+              </a:rPr>
+              <a:t>数据集的</a:t>
+            </a:r>
+            <a:r>
+              <a:rPr lang="en-US" altLang="zh-CN" dirty="0">
+                <a:sym typeface="+mn-ea"/>
+              </a:rPr>
+              <a:t>MR</a:t>
+            </a:r>
+            <a:r>
+              <a:rPr lang="zh-CN" altLang="en-US" dirty="0">
+                <a:sym typeface="+mn-ea"/>
+              </a:rPr>
+              <a:t>模态部分数据作为测试集，该数据集含有肝、肾、脾的分割标准。处理后共</a:t>
+            </a:r>
+            <a:r>
+              <a:rPr lang="en-US" altLang="zh-CN" dirty="0">
+                <a:sym typeface="+mn-ea"/>
+              </a:rPr>
+              <a:t>2503</a:t>
+            </a:r>
+            <a:r>
+              <a:rPr lang="zh-CN" altLang="en-US" dirty="0">
+                <a:sym typeface="+mn-ea"/>
+              </a:rPr>
+              <a:t>张切片</a:t>
+            </a:r>
+            <a:endParaRPr lang="zh-CN" altLang="en-US" dirty="0">
+              <a:sym typeface="+mn-ea"/>
+            </a:endParaRPr>
           </a:p>
         </p:txBody>
       </p:sp>
@@ -10825,7 +12144,7 @@
             <p:nvPr/>
           </p:nvPicPr>
           <p:blipFill>
-            <a:blip r:embed="rId3" cstate="print">
+            <a:blip r:embed="rId1" cstate="print">
               <a:extLst>
                 <a:ext uri="{28A0092B-C50C-407E-A947-70E740481C1C}">
                   <a14:useLocalDpi xmlns:a14="http://schemas.microsoft.com/office/drawing/2010/main" val="0"/>
@@ -10856,7 +12175,7 @@
             <p:nvPr/>
           </p:nvPicPr>
           <p:blipFill>
-            <a:blip r:embed="rId4" cstate="print">
+            <a:blip r:embed="rId2" cstate="print">
               <a:extLst>
                 <a:ext uri="{28A0092B-C50C-407E-A947-70E740481C1C}">
                   <a14:useLocalDpi xmlns:a14="http://schemas.microsoft.com/office/drawing/2010/main" val="0"/>
@@ -10932,6 +12251,20 @@
                 </a:rPr>
                 <a:t>BEIJING UNIVERSITY OF TECHNOLOGY</a:t>
               </a:r>
+              <a:endParaRPr kumimoji="0" lang="en-US" altLang="zh-CN" sz="800" b="1" i="0" u="none" strike="noStrike" kern="1200" cap="none" spc="0" normalizeH="0" baseline="0" noProof="0" dirty="0">
+                <a:ln>
+                  <a:noFill/>
+                </a:ln>
+                <a:solidFill>
+                  <a:srgbClr val="024282"/>
+                </a:solidFill>
+                <a:effectLst/>
+                <a:uLnTx/>
+                <a:uFillTx/>
+                <a:latin typeface="Calibri" panose="020F0502020204030204"/>
+                <a:ea typeface="宋体" pitchFamily="2" charset="-122"/>
+                <a:cs typeface="+mn-cs"/>
+              </a:endParaRPr>
             </a:p>
           </p:txBody>
         </p:sp>
@@ -10964,69 +12297,28 @@
       </p:sp>
       <p:pic>
         <p:nvPicPr>
-          <p:cNvPr id="5" name="图片 4">
-            <a:extLst>
-              <a:ext uri="{FF2B5EF4-FFF2-40B4-BE49-F238E27FC236}">
-                <a16:creationId xmlns:a16="http://schemas.microsoft.com/office/drawing/2014/main" id="{7F652CD2-8117-0314-4BF3-F03B7E4BF12E}"/>
-              </a:ext>
-            </a:extLst>
-          </p:cNvPr>
+          <p:cNvPr id="4" name="图片 3"/>
           <p:cNvPicPr>
             <a:picLocks noChangeAspect="1"/>
           </p:cNvPicPr>
           <p:nvPr/>
         </p:nvPicPr>
         <p:blipFill>
-          <a:blip r:embed="rId5"/>
+          <a:blip r:embed="rId3"/>
           <a:stretch>
             <a:fillRect/>
           </a:stretch>
         </p:blipFill>
         <p:spPr>
           <a:xfrm>
-            <a:off x="860408" y="995789"/>
-            <a:ext cx="10471184" cy="4732688"/>
+            <a:off x="438785" y="1510030"/>
+            <a:ext cx="11753215" cy="4685665"/>
           </a:xfrm>
           <a:prstGeom prst="rect">
             <a:avLst/>
           </a:prstGeom>
         </p:spPr>
       </p:pic>
-      <p:sp>
-        <p:nvSpPr>
-          <p:cNvPr id="6" name="文本框 5">
-            <a:extLst>
-              <a:ext uri="{FF2B5EF4-FFF2-40B4-BE49-F238E27FC236}">
-                <a16:creationId xmlns:a16="http://schemas.microsoft.com/office/drawing/2014/main" id="{B76CDEE1-F206-1B11-DFD2-420A95E09132}"/>
-              </a:ext>
-            </a:extLst>
-          </p:cNvPr>
-          <p:cNvSpPr txBox="1"/>
-          <p:nvPr/>
-        </p:nvSpPr>
-        <p:spPr>
-          <a:xfrm>
-            <a:off x="3219450" y="5943600"/>
-            <a:ext cx="5467350" cy="400110"/>
-          </a:xfrm>
-          <a:prstGeom prst="rect">
-            <a:avLst/>
-          </a:prstGeom>
-          <a:noFill/>
-        </p:spPr>
-        <p:txBody>
-          <a:bodyPr wrap="square" rtlCol="0">
-            <a:spAutoFit/>
-          </a:bodyPr>
-          <a:lstStyle/>
-          <a:p>
-            <a:r>
-              <a:rPr lang="zh-CN" altLang="en-US" sz="2000" dirty="0"/>
-              <a:t>图  基于交叉重建的特征解耦的表征学习结构</a:t>
-            </a:r>
-          </a:p>
-        </p:txBody>
-      </p:sp>
     </p:spTree>
   </p:cSld>
   <p:clrMapOvr>
@@ -11110,7 +12402,7 @@
             <p:nvPr/>
           </p:nvPicPr>
           <p:blipFill>
-            <a:blip r:embed="rId3" cstate="print">
+            <a:blip r:embed="rId1" cstate="print">
               <a:extLst>
                 <a:ext uri="{28A0092B-C50C-407E-A947-70E740481C1C}">
                   <a14:useLocalDpi xmlns:a14="http://schemas.microsoft.com/office/drawing/2010/main" val="0"/>
@@ -11141,7 +12433,7 @@
             <p:nvPr/>
           </p:nvPicPr>
           <p:blipFill>
-            <a:blip r:embed="rId4" cstate="print">
+            <a:blip r:embed="rId2" cstate="print">
               <a:extLst>
                 <a:ext uri="{28A0092B-C50C-407E-A947-70E740481C1C}">
                   <a14:useLocalDpi xmlns:a14="http://schemas.microsoft.com/office/drawing/2010/main" val="0"/>
@@ -11217,6 +12509,20 @@
                 </a:rPr>
                 <a:t>BEIJING UNIVERSITY OF TECHNOLOGY</a:t>
               </a:r>
+              <a:endParaRPr kumimoji="0" lang="en-US" altLang="zh-CN" sz="800" b="1" i="0" u="none" strike="noStrike" kern="1200" cap="none" spc="0" normalizeH="0" baseline="0" noProof="0" dirty="0">
+                <a:ln>
+                  <a:noFill/>
+                </a:ln>
+                <a:solidFill>
+                  <a:srgbClr val="024282"/>
+                </a:solidFill>
+                <a:effectLst/>
+                <a:uLnTx/>
+                <a:uFillTx/>
+                <a:latin typeface="Calibri" panose="020F0502020204030204"/>
+                <a:ea typeface="宋体" pitchFamily="2" charset="-122"/>
+                <a:cs typeface="+mn-cs"/>
+              </a:endParaRPr>
             </a:p>
           </p:txBody>
         </p:sp>
@@ -11267,7 +12573,6 @@
           <a:bodyPr wrap="square" rtlCol="0">
             <a:spAutoFit/>
           </a:bodyPr>
-          <a:lstStyle/>
           <a:p>
             <a:r>
               <a:rPr lang="zh-CN" altLang="en-US" sz="6000" dirty="0"/>
@@ -11279,8 +12584,13 @@
             </a:r>
             <a:r>
               <a:rPr lang="zh-CN" altLang="en-US" sz="6000" dirty="0"/>
-              <a:t>前期工作</a:t>
-            </a:r>
+              <a:t>进度</a:t>
+            </a:r>
+            <a:r>
+              <a:rPr lang="zh-CN" altLang="en-US" sz="6000" dirty="0"/>
+              <a:t>安排</a:t>
+            </a:r>
+            <a:endParaRPr lang="zh-CN" altLang="en-US" sz="6000" dirty="0"/>
           </a:p>
         </p:txBody>
       </p:sp>
@@ -11367,7 +12677,7 @@
             <p:nvPr/>
           </p:nvPicPr>
           <p:blipFill>
-            <a:blip r:embed="rId3" cstate="print">
+            <a:blip r:embed="rId1" cstate="print">
               <a:extLst>
                 <a:ext uri="{28A0092B-C50C-407E-A947-70E740481C1C}">
                   <a14:useLocalDpi xmlns:a14="http://schemas.microsoft.com/office/drawing/2010/main" val="0"/>
@@ -11398,7 +12708,7 @@
             <p:nvPr/>
           </p:nvPicPr>
           <p:blipFill>
-            <a:blip r:embed="rId4" cstate="print">
+            <a:blip r:embed="rId2" cstate="print">
               <a:extLst>
                 <a:ext uri="{28A0092B-C50C-407E-A947-70E740481C1C}">
                   <a14:useLocalDpi xmlns:a14="http://schemas.microsoft.com/office/drawing/2010/main" val="0"/>
@@ -11474,6 +12784,20 @@
                 </a:rPr>
                 <a:t>BEIJING UNIVERSITY OF TECHNOLOGY</a:t>
               </a:r>
+              <a:endParaRPr kumimoji="0" lang="en-US" altLang="zh-CN" sz="800" b="1" i="0" u="none" strike="noStrike" kern="1200" cap="none" spc="0" normalizeH="0" baseline="0" noProof="0" dirty="0">
+                <a:ln>
+                  <a:noFill/>
+                </a:ln>
+                <a:solidFill>
+                  <a:srgbClr val="024282"/>
+                </a:solidFill>
+                <a:effectLst/>
+                <a:uLnTx/>
+                <a:uFillTx/>
+                <a:latin typeface="Calibri" panose="020F0502020204030204"/>
+                <a:ea typeface="宋体" pitchFamily="2" charset="-122"/>
+                <a:cs typeface="+mn-cs"/>
+              </a:endParaRPr>
             </a:p>
           </p:txBody>
         </p:sp>
@@ -11504,1042 +12828,877 @@
           </a:p>
         </p:txBody>
       </p:sp>
-      <p:sp>
-        <p:nvSpPr>
-          <p:cNvPr id="4" name="文本框 3"/>
-          <p:cNvSpPr txBox="1"/>
-          <p:nvPr/>
-        </p:nvSpPr>
-        <p:spPr>
-          <a:xfrm>
-            <a:off x="730826" y="1114558"/>
-            <a:ext cx="9964883" cy="3353435"/>
-          </a:xfrm>
-          <a:prstGeom prst="rect">
-            <a:avLst/>
-          </a:prstGeom>
-          <a:noFill/>
-        </p:spPr>
-        <p:txBody>
-          <a:bodyPr wrap="square" rtlCol="0">
-            <a:spAutoFit/>
-          </a:bodyPr>
-          <a:lstStyle/>
-          <a:p>
-            <a:r>
-              <a:rPr lang="zh-CN" altLang="en-US" sz="3200" b="1" dirty="0"/>
-              <a:t>数据集准备与数据处理：</a:t>
-            </a:r>
-            <a:endParaRPr lang="en-US" altLang="zh-CN" sz="3200" b="1" dirty="0"/>
-          </a:p>
-          <a:p>
-            <a:pPr>
-              <a:lnSpc>
-                <a:spcPct val="150000"/>
-              </a:lnSpc>
-            </a:pPr>
-            <a:r>
-              <a:rPr lang="en-US" altLang="zh-CN" sz="2400" dirty="0"/>
-              <a:t>1.</a:t>
-            </a:r>
-            <a:r>
-              <a:rPr lang="zh-CN" altLang="en-US" sz="2400" dirty="0"/>
-              <a:t>训练集：</a:t>
-            </a:r>
-            <a:endParaRPr lang="en-US" altLang="zh-CN" sz="2400" dirty="0"/>
-          </a:p>
-          <a:p>
-            <a:pPr>
-              <a:lnSpc>
-                <a:spcPct val="150000"/>
-              </a:lnSpc>
-            </a:pPr>
-            <a:r>
-              <a:rPr lang="zh-CN" altLang="en-US" sz="2400" dirty="0"/>
-              <a:t>使用</a:t>
-            </a:r>
-            <a:r>
-              <a:rPr lang="en-US" altLang="zh-CN" sz="2400" dirty="0"/>
-              <a:t>total </a:t>
-            </a:r>
-            <a:r>
-              <a:rPr lang="en-US" altLang="zh-CN" sz="2400" dirty="0" err="1"/>
-              <a:t>sementator</a:t>
-            </a:r>
-            <a:r>
-              <a:rPr lang="zh-CN" altLang="en-US" sz="2400" dirty="0"/>
-              <a:t>数据集（</a:t>
-            </a:r>
-            <a:r>
-              <a:rPr lang="en-US" altLang="zh-CN" sz="2400" dirty="0"/>
-              <a:t>CT</a:t>
-            </a:r>
-            <a:r>
-              <a:rPr lang="zh-CN" altLang="en-US" sz="2400" dirty="0"/>
-              <a:t>）作为训练集，筛选掉非正方形的切片后，共</a:t>
-            </a:r>
-            <a:r>
-              <a:rPr lang="en-US" altLang="zh-CN" sz="2400" dirty="0"/>
-              <a:t>241442</a:t>
-            </a:r>
-            <a:r>
-              <a:rPr lang="zh-CN" altLang="en-US" sz="2400" dirty="0"/>
-              <a:t>张切片。按病例划分训练集与验证集，其中</a:t>
-            </a:r>
-            <a:r>
-              <a:rPr lang="en-US" altLang="zh-CN" sz="2400" dirty="0"/>
-              <a:t>201782</a:t>
-            </a:r>
-            <a:r>
-              <a:rPr lang="zh-CN" altLang="en-US" sz="2400" dirty="0"/>
-              <a:t>张切片作为训练集，</a:t>
-            </a:r>
-            <a:r>
-              <a:rPr lang="en-US" altLang="zh-CN" sz="2400" dirty="0"/>
-              <a:t>39360</a:t>
-            </a:r>
-            <a:r>
-              <a:rPr lang="zh-CN" altLang="en-US" sz="2400" dirty="0"/>
-              <a:t>张切片作为验证集。</a:t>
-            </a:r>
-            <a:endParaRPr lang="en-US" altLang="zh-CN" sz="2400" dirty="0"/>
-          </a:p>
-          <a:p>
-            <a:pPr>
-              <a:lnSpc>
-                <a:spcPct val="150000"/>
-              </a:lnSpc>
-            </a:pPr>
-            <a:endParaRPr lang="zh-CN" altLang="en-US" sz="2400" dirty="0"/>
-          </a:p>
-        </p:txBody>
-      </p:sp>
-    </p:spTree>
-  </p:cSld>
-  <p:clrMapOvr>
-    <a:masterClrMapping/>
-  </p:clrMapOvr>
-</p:sld>
-</file>
-
-<file path=ppt/slides/slide26.xml><?xml version="1.0" encoding="utf-8"?>
-<p:sld xmlns:a="http://schemas.openxmlformats.org/drawingml/2006/main" xmlns:r="http://schemas.openxmlformats.org/officeDocument/2006/relationships" xmlns:p="http://schemas.openxmlformats.org/presentationml/2006/main">
-  <p:cSld>
-    <p:spTree>
-      <p:nvGrpSpPr>
-        <p:cNvPr id="1" name=""/>
-        <p:cNvGrpSpPr/>
-        <p:nvPr/>
-      </p:nvGrpSpPr>
-      <p:grpSpPr>
-        <a:xfrm>
-          <a:off x="0" y="0"/>
-          <a:ext cx="0" cy="0"/>
-          <a:chOff x="0" y="0"/>
-          <a:chExt cx="0" cy="0"/>
-        </a:xfrm>
-      </p:grpSpPr>
-      <p:cxnSp>
-        <p:nvCxnSpPr>
-          <p:cNvPr id="7" name="直接连接符 6"/>
-          <p:cNvCxnSpPr/>
-          <p:nvPr/>
-        </p:nvCxnSpPr>
-        <p:spPr>
-          <a:xfrm>
-            <a:off x="367840" y="809674"/>
-            <a:ext cx="11488800" cy="0"/>
-          </a:xfrm>
-          <a:prstGeom prst="line">
-            <a:avLst/>
-          </a:prstGeom>
-          <a:ln w="9525">
-            <a:solidFill>
-              <a:srgbClr val="024282"/>
-            </a:solidFill>
-          </a:ln>
-        </p:spPr>
-        <p:style>
-          <a:lnRef idx="1">
-            <a:schemeClr val="accent1"/>
-          </a:lnRef>
-          <a:fillRef idx="0">
-            <a:schemeClr val="accent1"/>
-          </a:fillRef>
-          <a:effectRef idx="0">
-            <a:schemeClr val="accent1"/>
-          </a:effectRef>
-          <a:fontRef idx="minor">
-            <a:schemeClr val="tx1"/>
-          </a:fontRef>
-        </p:style>
-      </p:cxnSp>
-      <p:grpSp>
-        <p:nvGrpSpPr>
-          <p:cNvPr id="43" name="组合 42"/>
-          <p:cNvGrpSpPr/>
-          <p:nvPr/>
-        </p:nvGrpSpPr>
-        <p:grpSpPr>
-          <a:xfrm>
-            <a:off x="9456920" y="74604"/>
-            <a:ext cx="2489626" cy="672240"/>
-            <a:chOff x="4638341" y="609261"/>
-            <a:chExt cx="5755951" cy="1554197"/>
-          </a:xfrm>
-        </p:grpSpPr>
-        <p:pic>
-          <p:nvPicPr>
-            <p:cNvPr id="45" name="图片 44"/>
-            <p:cNvPicPr>
-              <a:picLocks noChangeAspect="1"/>
-            </p:cNvPicPr>
-            <p:nvPr/>
-          </p:nvPicPr>
-          <p:blipFill>
-            <a:blip r:embed="rId2" cstate="print">
-              <a:extLst>
-                <a:ext uri="{28A0092B-C50C-407E-A947-70E740481C1C}">
-                  <a14:useLocalDpi xmlns:a14="http://schemas.microsoft.com/office/drawing/2010/main" val="0"/>
-                </a:ext>
-              </a:extLst>
-            </a:blip>
-            <a:srcRect/>
-            <a:stretch>
-              <a:fillRect/>
-            </a:stretch>
-          </p:blipFill>
-          <p:spPr>
-            <a:xfrm>
-              <a:off x="4638341" y="609261"/>
-              <a:ext cx="1502034" cy="1502030"/>
-            </a:xfrm>
-            <a:prstGeom prst="rect">
-              <a:avLst/>
-            </a:prstGeom>
-          </p:spPr>
-        </p:pic>
-        <p:pic>
-          <p:nvPicPr>
-            <p:cNvPr id="46" name="图片 45"/>
-            <p:cNvPicPr>
-              <a:picLocks noChangeAspect="1"/>
-            </p:cNvPicPr>
-            <p:nvPr/>
-          </p:nvPicPr>
-          <p:blipFill>
-            <a:blip r:embed="rId3" cstate="print">
-              <a:extLst>
-                <a:ext uri="{28A0092B-C50C-407E-A947-70E740481C1C}">
-                  <a14:useLocalDpi xmlns:a14="http://schemas.microsoft.com/office/drawing/2010/main" val="0"/>
-                </a:ext>
-              </a:extLst>
-            </a:blip>
-            <a:srcRect/>
-            <a:stretch>
-              <a:fillRect/>
-            </a:stretch>
-          </p:blipFill>
-          <p:spPr>
-            <a:xfrm>
-              <a:off x="6206343" y="750075"/>
-              <a:ext cx="4060280" cy="983091"/>
-            </a:xfrm>
-            <a:prstGeom prst="rect">
-              <a:avLst/>
-            </a:prstGeom>
-          </p:spPr>
-        </p:pic>
-        <p:sp>
-          <p:nvSpPr>
-            <p:cNvPr id="47" name="矩形 46"/>
-            <p:cNvSpPr/>
-            <p:nvPr/>
-          </p:nvSpPr>
-          <p:spPr>
-            <a:xfrm>
-              <a:off x="6206343" y="1665358"/>
-              <a:ext cx="4187949" cy="498100"/>
-            </a:xfrm>
-            <a:prstGeom prst="rect">
-              <a:avLst/>
-            </a:prstGeom>
-          </p:spPr>
-          <p:txBody>
-            <a:bodyPr wrap="square">
-              <a:spAutoFit/>
-            </a:bodyPr>
-            <a:lstStyle/>
-            <a:p>
-              <a:pPr marL="0" marR="0" lvl="0" indent="0" algn="dist" defTabSz="914400" rtl="0" eaLnBrk="1" fontAlgn="auto" latinLnBrk="0" hangingPunct="1">
-                <a:lnSpc>
-                  <a:spcPct val="100000"/>
-                </a:lnSpc>
-                <a:spcBef>
-                  <a:spcPts val="0"/>
-                </a:spcBef>
-                <a:spcAft>
-                  <a:spcPts val="0"/>
-                </a:spcAft>
-                <a:buClrTx/>
-                <a:buSzTx/>
-                <a:buFontTx/>
-                <a:buNone/>
-                <a:defRPr/>
-              </a:pPr>
-              <a:r>
-                <a:rPr kumimoji="0" lang="en-US" altLang="zh-CN" sz="800" b="1" i="0" u="none" strike="noStrike" kern="1200" cap="none" spc="0" normalizeH="0" baseline="0" noProof="0" dirty="0">
-                  <a:ln>
-                    <a:noFill/>
-                  </a:ln>
-                  <a:solidFill>
-                    <a:srgbClr val="024282"/>
-                  </a:solidFill>
-                  <a:effectLst/>
-                  <a:uLnTx/>
-                  <a:uFillTx/>
-                  <a:latin typeface="Calibri" panose="020F0502020204030204"/>
-                  <a:ea typeface="宋体" pitchFamily="2" charset="-122"/>
-                  <a:cs typeface="+mn-cs"/>
-                </a:rPr>
-                <a:t>BEIJING UNIVERSITY OF TECHNOLOGY</a:t>
-              </a:r>
-            </a:p>
-          </p:txBody>
-        </p:sp>
-      </p:grpSp>
-      <p:sp>
-        <p:nvSpPr>
-          <p:cNvPr id="2" name="文本框 1"/>
-          <p:cNvSpPr txBox="1"/>
-          <p:nvPr/>
-        </p:nvSpPr>
-        <p:spPr>
-          <a:xfrm>
-            <a:off x="1187450" y="441960"/>
-            <a:ext cx="4064000" cy="368300"/>
-          </a:xfrm>
-          <a:prstGeom prst="rect">
-            <a:avLst/>
-          </a:prstGeom>
-          <a:noFill/>
-        </p:spPr>
-        <p:txBody>
-          <a:bodyPr wrap="square" rtlCol="0">
-            <a:spAutoFit/>
-          </a:bodyPr>
-          <a:lstStyle/>
-          <a:p>
-            <a:endParaRPr lang="zh-CN" altLang="en-US"/>
-          </a:p>
-        </p:txBody>
-      </p:sp>
-      <p:sp>
-        <p:nvSpPr>
-          <p:cNvPr id="4" name="文本框 3"/>
-          <p:cNvSpPr txBox="1"/>
-          <p:nvPr/>
-        </p:nvSpPr>
-        <p:spPr>
-          <a:xfrm>
-            <a:off x="1484630" y="1812925"/>
-            <a:ext cx="7972425" cy="2584450"/>
-          </a:xfrm>
-          <a:prstGeom prst="rect">
-            <a:avLst/>
-          </a:prstGeom>
-          <a:noFill/>
-        </p:spPr>
-        <p:txBody>
-          <a:bodyPr wrap="square" rtlCol="0" anchor="t">
-            <a:spAutoFit/>
-          </a:bodyPr>
-          <a:lstStyle/>
-          <a:p>
-            <a:pPr>
-              <a:lnSpc>
-                <a:spcPct val="150000"/>
-              </a:lnSpc>
-            </a:pPr>
-            <a:r>
-              <a:rPr lang="en-US" altLang="zh-CN" dirty="0">
-                <a:sym typeface="+mn-ea"/>
-              </a:rPr>
-              <a:t>2.</a:t>
-            </a:r>
-            <a:r>
-              <a:rPr lang="zh-CN" altLang="en-US" dirty="0">
-                <a:sym typeface="+mn-ea"/>
-              </a:rPr>
-              <a:t>测试集：</a:t>
-            </a:r>
-            <a:endParaRPr lang="en-US" altLang="zh-CN" dirty="0"/>
-          </a:p>
-          <a:p>
-            <a:pPr marL="285750" indent="-285750">
-              <a:lnSpc>
-                <a:spcPct val="150000"/>
-              </a:lnSpc>
-              <a:buFont typeface="Arial" panose="020B0604020202020204" pitchFamily="34" charset="0"/>
-              <a:buChar char="•"/>
-            </a:pPr>
-            <a:r>
-              <a:rPr lang="zh-CN" altLang="en-US" dirty="0">
-                <a:sym typeface="+mn-ea"/>
-              </a:rPr>
-              <a:t>使用</a:t>
-            </a:r>
-            <a:r>
-              <a:rPr lang="en-US" altLang="zh-CN" dirty="0">
-                <a:sym typeface="+mn-ea"/>
-              </a:rPr>
-              <a:t>CHAOS</a:t>
-            </a:r>
-            <a:r>
-              <a:rPr lang="zh-CN" altLang="en-US" dirty="0">
-                <a:sym typeface="+mn-ea"/>
-              </a:rPr>
-              <a:t>数据集的</a:t>
-            </a:r>
-            <a:r>
-              <a:rPr lang="en-US" altLang="zh-CN" dirty="0">
-                <a:sym typeface="+mn-ea"/>
-              </a:rPr>
-              <a:t>MR</a:t>
-            </a:r>
-            <a:r>
-              <a:rPr lang="zh-CN" altLang="en-US" dirty="0">
-                <a:sym typeface="+mn-ea"/>
-              </a:rPr>
-              <a:t>模态部分数据作为测试集，该数据集含有肝、肾、脾的分割标准，包括</a:t>
-            </a:r>
-            <a:r>
-              <a:rPr lang="en-US" altLang="zh-CN" dirty="0">
-                <a:sym typeface="+mn-ea"/>
-              </a:rPr>
-              <a:t>T1_in, T1_out</a:t>
-            </a:r>
-            <a:r>
-              <a:rPr lang="zh-CN" altLang="en-US" dirty="0">
-                <a:sym typeface="+mn-ea"/>
-              </a:rPr>
-              <a:t>和</a:t>
-            </a:r>
-            <a:r>
-              <a:rPr lang="en-US" altLang="zh-CN" dirty="0">
-                <a:sym typeface="+mn-ea"/>
-              </a:rPr>
-              <a:t>T2</a:t>
-            </a:r>
-            <a:r>
-              <a:rPr lang="zh-CN" altLang="en-US" dirty="0">
-                <a:sym typeface="+mn-ea"/>
-              </a:rPr>
-              <a:t>三个</a:t>
-            </a:r>
-            <a:r>
-              <a:rPr lang="en-US" altLang="zh-CN" dirty="0">
-                <a:sym typeface="+mn-ea"/>
-              </a:rPr>
-              <a:t>MR</a:t>
-            </a:r>
-            <a:r>
-              <a:rPr lang="zh-CN" altLang="en-US" dirty="0">
-                <a:sym typeface="+mn-ea"/>
-              </a:rPr>
-              <a:t>序列。处理后</a:t>
-            </a:r>
-            <a:r>
-              <a:rPr lang="en-US" altLang="zh-CN" dirty="0">
-                <a:sym typeface="+mn-ea"/>
-              </a:rPr>
-              <a:t>T1_in</a:t>
-            </a:r>
-            <a:r>
-              <a:rPr lang="zh-CN" altLang="en-US" dirty="0">
-                <a:sym typeface="+mn-ea"/>
-              </a:rPr>
-              <a:t>序列</a:t>
-            </a:r>
-            <a:r>
-              <a:rPr lang="en-US" altLang="zh-CN" dirty="0">
-                <a:sym typeface="+mn-ea"/>
-              </a:rPr>
-              <a:t>647</a:t>
-            </a:r>
-            <a:r>
-              <a:rPr lang="zh-CN" altLang="en-US" dirty="0">
-                <a:sym typeface="+mn-ea"/>
-              </a:rPr>
-              <a:t>张切片，</a:t>
-            </a:r>
-            <a:r>
-              <a:rPr lang="en-US" altLang="zh-CN" dirty="0">
-                <a:sym typeface="+mn-ea"/>
-              </a:rPr>
-              <a:t>T1_out</a:t>
-            </a:r>
-            <a:r>
-              <a:rPr lang="zh-CN" altLang="en-US" dirty="0">
-                <a:sym typeface="+mn-ea"/>
-              </a:rPr>
-              <a:t>序列</a:t>
-            </a:r>
-            <a:r>
-              <a:rPr lang="en-US" altLang="zh-CN" dirty="0">
-                <a:sym typeface="+mn-ea"/>
-              </a:rPr>
-              <a:t>647</a:t>
-            </a:r>
-            <a:r>
-              <a:rPr lang="zh-CN" altLang="en-US" dirty="0">
-                <a:sym typeface="+mn-ea"/>
-              </a:rPr>
-              <a:t>张切片，</a:t>
-            </a:r>
-            <a:r>
-              <a:rPr lang="en-US" altLang="zh-CN" dirty="0">
-                <a:sym typeface="+mn-ea"/>
-              </a:rPr>
-              <a:t>T2</a:t>
-            </a:r>
-            <a:r>
-              <a:rPr lang="zh-CN" altLang="en-US" dirty="0">
-                <a:sym typeface="+mn-ea"/>
-              </a:rPr>
-              <a:t>序列</a:t>
-            </a:r>
-            <a:r>
-              <a:rPr lang="en-US" altLang="zh-CN" dirty="0">
-                <a:sym typeface="+mn-ea"/>
-              </a:rPr>
-              <a:t>623</a:t>
-            </a:r>
-            <a:r>
-              <a:rPr lang="zh-CN" altLang="en-US" dirty="0">
-                <a:sym typeface="+mn-ea"/>
-              </a:rPr>
-              <a:t>张切片</a:t>
-            </a:r>
-            <a:endParaRPr lang="zh-CN" altLang="en-US" dirty="0"/>
-          </a:p>
-          <a:p>
-            <a:pPr marL="285750" indent="-285750">
-              <a:lnSpc>
-                <a:spcPct val="150000"/>
-              </a:lnSpc>
-              <a:buFont typeface="Arial" panose="020B0604020202020204" pitchFamily="34" charset="0"/>
-              <a:buChar char="•"/>
-            </a:pPr>
-            <a:r>
-              <a:rPr lang="zh-CN" altLang="en-US" dirty="0">
-                <a:sym typeface="+mn-ea"/>
-              </a:rPr>
-              <a:t>使用</a:t>
-            </a:r>
-            <a:r>
-              <a:rPr lang="en-US" altLang="zh-CN" dirty="0">
-                <a:sym typeface="+mn-ea"/>
-              </a:rPr>
-              <a:t>AMOS</a:t>
-            </a:r>
-            <a:r>
-              <a:rPr lang="zh-CN" altLang="en-US" dirty="0">
-                <a:sym typeface="+mn-ea"/>
-              </a:rPr>
-              <a:t>数据集的</a:t>
-            </a:r>
-            <a:r>
-              <a:rPr lang="en-US" altLang="zh-CN" dirty="0">
-                <a:sym typeface="+mn-ea"/>
-              </a:rPr>
-              <a:t>MR</a:t>
-            </a:r>
-            <a:r>
-              <a:rPr lang="zh-CN" altLang="en-US" dirty="0">
-                <a:sym typeface="+mn-ea"/>
-              </a:rPr>
-              <a:t>模态部分数据作为测试集，该数据集含有肝、肾、脾的分割标准。处理后共</a:t>
-            </a:r>
-            <a:r>
-              <a:rPr lang="en-US" altLang="zh-CN" dirty="0">
-                <a:sym typeface="+mn-ea"/>
-              </a:rPr>
-              <a:t>2503</a:t>
-            </a:r>
-            <a:r>
-              <a:rPr lang="zh-CN" altLang="en-US" dirty="0">
-                <a:sym typeface="+mn-ea"/>
-              </a:rPr>
-              <a:t>张切片</a:t>
-            </a:r>
-          </a:p>
-        </p:txBody>
-      </p:sp>
-    </p:spTree>
-  </p:cSld>
-  <p:clrMapOvr>
-    <a:masterClrMapping/>
-  </p:clrMapOvr>
-</p:sld>
-</file>
-
-<file path=ppt/slides/slide27.xml><?xml version="1.0" encoding="utf-8"?>
-<p:sld xmlns:a="http://schemas.openxmlformats.org/drawingml/2006/main" xmlns:r="http://schemas.openxmlformats.org/officeDocument/2006/relationships" xmlns:p="http://schemas.openxmlformats.org/presentationml/2006/main">
-  <p:cSld>
-    <p:spTree>
-      <p:nvGrpSpPr>
-        <p:cNvPr id="1" name=""/>
-        <p:cNvGrpSpPr/>
-        <p:nvPr/>
-      </p:nvGrpSpPr>
-      <p:grpSpPr>
-        <a:xfrm>
-          <a:off x="0" y="0"/>
-          <a:ext cx="0" cy="0"/>
-          <a:chOff x="0" y="0"/>
-          <a:chExt cx="0" cy="0"/>
-        </a:xfrm>
-      </p:grpSpPr>
-      <p:cxnSp>
-        <p:nvCxnSpPr>
-          <p:cNvPr id="7" name="直接连接符 6"/>
-          <p:cNvCxnSpPr/>
-          <p:nvPr/>
-        </p:nvCxnSpPr>
-        <p:spPr>
-          <a:xfrm>
-            <a:off x="367840" y="809674"/>
-            <a:ext cx="11488800" cy="0"/>
-          </a:xfrm>
-          <a:prstGeom prst="line">
-            <a:avLst/>
-          </a:prstGeom>
-          <a:ln w="9525">
-            <a:solidFill>
-              <a:srgbClr val="024282"/>
-            </a:solidFill>
-          </a:ln>
-        </p:spPr>
-        <p:style>
-          <a:lnRef idx="1">
-            <a:schemeClr val="accent1"/>
-          </a:lnRef>
-          <a:fillRef idx="0">
-            <a:schemeClr val="accent1"/>
-          </a:fillRef>
-          <a:effectRef idx="0">
-            <a:schemeClr val="accent1"/>
-          </a:effectRef>
-          <a:fontRef idx="minor">
-            <a:schemeClr val="tx1"/>
-          </a:fontRef>
-        </p:style>
-      </p:cxnSp>
-      <p:grpSp>
-        <p:nvGrpSpPr>
-          <p:cNvPr id="43" name="组合 42"/>
-          <p:cNvGrpSpPr/>
-          <p:nvPr/>
-        </p:nvGrpSpPr>
-        <p:grpSpPr>
-          <a:xfrm>
-            <a:off x="9456920" y="74604"/>
-            <a:ext cx="2489626" cy="672240"/>
-            <a:chOff x="4638341" y="609261"/>
-            <a:chExt cx="5755951" cy="1554197"/>
-          </a:xfrm>
-        </p:grpSpPr>
-        <p:pic>
-          <p:nvPicPr>
-            <p:cNvPr id="45" name="图片 44"/>
-            <p:cNvPicPr>
-              <a:picLocks noChangeAspect="1"/>
-            </p:cNvPicPr>
-            <p:nvPr/>
-          </p:nvPicPr>
-          <p:blipFill>
-            <a:blip r:embed="rId3" cstate="print">
-              <a:extLst>
-                <a:ext uri="{28A0092B-C50C-407E-A947-70E740481C1C}">
-                  <a14:useLocalDpi xmlns:a14="http://schemas.microsoft.com/office/drawing/2010/main" val="0"/>
-                </a:ext>
-              </a:extLst>
-            </a:blip>
-            <a:srcRect/>
-            <a:stretch>
-              <a:fillRect/>
-            </a:stretch>
-          </p:blipFill>
-          <p:spPr>
-            <a:xfrm>
-              <a:off x="4638341" y="609261"/>
-              <a:ext cx="1502034" cy="1502030"/>
-            </a:xfrm>
-            <a:prstGeom prst="rect">
-              <a:avLst/>
-            </a:prstGeom>
-          </p:spPr>
-        </p:pic>
-        <p:pic>
-          <p:nvPicPr>
-            <p:cNvPr id="46" name="图片 45"/>
-            <p:cNvPicPr>
-              <a:picLocks noChangeAspect="1"/>
-            </p:cNvPicPr>
-            <p:nvPr/>
-          </p:nvPicPr>
-          <p:blipFill>
-            <a:blip r:embed="rId4" cstate="print">
-              <a:extLst>
-                <a:ext uri="{28A0092B-C50C-407E-A947-70E740481C1C}">
-                  <a14:useLocalDpi xmlns:a14="http://schemas.microsoft.com/office/drawing/2010/main" val="0"/>
-                </a:ext>
-              </a:extLst>
-            </a:blip>
-            <a:srcRect/>
-            <a:stretch>
-              <a:fillRect/>
-            </a:stretch>
-          </p:blipFill>
-          <p:spPr>
-            <a:xfrm>
-              <a:off x="6206343" y="750075"/>
-              <a:ext cx="4060280" cy="983091"/>
-            </a:xfrm>
-            <a:prstGeom prst="rect">
-              <a:avLst/>
-            </a:prstGeom>
-          </p:spPr>
-        </p:pic>
-        <p:sp>
-          <p:nvSpPr>
-            <p:cNvPr id="47" name="矩形 46"/>
-            <p:cNvSpPr/>
-            <p:nvPr/>
-          </p:nvSpPr>
-          <p:spPr>
-            <a:xfrm>
-              <a:off x="6206343" y="1665358"/>
-              <a:ext cx="4187949" cy="498100"/>
-            </a:xfrm>
-            <a:prstGeom prst="rect">
-              <a:avLst/>
-            </a:prstGeom>
-          </p:spPr>
-          <p:txBody>
-            <a:bodyPr wrap="square">
-              <a:spAutoFit/>
-            </a:bodyPr>
-            <a:lstStyle/>
-            <a:p>
-              <a:pPr marL="0" marR="0" lvl="0" indent="0" algn="dist" defTabSz="914400" rtl="0" eaLnBrk="1" fontAlgn="auto" latinLnBrk="0" hangingPunct="1">
-                <a:lnSpc>
-                  <a:spcPct val="100000"/>
-                </a:lnSpc>
-                <a:spcBef>
-                  <a:spcPts val="0"/>
-                </a:spcBef>
-                <a:spcAft>
-                  <a:spcPts val="0"/>
-                </a:spcAft>
-                <a:buClrTx/>
-                <a:buSzTx/>
-                <a:buFontTx/>
-                <a:buNone/>
-                <a:defRPr/>
-              </a:pPr>
-              <a:r>
-                <a:rPr kumimoji="0" lang="en-US" altLang="zh-CN" sz="800" b="1" i="0" u="none" strike="noStrike" kern="1200" cap="none" spc="0" normalizeH="0" baseline="0" noProof="0" dirty="0">
-                  <a:ln>
-                    <a:noFill/>
-                  </a:ln>
-                  <a:solidFill>
-                    <a:srgbClr val="024282"/>
-                  </a:solidFill>
-                  <a:effectLst/>
-                  <a:uLnTx/>
-                  <a:uFillTx/>
-                  <a:latin typeface="Calibri" panose="020F0502020204030204"/>
-                  <a:ea typeface="宋体" pitchFamily="2" charset="-122"/>
-                  <a:cs typeface="+mn-cs"/>
-                </a:rPr>
-                <a:t>BEIJING UNIVERSITY OF TECHNOLOGY</a:t>
-              </a:r>
-            </a:p>
-          </p:txBody>
-        </p:sp>
-      </p:grpSp>
-      <p:sp>
-        <p:nvSpPr>
-          <p:cNvPr id="2" name="文本框 1"/>
-          <p:cNvSpPr txBox="1"/>
-          <p:nvPr/>
-        </p:nvSpPr>
-        <p:spPr>
-          <a:xfrm>
-            <a:off x="1187450" y="441960"/>
-            <a:ext cx="4064000" cy="368300"/>
-          </a:xfrm>
-          <a:prstGeom prst="rect">
-            <a:avLst/>
-          </a:prstGeom>
-          <a:noFill/>
-        </p:spPr>
-        <p:txBody>
-          <a:bodyPr wrap="square" rtlCol="0">
-            <a:spAutoFit/>
-          </a:bodyPr>
-          <a:lstStyle/>
-          <a:p>
-            <a:endParaRPr lang="zh-CN" altLang="en-US"/>
-          </a:p>
-        </p:txBody>
-      </p:sp>
-      <p:pic>
-        <p:nvPicPr>
-          <p:cNvPr id="4" name="图片 3"/>
-          <p:cNvPicPr>
-            <a:picLocks noChangeAspect="1"/>
-          </p:cNvPicPr>
-          <p:nvPr/>
-        </p:nvPicPr>
-        <p:blipFill>
-          <a:blip r:embed="rId5"/>
-          <a:stretch>
-            <a:fillRect/>
-          </a:stretch>
-        </p:blipFill>
-        <p:spPr>
-          <a:xfrm>
-            <a:off x="438785" y="1510030"/>
-            <a:ext cx="11753215" cy="4685665"/>
-          </a:xfrm>
-          <a:prstGeom prst="rect">
-            <a:avLst/>
-          </a:prstGeom>
-        </p:spPr>
-      </p:pic>
-    </p:spTree>
-  </p:cSld>
-  <p:clrMapOvr>
-    <a:masterClrMapping/>
-  </p:clrMapOvr>
-</p:sld>
-</file>
-
-<file path=ppt/slides/slide28.xml><?xml version="1.0" encoding="utf-8"?>
-<p:sld xmlns:a="http://schemas.openxmlformats.org/drawingml/2006/main" xmlns:r="http://schemas.openxmlformats.org/officeDocument/2006/relationships" xmlns:p="http://schemas.openxmlformats.org/presentationml/2006/main">
-  <p:cSld>
-    <p:spTree>
-      <p:nvGrpSpPr>
-        <p:cNvPr id="1" name=""/>
-        <p:cNvGrpSpPr/>
-        <p:nvPr/>
-      </p:nvGrpSpPr>
-      <p:grpSpPr>
-        <a:xfrm>
-          <a:off x="0" y="0"/>
-          <a:ext cx="0" cy="0"/>
-          <a:chOff x="0" y="0"/>
-          <a:chExt cx="0" cy="0"/>
-        </a:xfrm>
-      </p:grpSpPr>
-      <p:cxnSp>
-        <p:nvCxnSpPr>
-          <p:cNvPr id="7" name="直接连接符 6"/>
-          <p:cNvCxnSpPr/>
-          <p:nvPr/>
-        </p:nvCxnSpPr>
-        <p:spPr>
-          <a:xfrm>
-            <a:off x="367840" y="809674"/>
-            <a:ext cx="11488800" cy="0"/>
-          </a:xfrm>
-          <a:prstGeom prst="line">
-            <a:avLst/>
-          </a:prstGeom>
-          <a:ln w="9525">
-            <a:solidFill>
-              <a:srgbClr val="024282"/>
-            </a:solidFill>
-          </a:ln>
-        </p:spPr>
-        <p:style>
-          <a:lnRef idx="1">
-            <a:schemeClr val="accent1"/>
-          </a:lnRef>
-          <a:fillRef idx="0">
-            <a:schemeClr val="accent1"/>
-          </a:fillRef>
-          <a:effectRef idx="0">
-            <a:schemeClr val="accent1"/>
-          </a:effectRef>
-          <a:fontRef idx="minor">
-            <a:schemeClr val="tx1"/>
-          </a:fontRef>
-        </p:style>
-      </p:cxnSp>
-      <p:grpSp>
-        <p:nvGrpSpPr>
-          <p:cNvPr id="43" name="组合 42"/>
-          <p:cNvGrpSpPr/>
-          <p:nvPr/>
-        </p:nvGrpSpPr>
-        <p:grpSpPr>
-          <a:xfrm>
-            <a:off x="9456920" y="74604"/>
-            <a:ext cx="2489626" cy="672240"/>
-            <a:chOff x="4638341" y="609261"/>
-            <a:chExt cx="5755951" cy="1554197"/>
-          </a:xfrm>
-        </p:grpSpPr>
-        <p:pic>
-          <p:nvPicPr>
-            <p:cNvPr id="45" name="图片 44"/>
-            <p:cNvPicPr>
-              <a:picLocks noChangeAspect="1"/>
-            </p:cNvPicPr>
-            <p:nvPr/>
-          </p:nvPicPr>
-          <p:blipFill>
-            <a:blip r:embed="rId2" cstate="print">
-              <a:extLst>
-                <a:ext uri="{28A0092B-C50C-407E-A947-70E740481C1C}">
-                  <a14:useLocalDpi xmlns:a14="http://schemas.microsoft.com/office/drawing/2010/main" val="0"/>
-                </a:ext>
-              </a:extLst>
-            </a:blip>
-            <a:srcRect/>
-            <a:stretch>
-              <a:fillRect/>
-            </a:stretch>
-          </p:blipFill>
-          <p:spPr>
-            <a:xfrm>
-              <a:off x="4638341" y="609261"/>
-              <a:ext cx="1502034" cy="1502030"/>
-            </a:xfrm>
-            <a:prstGeom prst="rect">
-              <a:avLst/>
-            </a:prstGeom>
-          </p:spPr>
-        </p:pic>
-        <p:pic>
-          <p:nvPicPr>
-            <p:cNvPr id="46" name="图片 45"/>
-            <p:cNvPicPr>
-              <a:picLocks noChangeAspect="1"/>
-            </p:cNvPicPr>
-            <p:nvPr/>
-          </p:nvPicPr>
-          <p:blipFill>
-            <a:blip r:embed="rId3" cstate="print">
-              <a:extLst>
-                <a:ext uri="{28A0092B-C50C-407E-A947-70E740481C1C}">
-                  <a14:useLocalDpi xmlns:a14="http://schemas.microsoft.com/office/drawing/2010/main" val="0"/>
-                </a:ext>
-              </a:extLst>
-            </a:blip>
-            <a:srcRect/>
-            <a:stretch>
-              <a:fillRect/>
-            </a:stretch>
-          </p:blipFill>
-          <p:spPr>
-            <a:xfrm>
-              <a:off x="6206343" y="750075"/>
-              <a:ext cx="4060280" cy="983091"/>
-            </a:xfrm>
-            <a:prstGeom prst="rect">
-              <a:avLst/>
-            </a:prstGeom>
-          </p:spPr>
-        </p:pic>
-        <p:sp>
-          <p:nvSpPr>
-            <p:cNvPr id="47" name="矩形 46"/>
-            <p:cNvSpPr/>
-            <p:nvPr/>
-          </p:nvSpPr>
-          <p:spPr>
-            <a:xfrm>
-              <a:off x="6206343" y="1665358"/>
-              <a:ext cx="4187949" cy="498100"/>
-            </a:xfrm>
-            <a:prstGeom prst="rect">
-              <a:avLst/>
-            </a:prstGeom>
-          </p:spPr>
-          <p:txBody>
-            <a:bodyPr wrap="square">
-              <a:spAutoFit/>
-            </a:bodyPr>
-            <a:lstStyle/>
-            <a:p>
-              <a:pPr marL="0" marR="0" lvl="0" indent="0" algn="dist" defTabSz="914400" rtl="0" eaLnBrk="1" fontAlgn="auto" latinLnBrk="0" hangingPunct="1">
-                <a:lnSpc>
-                  <a:spcPct val="100000"/>
-                </a:lnSpc>
-                <a:spcBef>
-                  <a:spcPts val="0"/>
-                </a:spcBef>
-                <a:spcAft>
-                  <a:spcPts val="0"/>
-                </a:spcAft>
-                <a:buClrTx/>
-                <a:buSzTx/>
-                <a:buFontTx/>
-                <a:buNone/>
-                <a:defRPr/>
-              </a:pPr>
-              <a:r>
-                <a:rPr kumimoji="0" lang="en-US" altLang="zh-CN" sz="800" b="1" i="0" u="none" strike="noStrike" kern="1200" cap="none" spc="0" normalizeH="0" baseline="0" noProof="0" dirty="0">
-                  <a:ln>
-                    <a:noFill/>
-                  </a:ln>
-                  <a:solidFill>
-                    <a:srgbClr val="024282"/>
-                  </a:solidFill>
-                  <a:effectLst/>
-                  <a:uLnTx/>
-                  <a:uFillTx/>
-                  <a:latin typeface="Calibri" panose="020F0502020204030204"/>
-                  <a:ea typeface="宋体" pitchFamily="2" charset="-122"/>
-                  <a:cs typeface="+mn-cs"/>
-                </a:rPr>
-                <a:t>BEIJING UNIVERSITY OF TECHNOLOGY</a:t>
-              </a:r>
-            </a:p>
-          </p:txBody>
-        </p:sp>
-      </p:grpSp>
-      <p:sp>
-        <p:nvSpPr>
-          <p:cNvPr id="2" name="文本框 1"/>
-          <p:cNvSpPr txBox="1"/>
-          <p:nvPr/>
-        </p:nvSpPr>
-        <p:spPr>
-          <a:xfrm>
-            <a:off x="1187450" y="441960"/>
-            <a:ext cx="4064000" cy="368300"/>
-          </a:xfrm>
-          <a:prstGeom prst="rect">
-            <a:avLst/>
-          </a:prstGeom>
-          <a:noFill/>
-        </p:spPr>
-        <p:txBody>
-          <a:bodyPr wrap="square" rtlCol="0">
-            <a:spAutoFit/>
-          </a:bodyPr>
-          <a:lstStyle/>
-          <a:p>
-            <a:endParaRPr lang="zh-CN" altLang="en-US"/>
-          </a:p>
-        </p:txBody>
-      </p:sp>
+      <p:graphicFrame>
+        <p:nvGraphicFramePr>
+          <p:cNvPr id="81" name="表格 80"/>
+          <p:cNvGraphicFramePr>
+            <a:graphicFrameLocks noGrp="1"/>
+          </p:cNvGraphicFramePr>
+          <p:nvPr>
+            <p:custDataLst>
+              <p:tags r:id="rId3"/>
+            </p:custDataLst>
+          </p:nvPr>
+        </p:nvGraphicFramePr>
+        <p:xfrm>
+          <a:off x="1067295" y="2254674"/>
+          <a:ext cx="10057130" cy="3887470"/>
+        </p:xfrm>
+        <a:graphic>
+          <a:graphicData uri="http://schemas.openxmlformats.org/drawingml/2006/table">
+            <a:tbl>
+              <a:tblPr firstRow="1" bandRow="1">
+                <a:tableStyleId>{793D81CF-94F2-401A-BA57-92F5A7B2D0C5}</a:tableStyleId>
+              </a:tblPr>
+              <a:tblGrid>
+                <a:gridCol w="3282846"/>
+                <a:gridCol w="6774564"/>
+              </a:tblGrid>
+              <a:tr h="647700">
+                <a:tc>
+                  <a:txBody>
+                    <a:bodyPr/>
+                    <a:p>
+                      <a:pPr algn="ctr">
+                        <a:spcAft>
+                          <a:spcPts val="0"/>
+                        </a:spcAft>
+                      </a:pPr>
+                      <a:r>
+                        <a:rPr lang="zh-CN" altLang="en-US" sz="2000" kern="0">
+                          <a:effectLst/>
+                        </a:rPr>
+                        <a:t>时间</a:t>
+                      </a:r>
+                      <a:endParaRPr lang="en-US" sz="2000" kern="0" dirty="0">
+                        <a:effectLst/>
+                        <a:latin typeface="+mn-ea"/>
+                        <a:ea typeface="+mn-ea"/>
+                      </a:endParaRPr>
+                    </a:p>
+                  </a:txBody>
+                  <a:tcPr anchor="ctr">
+                    <a:lnL w="12700" cap="flat" cmpd="sng" algn="ctr">
+                      <a:solidFill>
+                        <a:schemeClr val="tx1"/>
+                      </a:solidFill>
+                      <a:prstDash val="solid"/>
+                      <a:round/>
+                      <a:headEnd type="none" w="med" len="med"/>
+                      <a:tailEnd type="none" w="med" len="med"/>
+                    </a:lnL>
+                    <a:lnR w="12700" cap="flat" cmpd="sng" algn="ctr">
+                      <a:solidFill>
+                        <a:schemeClr val="tx1"/>
+                      </a:solidFill>
+                      <a:prstDash val="solid"/>
+                      <a:round/>
+                      <a:headEnd type="none" w="med" len="med"/>
+                      <a:tailEnd type="none" w="med" len="med"/>
+                    </a:lnR>
+                    <a:lnT w="12700" cap="flat" cmpd="sng" algn="ctr">
+                      <a:solidFill>
+                        <a:schemeClr val="tx1"/>
+                      </a:solidFill>
+                      <a:prstDash val="solid"/>
+                      <a:round/>
+                      <a:headEnd type="none" w="med" len="med"/>
+                      <a:tailEnd type="none" w="med" len="med"/>
+                    </a:lnT>
+                    <a:lnB w="12700" cap="flat" cmpd="sng" algn="ctr">
+                      <a:solidFill>
+                        <a:schemeClr val="tx1"/>
+                      </a:solidFill>
+                      <a:prstDash val="solid"/>
+                      <a:round/>
+                      <a:headEnd type="none" w="med" len="med"/>
+                      <a:tailEnd type="none" w="med" len="med"/>
+                    </a:lnB>
+                  </a:tcPr>
+                </a:tc>
+                <a:tc>
+                  <a:txBody>
+                    <a:bodyPr/>
+                    <a:p>
+                      <a:pPr algn="ctr">
+                        <a:spcAft>
+                          <a:spcPts val="0"/>
+                        </a:spcAft>
+                      </a:pPr>
+                      <a:r>
+                        <a:rPr lang="zh-CN" altLang="en-US" sz="2000" kern="0" dirty="0">
+                          <a:effectLst/>
+                        </a:rPr>
+                        <a:t>安排</a:t>
+                      </a:r>
+                      <a:endParaRPr lang="zh-CN" altLang="en-US" sz="2000" kern="0" dirty="0">
+                        <a:effectLst/>
+                        <a:latin typeface="+mn-ea"/>
+                        <a:ea typeface="+mn-ea"/>
+                      </a:endParaRPr>
+                    </a:p>
+                  </a:txBody>
+                  <a:tcPr anchor="ctr">
+                    <a:lnL w="12700" cap="flat" cmpd="sng" algn="ctr">
+                      <a:solidFill>
+                        <a:schemeClr val="tx1"/>
+                      </a:solidFill>
+                      <a:prstDash val="solid"/>
+                      <a:round/>
+                      <a:headEnd type="none" w="med" len="med"/>
+                      <a:tailEnd type="none" w="med" len="med"/>
+                    </a:lnL>
+                    <a:lnR w="12700" cap="flat" cmpd="sng" algn="ctr">
+                      <a:solidFill>
+                        <a:schemeClr val="tx1"/>
+                      </a:solidFill>
+                      <a:prstDash val="solid"/>
+                      <a:round/>
+                      <a:headEnd type="none" w="med" len="med"/>
+                      <a:tailEnd type="none" w="med" len="med"/>
+                    </a:lnR>
+                    <a:lnT w="12700" cap="flat" cmpd="sng" algn="ctr">
+                      <a:solidFill>
+                        <a:schemeClr val="tx1"/>
+                      </a:solidFill>
+                      <a:prstDash val="solid"/>
+                      <a:round/>
+                      <a:headEnd type="none" w="med" len="med"/>
+                      <a:tailEnd type="none" w="med" len="med"/>
+                    </a:lnT>
+                    <a:lnB w="12700" cap="flat" cmpd="sng" algn="ctr">
+                      <a:solidFill>
+                        <a:schemeClr val="tx1"/>
+                      </a:solidFill>
+                      <a:prstDash val="solid"/>
+                      <a:round/>
+                      <a:headEnd type="none" w="med" len="med"/>
+                      <a:tailEnd type="none" w="med" len="med"/>
+                    </a:lnB>
+                  </a:tcPr>
+                </a:tc>
+              </a:tr>
+              <a:tr h="648000">
+                <a:tc>
+                  <a:txBody>
+                    <a:bodyPr/>
+                    <a:p>
+                      <a:pPr algn="ctr">
+                        <a:spcAft>
+                          <a:spcPts val="0"/>
+                        </a:spcAft>
+                      </a:pPr>
+                      <a:r>
+                        <a:rPr lang="en-US" sz="2000" kern="0" dirty="0">
+                          <a:effectLst/>
+                        </a:rPr>
+                        <a:t>2023.9</a:t>
+                      </a:r>
+                      <a:r>
+                        <a:rPr lang="zh-CN" altLang="en-US" sz="2000" kern="0" dirty="0">
+                          <a:effectLst/>
+                        </a:rPr>
+                        <a:t>～</a:t>
+                      </a:r>
+                      <a:r>
+                        <a:rPr lang="en-US" sz="2000" kern="0" dirty="0">
+                          <a:effectLst/>
+                        </a:rPr>
+                        <a:t>2023.12</a:t>
+                      </a:r>
+                      <a:endParaRPr lang="en-US" sz="2000" kern="0" dirty="0">
+                        <a:effectLst/>
+                        <a:latin typeface="微软雅黑" panose="020B0503020204020204" pitchFamily="34" charset="-122"/>
+                        <a:ea typeface="微软雅黑" panose="020B0503020204020204" pitchFamily="34" charset="-122"/>
+                      </a:endParaRPr>
+                    </a:p>
+                  </a:txBody>
+                  <a:tcPr anchor="ctr">
+                    <a:lnL w="12700" cap="flat" cmpd="sng" algn="ctr">
+                      <a:solidFill>
+                        <a:schemeClr val="tx1"/>
+                      </a:solidFill>
+                      <a:prstDash val="solid"/>
+                      <a:round/>
+                      <a:headEnd type="none" w="med" len="med"/>
+                      <a:tailEnd type="none" w="med" len="med"/>
+                    </a:lnL>
+                    <a:lnR w="12700" cap="flat" cmpd="sng" algn="ctr">
+                      <a:solidFill>
+                        <a:schemeClr val="tx1"/>
+                      </a:solidFill>
+                      <a:prstDash val="solid"/>
+                      <a:round/>
+                      <a:headEnd type="none" w="med" len="med"/>
+                      <a:tailEnd type="none" w="med" len="med"/>
+                    </a:lnR>
+                    <a:lnT w="12700" cap="flat" cmpd="sng" algn="ctr">
+                      <a:solidFill>
+                        <a:schemeClr val="tx1"/>
+                      </a:solidFill>
+                      <a:prstDash val="solid"/>
+                      <a:round/>
+                      <a:headEnd type="none" w="med" len="med"/>
+                      <a:tailEnd type="none" w="med" len="med"/>
+                    </a:lnT>
+                    <a:lnB w="12700" cap="flat" cmpd="sng" algn="ctr">
+                      <a:solidFill>
+                        <a:schemeClr val="tx1"/>
+                      </a:solidFill>
+                      <a:prstDash val="solid"/>
+                      <a:round/>
+                      <a:headEnd type="none" w="med" len="med"/>
+                      <a:tailEnd type="none" w="med" len="med"/>
+                    </a:lnB>
+                  </a:tcPr>
+                </a:tc>
+                <a:tc>
+                  <a:txBody>
+                    <a:bodyPr/>
+                    <a:p>
+                      <a:pPr algn="ctr">
+                        <a:spcAft>
+                          <a:spcPts val="0"/>
+                        </a:spcAft>
+                      </a:pPr>
+                      <a:r>
+                        <a:rPr lang="zh-CN" altLang="en-US" sz="2000" kern="0" dirty="0">
+                          <a:effectLst/>
+                        </a:rPr>
+                        <a:t>收集阅读相关文献资料，数据集整理及数据预处理</a:t>
+                      </a:r>
+                      <a:endParaRPr lang="zh-CN" altLang="en-US" sz="2000" kern="0" dirty="0">
+                        <a:effectLst/>
+                        <a:latin typeface="微软雅黑" panose="020B0503020204020204" pitchFamily="34" charset="-122"/>
+                        <a:ea typeface="微软雅黑" panose="020B0503020204020204" pitchFamily="34" charset="-122"/>
+                      </a:endParaRPr>
+                    </a:p>
+                  </a:txBody>
+                  <a:tcPr anchor="ctr">
+                    <a:lnL w="12700" cap="flat" cmpd="sng" algn="ctr">
+                      <a:solidFill>
+                        <a:schemeClr val="tx1"/>
+                      </a:solidFill>
+                      <a:prstDash val="solid"/>
+                      <a:round/>
+                      <a:headEnd type="none" w="med" len="med"/>
+                      <a:tailEnd type="none" w="med" len="med"/>
+                    </a:lnL>
+                    <a:lnR w="12700" cap="flat" cmpd="sng" algn="ctr">
+                      <a:solidFill>
+                        <a:schemeClr val="tx1"/>
+                      </a:solidFill>
+                      <a:prstDash val="solid"/>
+                      <a:round/>
+                      <a:headEnd type="none" w="med" len="med"/>
+                      <a:tailEnd type="none" w="med" len="med"/>
+                    </a:lnR>
+                    <a:lnT w="12700" cap="flat" cmpd="sng" algn="ctr">
+                      <a:solidFill>
+                        <a:schemeClr val="tx1"/>
+                      </a:solidFill>
+                      <a:prstDash val="solid"/>
+                      <a:round/>
+                      <a:headEnd type="none" w="med" len="med"/>
+                      <a:tailEnd type="none" w="med" len="med"/>
+                    </a:lnT>
+                    <a:lnB w="12700" cap="flat" cmpd="sng" algn="ctr">
+                      <a:solidFill>
+                        <a:schemeClr val="tx1"/>
+                      </a:solidFill>
+                      <a:prstDash val="solid"/>
+                      <a:round/>
+                      <a:headEnd type="none" w="med" len="med"/>
+                      <a:tailEnd type="none" w="med" len="med"/>
+                    </a:lnB>
+                  </a:tcPr>
+                </a:tc>
+              </a:tr>
+              <a:tr h="648000">
+                <a:tc>
+                  <a:txBody>
+                    <a:bodyPr/>
+                    <a:p>
+                      <a:pPr algn="ctr">
+                        <a:spcAft>
+                          <a:spcPts val="0"/>
+                        </a:spcAft>
+                      </a:pPr>
+                      <a:r>
+                        <a:rPr lang="en-US" altLang="zh-CN" sz="2000" kern="0" dirty="0">
+                          <a:effectLst/>
+                        </a:rPr>
+                        <a:t>2023.12</a:t>
+                      </a:r>
+                      <a:r>
+                        <a:rPr lang="zh-CN" altLang="zh-CN" sz="2000" kern="0" dirty="0">
+                          <a:effectLst/>
+                        </a:rPr>
+                        <a:t>～</a:t>
+                      </a:r>
+                      <a:r>
+                        <a:rPr lang="en-US" altLang="zh-CN" sz="2000" kern="0" dirty="0">
+                          <a:effectLst/>
+                        </a:rPr>
+                        <a:t>2024.4</a:t>
+                      </a:r>
+                      <a:endParaRPr lang="zh-CN" altLang="zh-CN" sz="2000" kern="100" dirty="0">
+                        <a:effectLst/>
+                        <a:latin typeface="微软雅黑" panose="020B0503020204020204" pitchFamily="34" charset="-122"/>
+                        <a:ea typeface="微软雅黑" panose="020B0503020204020204" pitchFamily="34" charset="-122"/>
+                      </a:endParaRPr>
+                    </a:p>
+                  </a:txBody>
+                  <a:tcPr anchor="ctr">
+                    <a:lnL w="12700" cap="flat" cmpd="sng" algn="ctr">
+                      <a:solidFill>
+                        <a:schemeClr val="tx1"/>
+                      </a:solidFill>
+                      <a:prstDash val="solid"/>
+                      <a:round/>
+                      <a:headEnd type="none" w="med" len="med"/>
+                      <a:tailEnd type="none" w="med" len="med"/>
+                    </a:lnL>
+                    <a:lnR w="12700" cap="flat" cmpd="sng" algn="ctr">
+                      <a:solidFill>
+                        <a:schemeClr val="tx1"/>
+                      </a:solidFill>
+                      <a:prstDash val="solid"/>
+                      <a:round/>
+                      <a:headEnd type="none" w="med" len="med"/>
+                      <a:tailEnd type="none" w="med" len="med"/>
+                    </a:lnR>
+                    <a:lnT w="12700" cap="flat" cmpd="sng" algn="ctr">
+                      <a:solidFill>
+                        <a:schemeClr val="tx1"/>
+                      </a:solidFill>
+                      <a:prstDash val="solid"/>
+                      <a:round/>
+                      <a:headEnd type="none" w="med" len="med"/>
+                      <a:tailEnd type="none" w="med" len="med"/>
+                    </a:lnT>
+                    <a:lnB w="12700" cap="flat" cmpd="sng" algn="ctr">
+                      <a:solidFill>
+                        <a:schemeClr val="tx1"/>
+                      </a:solidFill>
+                      <a:prstDash val="solid"/>
+                      <a:round/>
+                      <a:headEnd type="none" w="med" len="med"/>
+                      <a:tailEnd type="none" w="med" len="med"/>
+                    </a:lnB>
+                  </a:tcPr>
+                </a:tc>
+                <a:tc>
+                  <a:txBody>
+                    <a:bodyPr/>
+                    <a:p>
+                      <a:pPr algn="ctr">
+                        <a:spcAft>
+                          <a:spcPts val="0"/>
+                        </a:spcAft>
+                      </a:pPr>
+                      <a:r>
+                        <a:rPr lang="zh-CN" sz="2000" kern="0" dirty="0">
+                          <a:effectLst/>
+                        </a:rPr>
+                        <a:t>完成基于数据增强的域泛化方法部分的实验，并投出</a:t>
+                      </a:r>
+                      <a:r>
+                        <a:rPr lang="zh-CN" sz="2000" kern="0" dirty="0">
+                          <a:effectLst/>
+                        </a:rPr>
+                        <a:t>论文</a:t>
+                      </a:r>
+                      <a:endParaRPr lang="zh-CN" sz="2000" kern="0" dirty="0">
+                        <a:effectLst/>
+                      </a:endParaRPr>
+                    </a:p>
+                  </a:txBody>
+                  <a:tcPr anchor="ctr">
+                    <a:lnL w="12700" cap="flat" cmpd="sng" algn="ctr">
+                      <a:solidFill>
+                        <a:schemeClr val="tx1"/>
+                      </a:solidFill>
+                      <a:prstDash val="solid"/>
+                      <a:round/>
+                      <a:headEnd type="none" w="med" len="med"/>
+                      <a:tailEnd type="none" w="med" len="med"/>
+                    </a:lnL>
+                    <a:lnR w="12700" cap="flat" cmpd="sng" algn="ctr">
+                      <a:solidFill>
+                        <a:schemeClr val="tx1"/>
+                      </a:solidFill>
+                      <a:prstDash val="solid"/>
+                      <a:round/>
+                      <a:headEnd type="none" w="med" len="med"/>
+                      <a:tailEnd type="none" w="med" len="med"/>
+                    </a:lnR>
+                    <a:lnT w="12700" cap="flat" cmpd="sng" algn="ctr">
+                      <a:solidFill>
+                        <a:schemeClr val="tx1"/>
+                      </a:solidFill>
+                      <a:prstDash val="solid"/>
+                      <a:round/>
+                      <a:headEnd type="none" w="med" len="med"/>
+                      <a:tailEnd type="none" w="med" len="med"/>
+                    </a:lnT>
+                    <a:lnB w="12700" cap="flat" cmpd="sng" algn="ctr">
+                      <a:solidFill>
+                        <a:schemeClr val="tx1"/>
+                      </a:solidFill>
+                      <a:prstDash val="solid"/>
+                      <a:round/>
+                      <a:headEnd type="none" w="med" len="med"/>
+                      <a:tailEnd type="none" w="med" len="med"/>
+                    </a:lnB>
+                  </a:tcPr>
+                </a:tc>
+              </a:tr>
+              <a:tr h="648000">
+                <a:tc>
+                  <a:txBody>
+                    <a:bodyPr/>
+                    <a:p>
+                      <a:pPr algn="ctr">
+                        <a:spcAft>
+                          <a:spcPts val="0"/>
+                        </a:spcAft>
+                        <a:buNone/>
+                      </a:pPr>
+                      <a:r>
+                        <a:rPr lang="en-US" altLang="zh-CN" sz="2000" kern="0" dirty="0">
+                          <a:effectLst/>
+                          <a:sym typeface="+mn-ea"/>
+                        </a:rPr>
+                        <a:t>2023.5</a:t>
+                      </a:r>
+                      <a:r>
+                        <a:rPr lang="zh-CN" altLang="zh-CN" sz="2000" kern="0" dirty="0">
+                          <a:effectLst/>
+                          <a:sym typeface="+mn-ea"/>
+                        </a:rPr>
+                        <a:t>～</a:t>
+                      </a:r>
+                      <a:r>
+                        <a:rPr lang="en-US" altLang="zh-CN" sz="2000" kern="0" dirty="0">
+                          <a:effectLst/>
+                          <a:sym typeface="+mn-ea"/>
+                        </a:rPr>
+                        <a:t>2024.8</a:t>
+                      </a:r>
+                      <a:endParaRPr lang="en-US" altLang="zh-CN" sz="2000" kern="100" dirty="0">
+                        <a:effectLst/>
+                        <a:latin typeface="微软雅黑" panose="020B0503020204020204" pitchFamily="34" charset="-122"/>
+                        <a:ea typeface="微软雅黑" panose="020B0503020204020204" pitchFamily="34" charset="-122"/>
+                      </a:endParaRPr>
+                    </a:p>
+                  </a:txBody>
+                  <a:tcPr anchor="ctr">
+                    <a:lnL w="12700" cap="flat" cmpd="sng" algn="ctr">
+                      <a:solidFill>
+                        <a:schemeClr val="tx1"/>
+                      </a:solidFill>
+                      <a:prstDash val="solid"/>
+                      <a:round/>
+                      <a:headEnd type="none" w="med" len="med"/>
+                      <a:tailEnd type="none" w="med" len="med"/>
+                    </a:lnL>
+                    <a:lnR w="12700" cap="flat" cmpd="sng" algn="ctr">
+                      <a:solidFill>
+                        <a:schemeClr val="tx1"/>
+                      </a:solidFill>
+                      <a:prstDash val="solid"/>
+                      <a:round/>
+                      <a:headEnd type="none" w="med" len="med"/>
+                      <a:tailEnd type="none" w="med" len="med"/>
+                    </a:lnR>
+                    <a:lnT w="12700" cap="flat" cmpd="sng" algn="ctr">
+                      <a:solidFill>
+                        <a:schemeClr val="tx1"/>
+                      </a:solidFill>
+                      <a:prstDash val="solid"/>
+                      <a:round/>
+                      <a:headEnd type="none" w="med" len="med"/>
+                      <a:tailEnd type="none" w="med" len="med"/>
+                    </a:lnT>
+                    <a:lnB w="12700" cap="flat" cmpd="sng" algn="ctr">
+                      <a:solidFill>
+                        <a:schemeClr val="tx1"/>
+                      </a:solidFill>
+                      <a:prstDash val="solid"/>
+                      <a:round/>
+                      <a:headEnd type="none" w="med" len="med"/>
+                      <a:tailEnd type="none" w="med" len="med"/>
+                    </a:lnB>
+                  </a:tcPr>
+                </a:tc>
+                <a:tc>
+                  <a:txBody>
+                    <a:bodyPr/>
+                    <a:p>
+                      <a:pPr algn="ctr">
+                        <a:spcAft>
+                          <a:spcPts val="0"/>
+                        </a:spcAft>
+                        <a:buNone/>
+                      </a:pPr>
+                      <a:r>
+                        <a:rPr lang="zh-CN" altLang="en-US" sz="2000" kern="0" dirty="0">
+                          <a:effectLst/>
+                        </a:rPr>
+                        <a:t>完成基于特征解耦域泛化方法的</a:t>
+                      </a:r>
+                      <a:r>
+                        <a:rPr lang="zh-CN" altLang="en-US" sz="2000" kern="0" dirty="0">
+                          <a:effectLst/>
+                        </a:rPr>
+                        <a:t>实验</a:t>
+                      </a:r>
+                      <a:endParaRPr lang="zh-CN" altLang="en-US" sz="2000" kern="0" dirty="0">
+                        <a:effectLst/>
+                      </a:endParaRPr>
+                    </a:p>
+                  </a:txBody>
+                  <a:tcPr anchor="ctr">
+                    <a:lnL w="12700" cap="flat" cmpd="sng" algn="ctr">
+                      <a:solidFill>
+                        <a:schemeClr val="tx1"/>
+                      </a:solidFill>
+                      <a:prstDash val="solid"/>
+                      <a:round/>
+                      <a:headEnd type="none" w="med" len="med"/>
+                      <a:tailEnd type="none" w="med" len="med"/>
+                    </a:lnL>
+                    <a:lnR w="12700" cap="flat" cmpd="sng" algn="ctr">
+                      <a:solidFill>
+                        <a:schemeClr val="tx1"/>
+                      </a:solidFill>
+                      <a:prstDash val="solid"/>
+                      <a:round/>
+                      <a:headEnd type="none" w="med" len="med"/>
+                      <a:tailEnd type="none" w="med" len="med"/>
+                    </a:lnR>
+                    <a:lnT w="12700" cap="flat" cmpd="sng" algn="ctr">
+                      <a:solidFill>
+                        <a:schemeClr val="tx1"/>
+                      </a:solidFill>
+                      <a:prstDash val="solid"/>
+                      <a:round/>
+                      <a:headEnd type="none" w="med" len="med"/>
+                      <a:tailEnd type="none" w="med" len="med"/>
+                    </a:lnT>
+                    <a:lnB w="12700" cap="flat" cmpd="sng" algn="ctr">
+                      <a:solidFill>
+                        <a:schemeClr val="tx1"/>
+                      </a:solidFill>
+                      <a:prstDash val="solid"/>
+                      <a:round/>
+                      <a:headEnd type="none" w="med" len="med"/>
+                      <a:tailEnd type="none" w="med" len="med"/>
+                    </a:lnB>
+                  </a:tcPr>
+                </a:tc>
+              </a:tr>
+              <a:tr h="648000">
+                <a:tc>
+                  <a:txBody>
+                    <a:bodyPr/>
+                    <a:p>
+                      <a:pPr algn="ctr">
+                        <a:spcAft>
+                          <a:spcPts val="0"/>
+                        </a:spcAft>
+                      </a:pPr>
+                      <a:r>
+                        <a:rPr lang="en-US" altLang="zh-CN" sz="2000" kern="0" dirty="0">
+                          <a:effectLst/>
+                        </a:rPr>
+                        <a:t>2024.9</a:t>
+                      </a:r>
+                      <a:r>
+                        <a:rPr lang="zh-CN" altLang="zh-CN" sz="2000" kern="0" dirty="0">
+                          <a:effectLst/>
+                        </a:rPr>
+                        <a:t>～</a:t>
+                      </a:r>
+                      <a:r>
+                        <a:rPr lang="en-US" altLang="zh-CN" sz="2000" kern="0" dirty="0">
+                          <a:effectLst/>
+                        </a:rPr>
+                        <a:t>2024.11</a:t>
+                      </a:r>
+                      <a:endParaRPr lang="zh-CN" altLang="zh-CN" sz="2000" kern="100" dirty="0">
+                        <a:effectLst/>
+                        <a:latin typeface="微软雅黑" panose="020B0503020204020204" pitchFamily="34" charset="-122"/>
+                        <a:ea typeface="微软雅黑" panose="020B0503020204020204" pitchFamily="34" charset="-122"/>
+                      </a:endParaRPr>
+                    </a:p>
+                  </a:txBody>
+                  <a:tcPr anchor="ctr">
+                    <a:lnL w="12700" cap="flat" cmpd="sng" algn="ctr">
+                      <a:solidFill>
+                        <a:schemeClr val="tx1"/>
+                      </a:solidFill>
+                      <a:prstDash val="solid"/>
+                      <a:round/>
+                      <a:headEnd type="none" w="med" len="med"/>
+                      <a:tailEnd type="none" w="med" len="med"/>
+                    </a:lnL>
+                    <a:lnR w="12700" cap="flat" cmpd="sng" algn="ctr">
+                      <a:solidFill>
+                        <a:schemeClr val="tx1"/>
+                      </a:solidFill>
+                      <a:prstDash val="solid"/>
+                      <a:round/>
+                      <a:headEnd type="none" w="med" len="med"/>
+                      <a:tailEnd type="none" w="med" len="med"/>
+                    </a:lnR>
+                    <a:lnT w="12700" cap="flat" cmpd="sng" algn="ctr">
+                      <a:solidFill>
+                        <a:schemeClr val="tx1"/>
+                      </a:solidFill>
+                      <a:prstDash val="solid"/>
+                      <a:round/>
+                      <a:headEnd type="none" w="med" len="med"/>
+                      <a:tailEnd type="none" w="med" len="med"/>
+                    </a:lnT>
+                    <a:lnB w="12700" cap="flat" cmpd="sng" algn="ctr">
+                      <a:solidFill>
+                        <a:schemeClr val="tx1"/>
+                      </a:solidFill>
+                      <a:prstDash val="solid"/>
+                      <a:round/>
+                      <a:headEnd type="none" w="med" len="med"/>
+                      <a:tailEnd type="none" w="med" len="med"/>
+                    </a:lnB>
+                  </a:tcPr>
+                </a:tc>
+                <a:tc>
+                  <a:txBody>
+                    <a:bodyPr/>
+                    <a:p>
+                      <a:pPr algn="ctr">
+                        <a:spcAft>
+                          <a:spcPts val="0"/>
+                        </a:spcAft>
+                      </a:pPr>
+                      <a:r>
+                        <a:rPr lang="zh-CN" sz="2000" kern="100" dirty="0">
+                          <a:effectLst/>
+                        </a:rPr>
+                        <a:t>优化算法</a:t>
+                      </a:r>
+                      <a:r>
+                        <a:rPr lang="zh-CN" altLang="en-US" sz="2000" kern="100" dirty="0">
+                          <a:effectLst/>
+                        </a:rPr>
+                        <a:t>，</a:t>
+                      </a:r>
+                      <a:r>
+                        <a:rPr lang="zh-CN" altLang="zh-CN" sz="2000" kern="0" dirty="0">
+                          <a:effectLst/>
+                        </a:rPr>
+                        <a:t>整理</a:t>
+                      </a:r>
+                      <a:r>
+                        <a:rPr lang="zh-CN" altLang="en-US" sz="2000" kern="0" dirty="0">
+                          <a:effectLst/>
+                        </a:rPr>
+                        <a:t>实验数据和</a:t>
+                      </a:r>
+                      <a:r>
+                        <a:rPr lang="zh-CN" altLang="zh-CN" sz="2000" kern="0" dirty="0">
+                          <a:effectLst/>
+                        </a:rPr>
+                        <a:t>相关资料</a:t>
+                      </a:r>
+                      <a:endParaRPr lang="zh-CN" sz="2000" kern="100" dirty="0">
+                        <a:effectLst/>
+                        <a:latin typeface="微软雅黑" panose="020B0503020204020204" pitchFamily="34" charset="-122"/>
+                        <a:ea typeface="微软雅黑" panose="020B0503020204020204" pitchFamily="34" charset="-122"/>
+                      </a:endParaRPr>
+                    </a:p>
+                  </a:txBody>
+                  <a:tcPr anchor="ctr">
+                    <a:lnL w="12700" cap="flat" cmpd="sng" algn="ctr">
+                      <a:solidFill>
+                        <a:schemeClr val="tx1"/>
+                      </a:solidFill>
+                      <a:prstDash val="solid"/>
+                      <a:round/>
+                      <a:headEnd type="none" w="med" len="med"/>
+                      <a:tailEnd type="none" w="med" len="med"/>
+                    </a:lnL>
+                    <a:lnR w="12700" cap="flat" cmpd="sng" algn="ctr">
+                      <a:solidFill>
+                        <a:schemeClr val="tx1"/>
+                      </a:solidFill>
+                      <a:prstDash val="solid"/>
+                      <a:round/>
+                      <a:headEnd type="none" w="med" len="med"/>
+                      <a:tailEnd type="none" w="med" len="med"/>
+                    </a:lnR>
+                    <a:lnT w="12700" cap="flat" cmpd="sng" algn="ctr">
+                      <a:solidFill>
+                        <a:schemeClr val="tx1"/>
+                      </a:solidFill>
+                      <a:prstDash val="solid"/>
+                      <a:round/>
+                      <a:headEnd type="none" w="med" len="med"/>
+                      <a:tailEnd type="none" w="med" len="med"/>
+                    </a:lnT>
+                    <a:lnB w="12700" cap="flat" cmpd="sng" algn="ctr">
+                      <a:solidFill>
+                        <a:schemeClr val="tx1"/>
+                      </a:solidFill>
+                      <a:prstDash val="solid"/>
+                      <a:round/>
+                      <a:headEnd type="none" w="med" len="med"/>
+                      <a:tailEnd type="none" w="med" len="med"/>
+                    </a:lnB>
+                  </a:tcPr>
+                </a:tc>
+              </a:tr>
+              <a:tr h="648000">
+                <a:tc>
+                  <a:txBody>
+                    <a:bodyPr/>
+                    <a:p>
+                      <a:pPr algn="ctr">
+                        <a:spcAft>
+                          <a:spcPts val="0"/>
+                        </a:spcAft>
+                      </a:pPr>
+                      <a:r>
+                        <a:rPr lang="en-US" altLang="zh-CN" sz="2000" kern="0" dirty="0">
+                          <a:effectLst/>
+                        </a:rPr>
+                        <a:t>2024.12</a:t>
+                      </a:r>
+                      <a:r>
+                        <a:rPr lang="zh-CN" altLang="zh-CN" sz="2000" kern="0" dirty="0">
+                          <a:effectLst/>
+                        </a:rPr>
+                        <a:t>～</a:t>
+                      </a:r>
+                      <a:r>
+                        <a:rPr lang="en-US" altLang="zh-CN" sz="2000" kern="0" dirty="0">
+                          <a:effectLst/>
+                        </a:rPr>
+                        <a:t>2025.4</a:t>
+                      </a:r>
+                      <a:endParaRPr lang="zh-CN" altLang="zh-CN" sz="2000" kern="100" dirty="0">
+                        <a:effectLst/>
+                        <a:latin typeface="微软雅黑" panose="020B0503020204020204" pitchFamily="34" charset="-122"/>
+                        <a:ea typeface="微软雅黑" panose="020B0503020204020204" pitchFamily="34" charset="-122"/>
+                      </a:endParaRPr>
+                    </a:p>
+                  </a:txBody>
+                  <a:tcPr anchor="ctr">
+                    <a:lnL w="12700" cap="flat" cmpd="sng" algn="ctr">
+                      <a:solidFill>
+                        <a:schemeClr val="tx1"/>
+                      </a:solidFill>
+                      <a:prstDash val="solid"/>
+                      <a:round/>
+                      <a:headEnd type="none" w="med" len="med"/>
+                      <a:tailEnd type="none" w="med" len="med"/>
+                    </a:lnL>
+                    <a:lnR w="12700" cap="flat" cmpd="sng" algn="ctr">
+                      <a:solidFill>
+                        <a:schemeClr val="tx1"/>
+                      </a:solidFill>
+                      <a:prstDash val="solid"/>
+                      <a:round/>
+                      <a:headEnd type="none" w="med" len="med"/>
+                      <a:tailEnd type="none" w="med" len="med"/>
+                    </a:lnR>
+                    <a:lnT w="12700" cap="flat" cmpd="sng" algn="ctr">
+                      <a:solidFill>
+                        <a:schemeClr val="tx1"/>
+                      </a:solidFill>
+                      <a:prstDash val="solid"/>
+                      <a:round/>
+                      <a:headEnd type="none" w="med" len="med"/>
+                      <a:tailEnd type="none" w="med" len="med"/>
+                    </a:lnT>
+                    <a:lnB w="12700" cap="flat" cmpd="sng" algn="ctr">
+                      <a:solidFill>
+                        <a:schemeClr val="tx1"/>
+                      </a:solidFill>
+                      <a:prstDash val="solid"/>
+                      <a:round/>
+                      <a:headEnd type="none" w="med" len="med"/>
+                      <a:tailEnd type="none" w="med" len="med"/>
+                    </a:lnB>
+                  </a:tcPr>
+                </a:tc>
+                <a:tc>
+                  <a:txBody>
+                    <a:bodyPr/>
+                    <a:p>
+                      <a:pPr algn="ctr">
+                        <a:spcAft>
+                          <a:spcPts val="0"/>
+                        </a:spcAft>
+                      </a:pPr>
+                      <a:r>
+                        <a:rPr lang="zh-CN" sz="2000" kern="0" dirty="0">
+                          <a:effectLst/>
+                        </a:rPr>
+                        <a:t>撰写毕业论文，完成论文答辩</a:t>
+                      </a:r>
+                      <a:endParaRPr lang="zh-CN" sz="2000" kern="100" dirty="0">
+                        <a:effectLst/>
+                        <a:latin typeface="微软雅黑" panose="020B0503020204020204" pitchFamily="34" charset="-122"/>
+                        <a:ea typeface="微软雅黑" panose="020B0503020204020204" pitchFamily="34" charset="-122"/>
+                      </a:endParaRPr>
+                    </a:p>
+                  </a:txBody>
+                  <a:tcPr anchor="ctr">
+                    <a:lnL w="12700" cap="flat" cmpd="sng" algn="ctr">
+                      <a:solidFill>
+                        <a:schemeClr val="tx1"/>
+                      </a:solidFill>
+                      <a:prstDash val="solid"/>
+                      <a:round/>
+                      <a:headEnd type="none" w="med" len="med"/>
+                      <a:tailEnd type="none" w="med" len="med"/>
+                    </a:lnL>
+                    <a:lnR w="12700" cap="flat" cmpd="sng" algn="ctr">
+                      <a:solidFill>
+                        <a:schemeClr val="tx1"/>
+                      </a:solidFill>
+                      <a:prstDash val="solid"/>
+                      <a:round/>
+                      <a:headEnd type="none" w="med" len="med"/>
+                      <a:tailEnd type="none" w="med" len="med"/>
+                    </a:lnR>
+                    <a:lnT w="12700" cap="flat" cmpd="sng" algn="ctr">
+                      <a:solidFill>
+                        <a:schemeClr val="tx1"/>
+                      </a:solidFill>
+                      <a:prstDash val="solid"/>
+                      <a:round/>
+                      <a:headEnd type="none" w="med" len="med"/>
+                      <a:tailEnd type="none" w="med" len="med"/>
+                    </a:lnT>
+                    <a:lnB w="12700" cap="flat" cmpd="sng" algn="ctr">
+                      <a:solidFill>
+                        <a:schemeClr val="tx1"/>
+                      </a:solidFill>
+                      <a:prstDash val="solid"/>
+                      <a:round/>
+                      <a:headEnd type="none" w="med" len="med"/>
+                      <a:tailEnd type="none" w="med" len="med"/>
+                    </a:lnB>
+                  </a:tcPr>
+                </a:tc>
+              </a:tr>
+            </a:tbl>
+          </a:graphicData>
+        </a:graphic>
+      </p:graphicFrame>
     </p:spTree>
   </p:cSld>
   <p:clrMapOvr>
@@ -12623,7 +13782,7 @@
             <p:nvPr/>
           </p:nvPicPr>
           <p:blipFill>
-            <a:blip r:embed="rId3" cstate="print">
+            <a:blip r:embed="rId1" cstate="print">
               <a:extLst>
                 <a:ext uri="{28A0092B-C50C-407E-A947-70E740481C1C}">
                   <a14:useLocalDpi xmlns:a14="http://schemas.microsoft.com/office/drawing/2010/main" val="0"/>
@@ -12654,7 +13813,7 @@
             <p:nvPr/>
           </p:nvPicPr>
           <p:blipFill>
-            <a:blip r:embed="rId4" cstate="print">
+            <a:blip r:embed="rId2" cstate="print">
               <a:extLst>
                 <a:ext uri="{28A0092B-C50C-407E-A947-70E740481C1C}">
                   <a14:useLocalDpi xmlns:a14="http://schemas.microsoft.com/office/drawing/2010/main" val="0"/>
@@ -12730,6 +13889,20 @@
                 </a:rPr>
                 <a:t>BEIJING UNIVERSITY OF TECHNOLOGY</a:t>
               </a:r>
+              <a:endParaRPr kumimoji="0" lang="en-US" altLang="zh-CN" sz="800" b="1" i="0" u="none" strike="noStrike" kern="1200" cap="none" spc="0" normalizeH="0" baseline="0" noProof="0" dirty="0">
+                <a:ln>
+                  <a:noFill/>
+                </a:ln>
+                <a:solidFill>
+                  <a:srgbClr val="024282"/>
+                </a:solidFill>
+                <a:effectLst/>
+                <a:uLnTx/>
+                <a:uFillTx/>
+                <a:latin typeface="Calibri" panose="020F0502020204030204"/>
+                <a:ea typeface="宋体" pitchFamily="2" charset="-122"/>
+                <a:cs typeface="+mn-cs"/>
+              </a:endParaRPr>
             </a:p>
           </p:txBody>
         </p:sp>
@@ -12794,6 +13967,7 @@
               <a:rPr lang="zh-CN" altLang="en-US" sz="6000" dirty="0"/>
               <a:t>研究背景与意义</a:t>
             </a:r>
+            <a:endParaRPr lang="zh-CN" altLang="en-US" sz="6000" dirty="0"/>
           </a:p>
         </p:txBody>
       </p:sp>
@@ -12880,7 +14054,7 @@
             <p:nvPr/>
           </p:nvPicPr>
           <p:blipFill>
-            <a:blip r:embed="rId3" cstate="print">
+            <a:blip r:embed="rId1" cstate="print">
               <a:extLst>
                 <a:ext uri="{28A0092B-C50C-407E-A947-70E740481C1C}">
                   <a14:useLocalDpi xmlns:a14="http://schemas.microsoft.com/office/drawing/2010/main" val="0"/>
@@ -12911,7 +14085,7 @@
             <p:nvPr/>
           </p:nvPicPr>
           <p:blipFill>
-            <a:blip r:embed="rId4" cstate="print">
+            <a:blip r:embed="rId2" cstate="print">
               <a:extLst>
                 <a:ext uri="{28A0092B-C50C-407E-A947-70E740481C1C}">
                   <a14:useLocalDpi xmlns:a14="http://schemas.microsoft.com/office/drawing/2010/main" val="0"/>
@@ -12987,6 +14161,20 @@
                 </a:rPr>
                 <a:t>BEIJING UNIVERSITY OF TECHNOLOGY</a:t>
               </a:r>
+              <a:endParaRPr kumimoji="0" lang="en-US" altLang="zh-CN" sz="800" b="1" i="0" u="none" strike="noStrike" kern="1200" cap="none" spc="0" normalizeH="0" baseline="0" noProof="0" dirty="0">
+                <a:ln>
+                  <a:noFill/>
+                </a:ln>
+                <a:solidFill>
+                  <a:srgbClr val="024282"/>
+                </a:solidFill>
+                <a:effectLst/>
+                <a:uLnTx/>
+                <a:uFillTx/>
+                <a:latin typeface="Calibri" panose="020F0502020204030204"/>
+                <a:ea typeface="宋体" pitchFamily="2" charset="-122"/>
+                <a:cs typeface="+mn-cs"/>
+              </a:endParaRPr>
             </a:p>
           </p:txBody>
         </p:sp>
@@ -13000,7 +14188,7 @@
         <p:spPr>
           <a:xfrm>
             <a:off x="300675" y="100513"/>
-            <a:ext cx="4064000" cy="646331"/>
+            <a:ext cx="4064000" cy="645160"/>
           </a:xfrm>
           <a:prstGeom prst="rect">
             <a:avLst/>
@@ -13015,20 +14203,19 @@
           <a:p>
             <a:r>
               <a:rPr lang="zh-CN" altLang="en-US" sz="3600" dirty="0"/>
-              <a:t>研究背景与意义</a:t>
-            </a:r>
+              <a:t>研究背景与</a:t>
+            </a:r>
+            <a:r>
+              <a:rPr lang="zh-CN" altLang="en-US" sz="3600" dirty="0"/>
+              <a:t>意义</a:t>
+            </a:r>
+            <a:endParaRPr lang="zh-CN" altLang="en-US" sz="3600" dirty="0"/>
           </a:p>
         </p:txBody>
       </p:sp>
       <p:sp>
         <p:nvSpPr>
-          <p:cNvPr id="3" name="文本框 2">
-            <a:extLst>
-              <a:ext uri="{FF2B5EF4-FFF2-40B4-BE49-F238E27FC236}">
-                <a16:creationId xmlns:a16="http://schemas.microsoft.com/office/drawing/2014/main" id="{3D6DCD62-B195-0952-366C-72D8652D3BDC}"/>
-              </a:ext>
-            </a:extLst>
-          </p:cNvPr>
+          <p:cNvPr id="3" name="文本框 2"/>
           <p:cNvSpPr txBox="1"/>
           <p:nvPr/>
         </p:nvSpPr>
@@ -13262,7 +14449,7 @@
             <p:nvPr/>
           </p:nvPicPr>
           <p:blipFill>
-            <a:blip r:embed="rId3" cstate="print">
+            <a:blip r:embed="rId1" cstate="print">
               <a:extLst>
                 <a:ext uri="{28A0092B-C50C-407E-A947-70E740481C1C}">
                   <a14:useLocalDpi xmlns:a14="http://schemas.microsoft.com/office/drawing/2010/main" val="0"/>
@@ -13293,7 +14480,7 @@
             <p:nvPr/>
           </p:nvPicPr>
           <p:blipFill>
-            <a:blip r:embed="rId4" cstate="print">
+            <a:blip r:embed="rId2" cstate="print">
               <a:extLst>
                 <a:ext uri="{28A0092B-C50C-407E-A947-70E740481C1C}">
                   <a14:useLocalDpi xmlns:a14="http://schemas.microsoft.com/office/drawing/2010/main" val="0"/>
@@ -13369,6 +14556,20 @@
                 </a:rPr>
                 <a:t>BEIJING UNIVERSITY OF TECHNOLOGY</a:t>
               </a:r>
+              <a:endParaRPr kumimoji="0" lang="en-US" altLang="zh-CN" sz="800" b="1" i="0" u="none" strike="noStrike" kern="1200" cap="none" spc="0" normalizeH="0" baseline="0" noProof="0" dirty="0">
+                <a:ln>
+                  <a:noFill/>
+                </a:ln>
+                <a:solidFill>
+                  <a:srgbClr val="024282"/>
+                </a:solidFill>
+                <a:effectLst/>
+                <a:uLnTx/>
+                <a:uFillTx/>
+                <a:latin typeface="Calibri" panose="020F0502020204030204"/>
+                <a:ea typeface="宋体" pitchFamily="2" charset="-122"/>
+                <a:cs typeface="+mn-cs"/>
+              </a:endParaRPr>
             </a:p>
           </p:txBody>
         </p:sp>
@@ -13408,7 +14609,7 @@
         <p:spPr>
           <a:xfrm>
             <a:off x="300675" y="100513"/>
-            <a:ext cx="4064000" cy="646331"/>
+            <a:ext cx="4064000" cy="645160"/>
           </a:xfrm>
           <a:prstGeom prst="rect">
             <a:avLst/>
@@ -13423,27 +14624,26 @@
           <a:p>
             <a:r>
               <a:rPr lang="zh-CN" altLang="en-US" sz="3600" dirty="0"/>
-              <a:t>研究意义</a:t>
-            </a:r>
+              <a:t>研究背景</a:t>
+            </a:r>
+            <a:r>
+              <a:rPr lang="zh-CN" altLang="en-US" sz="3600" dirty="0"/>
+              <a:t>与意义</a:t>
+            </a:r>
+            <a:endParaRPr lang="zh-CN" altLang="en-US" sz="3600" dirty="0"/>
           </a:p>
         </p:txBody>
       </p:sp>
       <p:sp>
         <p:nvSpPr>
-          <p:cNvPr id="3" name="文本框 2">
-            <a:extLst>
-              <a:ext uri="{FF2B5EF4-FFF2-40B4-BE49-F238E27FC236}">
-                <a16:creationId xmlns:a16="http://schemas.microsoft.com/office/drawing/2014/main" id="{7AFC3E6F-EAD6-4C2B-9629-0B3010964DF1}"/>
-              </a:ext>
-            </a:extLst>
-          </p:cNvPr>
+          <p:cNvPr id="3" name="文本框 2"/>
           <p:cNvSpPr txBox="1"/>
           <p:nvPr/>
         </p:nvSpPr>
         <p:spPr>
           <a:xfrm>
             <a:off x="630621" y="1142733"/>
-            <a:ext cx="10184524" cy="3904659"/>
+            <a:ext cx="10184524" cy="3322955"/>
           </a:xfrm>
           <a:prstGeom prst="rect">
             <a:avLst/>
@@ -13482,6 +14682,10 @@
               </a:rPr>
               <a:t>深度学习技术在医疗影像分析方面取得了长足的进步。</a:t>
             </a:r>
+            <a:endParaRPr lang="zh-CN" altLang="en-US" sz="2800" i="0" dirty="0">
+              <a:effectLst/>
+              <a:latin typeface="-apple-system"/>
+            </a:endParaRPr>
           </a:p>
           <a:p>
             <a:pPr>
@@ -13530,22 +14734,16 @@
               <a:buChar char="•"/>
             </a:pPr>
             <a:r>
+              <a:rPr lang="en-US" altLang="zh-CN" sz="2800" dirty="0"/>
+              <a:t>MR</a:t>
+            </a:r>
+            <a:r>
               <a:rPr lang="zh-CN" altLang="en-US" sz="2800" dirty="0"/>
-              <a:t>来自多中心的医疗影像</a:t>
-            </a:r>
-            <a:endParaRPr lang="en-US" altLang="zh-CN" sz="2800" dirty="0"/>
-          </a:p>
-          <a:p>
-            <a:pPr marL="285750" indent="-285750">
-              <a:lnSpc>
-                <a:spcPct val="150000"/>
-              </a:lnSpc>
-              <a:buFont typeface="Arial" panose="020B0604020202020204" pitchFamily="34" charset="0"/>
-              <a:buChar char="•"/>
-            </a:pPr>
+              <a:t>影像</a:t>
+            </a:r>
             <a:r>
               <a:rPr lang="zh-CN" altLang="en-US" sz="2800" dirty="0"/>
-              <a:t>不同序列的影像</a:t>
+              <a:t>中不同序列的影像</a:t>
             </a:r>
             <a:endParaRPr lang="en-US" altLang="zh-CN" sz="2800" dirty="0"/>
           </a:p>
@@ -13634,7 +14832,7 @@
             <p:nvPr/>
           </p:nvPicPr>
           <p:blipFill>
-            <a:blip r:embed="rId3" cstate="print">
+            <a:blip r:embed="rId1" cstate="print">
               <a:extLst>
                 <a:ext uri="{28A0092B-C50C-407E-A947-70E740481C1C}">
                   <a14:useLocalDpi xmlns:a14="http://schemas.microsoft.com/office/drawing/2010/main" val="0"/>
@@ -13665,7 +14863,7 @@
             <p:nvPr/>
           </p:nvPicPr>
           <p:blipFill>
-            <a:blip r:embed="rId4" cstate="print">
+            <a:blip r:embed="rId2" cstate="print">
               <a:extLst>
                 <a:ext uri="{28A0092B-C50C-407E-A947-70E740481C1C}">
                   <a14:useLocalDpi xmlns:a14="http://schemas.microsoft.com/office/drawing/2010/main" val="0"/>
@@ -13741,6 +14939,20 @@
                 </a:rPr>
                 <a:t>BEIJING UNIVERSITY OF TECHNOLOGY</a:t>
               </a:r>
+              <a:endParaRPr kumimoji="0" lang="en-US" altLang="zh-CN" sz="800" b="1" i="0" u="none" strike="noStrike" kern="1200" cap="none" spc="0" normalizeH="0" baseline="0" noProof="0" dirty="0">
+                <a:ln>
+                  <a:noFill/>
+                </a:ln>
+                <a:solidFill>
+                  <a:srgbClr val="024282"/>
+                </a:solidFill>
+                <a:effectLst/>
+                <a:uLnTx/>
+                <a:uFillTx/>
+                <a:latin typeface="Calibri" panose="020F0502020204030204"/>
+                <a:ea typeface="宋体" pitchFamily="2" charset="-122"/>
+                <a:cs typeface="+mn-cs"/>
+              </a:endParaRPr>
             </a:p>
           </p:txBody>
         </p:sp>
@@ -13773,13 +14985,7 @@
       </p:sp>
       <p:sp>
         <p:nvSpPr>
-          <p:cNvPr id="3" name="文本框 2">
-            <a:extLst>
-              <a:ext uri="{FF2B5EF4-FFF2-40B4-BE49-F238E27FC236}">
-                <a16:creationId xmlns:a16="http://schemas.microsoft.com/office/drawing/2014/main" id="{E0C9B058-3FB7-9D68-C1A6-59F91E5F48A7}"/>
-              </a:ext>
-            </a:extLst>
-          </p:cNvPr>
+          <p:cNvPr id="3" name="文本框 2"/>
           <p:cNvSpPr txBox="1"/>
           <p:nvPr/>
         </p:nvSpPr>
@@ -13826,20 +15032,14 @@
       </p:sp>
       <p:pic>
         <p:nvPicPr>
-          <p:cNvPr id="5" name="图片 4">
-            <a:extLst>
-              <a:ext uri="{FF2B5EF4-FFF2-40B4-BE49-F238E27FC236}">
-                <a16:creationId xmlns:a16="http://schemas.microsoft.com/office/drawing/2014/main" id="{982E6026-2AAD-EB32-B707-C516B2DDB7F8}"/>
-              </a:ext>
-            </a:extLst>
-          </p:cNvPr>
+          <p:cNvPr id="5" name="图片 4"/>
           <p:cNvPicPr>
             <a:picLocks noChangeAspect="1"/>
           </p:cNvPicPr>
           <p:nvPr/>
         </p:nvPicPr>
         <p:blipFill>
-          <a:blip r:embed="rId5"/>
+          <a:blip r:embed="rId3"/>
           <a:stretch>
             <a:fillRect/>
           </a:stretch>
@@ -13854,12 +15054,40 @@
           </a:prstGeom>
         </p:spPr>
       </p:pic>
+      <p:sp>
+        <p:nvSpPr>
+          <p:cNvPr id="4" name="文本框 3"/>
+          <p:cNvSpPr txBox="1"/>
+          <p:nvPr/>
+        </p:nvSpPr>
+        <p:spPr>
+          <a:xfrm>
+            <a:off x="300675" y="100513"/>
+            <a:ext cx="4064000" cy="645160"/>
+          </a:xfrm>
+          <a:prstGeom prst="rect">
+            <a:avLst/>
+          </a:prstGeom>
+          <a:noFill/>
+        </p:spPr>
+        <p:txBody>
+          <a:bodyPr wrap="square" rtlCol="0">
+            <a:spAutoFit/>
+          </a:bodyPr>
+          <a:p>
+            <a:r>
+              <a:rPr lang="zh-CN" altLang="en-US" sz="3600" dirty="0"/>
+              <a:t>研究背景</a:t>
+            </a:r>
+            <a:r>
+              <a:rPr lang="zh-CN" altLang="en-US" sz="3600" dirty="0"/>
+              <a:t>与意义</a:t>
+            </a:r>
+            <a:endParaRPr lang="zh-CN" altLang="en-US" sz="3600" dirty="0"/>
+          </a:p>
+        </p:txBody>
+      </p:sp>
     </p:spTree>
-    <p:extLst>
-      <p:ext uri="{BB962C8B-B14F-4D97-AF65-F5344CB8AC3E}">
-        <p14:creationId xmlns:p14="http://schemas.microsoft.com/office/powerpoint/2010/main" val="1970224669"/>
-      </p:ext>
-    </p:extLst>
   </p:cSld>
   <p:clrMapOvr>
     <a:masterClrMapping/>
@@ -13942,7 +15170,7 @@
             <p:nvPr/>
           </p:nvPicPr>
           <p:blipFill>
-            <a:blip r:embed="rId3" cstate="print">
+            <a:blip r:embed="rId1" cstate="print">
               <a:extLst>
                 <a:ext uri="{28A0092B-C50C-407E-A947-70E740481C1C}">
                   <a14:useLocalDpi xmlns:a14="http://schemas.microsoft.com/office/drawing/2010/main" val="0"/>
@@ -13973,7 +15201,7 @@
             <p:nvPr/>
           </p:nvPicPr>
           <p:blipFill>
-            <a:blip r:embed="rId4" cstate="print">
+            <a:blip r:embed="rId2" cstate="print">
               <a:extLst>
                 <a:ext uri="{28A0092B-C50C-407E-A947-70E740481C1C}">
                   <a14:useLocalDpi xmlns:a14="http://schemas.microsoft.com/office/drawing/2010/main" val="0"/>
@@ -14049,6 +15277,20 @@
                 </a:rPr>
                 <a:t>BEIJING UNIVERSITY OF TECHNOLOGY</a:t>
               </a:r>
+              <a:endParaRPr kumimoji="0" lang="en-US" altLang="zh-CN" sz="800" b="1" i="0" u="none" strike="noStrike" kern="1200" cap="none" spc="0" normalizeH="0" baseline="0" noProof="0" dirty="0">
+                <a:ln>
+                  <a:noFill/>
+                </a:ln>
+                <a:solidFill>
+                  <a:srgbClr val="024282"/>
+                </a:solidFill>
+                <a:effectLst/>
+                <a:uLnTx/>
+                <a:uFillTx/>
+                <a:latin typeface="Calibri" panose="020F0502020204030204"/>
+                <a:ea typeface="宋体" pitchFamily="2" charset="-122"/>
+                <a:cs typeface="+mn-cs"/>
+              </a:endParaRPr>
             </a:p>
           </p:txBody>
         </p:sp>
@@ -14113,6 +15355,7 @@
               <a:rPr lang="zh-CN" altLang="en-US" sz="6000" dirty="0"/>
               <a:t>研究现状</a:t>
             </a:r>
+            <a:endParaRPr lang="zh-CN" altLang="en-US" sz="6000" dirty="0"/>
           </a:p>
         </p:txBody>
       </p:sp>
@@ -14199,7 +15442,7 @@
             <p:nvPr/>
           </p:nvPicPr>
           <p:blipFill>
-            <a:blip r:embed="rId2" cstate="print">
+            <a:blip r:embed="rId1" cstate="print">
               <a:extLst>
                 <a:ext uri="{28A0092B-C50C-407E-A947-70E740481C1C}">
                   <a14:useLocalDpi xmlns:a14="http://schemas.microsoft.com/office/drawing/2010/main" val="0"/>
@@ -14230,7 +15473,7 @@
             <p:nvPr/>
           </p:nvPicPr>
           <p:blipFill>
-            <a:blip r:embed="rId3" cstate="print">
+            <a:blip r:embed="rId2" cstate="print">
               <a:extLst>
                 <a:ext uri="{28A0092B-C50C-407E-A947-70E740481C1C}">
                   <a14:useLocalDpi xmlns:a14="http://schemas.microsoft.com/office/drawing/2010/main" val="0"/>
@@ -14306,6 +15549,20 @@
                 </a:rPr>
                 <a:t>BEIJING UNIVERSITY OF TECHNOLOGY</a:t>
               </a:r>
+              <a:endParaRPr kumimoji="0" lang="en-US" altLang="zh-CN" sz="800" b="1" i="0" u="none" strike="noStrike" kern="1200" cap="none" spc="0" normalizeH="0" baseline="0" noProof="0" dirty="0">
+                <a:ln>
+                  <a:noFill/>
+                </a:ln>
+                <a:solidFill>
+                  <a:srgbClr val="024282"/>
+                </a:solidFill>
+                <a:effectLst/>
+                <a:uLnTx/>
+                <a:uFillTx/>
+                <a:latin typeface="Calibri" panose="020F0502020204030204"/>
+                <a:ea typeface="宋体" pitchFamily="2" charset="-122"/>
+                <a:cs typeface="+mn-cs"/>
+              </a:endParaRPr>
             </a:p>
           </p:txBody>
         </p:sp>
@@ -14338,13 +15595,7 @@
       </p:sp>
       <p:sp>
         <p:nvSpPr>
-          <p:cNvPr id="3" name="文本框 2">
-            <a:extLst>
-              <a:ext uri="{FF2B5EF4-FFF2-40B4-BE49-F238E27FC236}">
-                <a16:creationId xmlns:a16="http://schemas.microsoft.com/office/drawing/2014/main" id="{EEBEE293-B1F7-FA0F-7773-3D6BBE08AA24}"/>
-              </a:ext>
-            </a:extLst>
-          </p:cNvPr>
+          <p:cNvPr id="3" name="文本框 2"/>
           <p:cNvSpPr txBox="1"/>
           <p:nvPr/>
         </p:nvSpPr>
@@ -14457,15 +15708,11 @@
               <a:rPr lang="zh-CN" altLang="en-US" sz="2800" dirty="0"/>
               <a:t>特征解耦</a:t>
             </a:r>
+            <a:endParaRPr lang="zh-CN" altLang="en-US" sz="2800" dirty="0"/>
           </a:p>
         </p:txBody>
       </p:sp>
     </p:spTree>
-    <p:extLst>
-      <p:ext uri="{BB962C8B-B14F-4D97-AF65-F5344CB8AC3E}">
-        <p14:creationId xmlns:p14="http://schemas.microsoft.com/office/powerpoint/2010/main" val="3413424925"/>
-      </p:ext>
-    </p:extLst>
   </p:cSld>
   <p:clrMapOvr>
     <a:masterClrMapping/>
@@ -14548,7 +15795,7 @@
             <p:nvPr/>
           </p:nvPicPr>
           <p:blipFill>
-            <a:blip r:embed="rId3" cstate="print">
+            <a:blip r:embed="rId1" cstate="print">
               <a:extLst>
                 <a:ext uri="{28A0092B-C50C-407E-A947-70E740481C1C}">
                   <a14:useLocalDpi xmlns:a14="http://schemas.microsoft.com/office/drawing/2010/main" val="0"/>
@@ -14579,7 +15826,7 @@
             <p:nvPr/>
           </p:nvPicPr>
           <p:blipFill>
-            <a:blip r:embed="rId4" cstate="print">
+            <a:blip r:embed="rId2" cstate="print">
               <a:extLst>
                 <a:ext uri="{28A0092B-C50C-407E-A947-70E740481C1C}">
                   <a14:useLocalDpi xmlns:a14="http://schemas.microsoft.com/office/drawing/2010/main" val="0"/>
@@ -14655,6 +15902,20 @@
                 </a:rPr>
                 <a:t>BEIJING UNIVERSITY OF TECHNOLOGY</a:t>
               </a:r>
+              <a:endParaRPr kumimoji="0" lang="en-US" altLang="zh-CN" sz="800" b="1" i="0" u="none" strike="noStrike" kern="1200" cap="none" spc="0" normalizeH="0" baseline="0" noProof="0" dirty="0">
+                <a:ln>
+                  <a:noFill/>
+                </a:ln>
+                <a:solidFill>
+                  <a:srgbClr val="024282"/>
+                </a:solidFill>
+                <a:effectLst/>
+                <a:uLnTx/>
+                <a:uFillTx/>
+                <a:latin typeface="Calibri" panose="020F0502020204030204"/>
+                <a:ea typeface="宋体" pitchFamily="2" charset="-122"/>
+                <a:cs typeface="+mn-cs"/>
+              </a:endParaRPr>
             </a:p>
           </p:txBody>
         </p:sp>
@@ -14694,7 +15955,7 @@
           <p:nvPr/>
         </p:nvPicPr>
         <p:blipFill>
-          <a:blip r:embed="rId5"/>
+          <a:blip r:embed="rId3"/>
           <a:stretch>
             <a:fillRect/>
           </a:stretch>
@@ -14718,7 +15979,7 @@
         <p:spPr>
           <a:xfrm>
             <a:off x="171450" y="858970"/>
-            <a:ext cx="6096000" cy="2252027"/>
+            <a:ext cx="6096000" cy="1753235"/>
           </a:xfrm>
           <a:prstGeom prst="rect">
             <a:avLst/>
@@ -14754,7 +16015,7 @@
                 <a:effectLst/>
                 <a:latin typeface="+mn-ea"/>
               </a:rPr>
-              <a:t>等人提出通过使用随机卷积作为数据增强，</a:t>
+              <a:t>等人提出通过使用随机卷积作为数据增强来</a:t>
             </a:r>
             <a:r>
               <a:rPr lang="zh-CN" altLang="en-US" sz="2400" b="0" i="0" dirty="0">
@@ -14764,7 +16025,7 @@
                 <a:effectLst/>
                 <a:latin typeface="+mn-ea"/>
               </a:rPr>
-              <a:t>使用多尺度的随机卷积生成图像，同时保持目标的全局形状。</a:t>
+              <a:t>生成图像，同时保持目标的全局形状。</a:t>
             </a:r>
             <a:endParaRPr lang="en-US" altLang="zh-CN" sz="2400" b="0" i="0" dirty="0">
               <a:solidFill>
@@ -14816,18 +16077,13 @@
               <a:rPr lang="zh-CN" altLang="en-US" sz="3600" dirty="0"/>
               <a:t>研究现状</a:t>
             </a:r>
+            <a:endParaRPr lang="zh-CN" altLang="en-US" sz="3600" dirty="0"/>
           </a:p>
         </p:txBody>
       </p:sp>
       <p:sp>
         <p:nvSpPr>
-          <p:cNvPr id="9" name="文本框 8">
-            <a:extLst>
-              <a:ext uri="{FF2B5EF4-FFF2-40B4-BE49-F238E27FC236}">
-                <a16:creationId xmlns:a16="http://schemas.microsoft.com/office/drawing/2014/main" id="{622F6BC8-0632-B424-FF31-8F206A77373F}"/>
-              </a:ext>
-            </a:extLst>
-          </p:cNvPr>
+          <p:cNvPr id="9" name="文本框 8"/>
           <p:cNvSpPr txBox="1"/>
           <p:nvPr/>
         </p:nvSpPr>
@@ -14859,6 +16115,14 @@
               </a:rPr>
               <a:t>Xu et al. Robust and generalizable visual representation learning via random convolutions 2021</a:t>
             </a:r>
+            <a:endParaRPr lang="en-US" altLang="zh-CN" sz="1600" i="0" dirty="0">
+              <a:solidFill>
+                <a:srgbClr val="121212"/>
+              </a:solidFill>
+              <a:effectLst/>
+              <a:latin typeface="Times New Roman" panose="02020603050405020304" pitchFamily="18" charset="0"/>
+              <a:cs typeface="Times New Roman" panose="02020603050405020304" pitchFamily="18" charset="0"/>
+            </a:endParaRPr>
           </a:p>
         </p:txBody>
       </p:sp>
@@ -14868,6 +16132,12 @@
     <a:masterClrMapping/>
   </p:clrMapOvr>
 </p:sld>
+</file>
+
+<file path=ppt/tags/tag1.xml><?xml version="1.0" encoding="utf-8"?>
+<p:tagLst xmlns:p="http://schemas.openxmlformats.org/presentationml/2006/main">
+  <p:tag name="KSO_WM_UNIT_TABLE_BEAUTIFY" val="smartTable{8beccd3a-277d-4162-95de-27933805becb}"/>
+</p:tagLst>
 </file>
 
 <file path=ppt/theme/theme1.xml><?xml version="1.0" encoding="utf-8"?>
@@ -15121,8 +16391,6 @@
       </a:bgFillStyleLst>
     </a:fmtScheme>
   </a:themeElements>
-  <a:objectDefaults/>
-  <a:extraClrSchemeLst/>
   <a:extLst>
     <a:ext uri="{05A4C25C-085E-4340-85A3-A5531E510DB2}">
       <thm15:themeFamily xmlns:thm15="http://schemas.microsoft.com/office/thememl/2012/main" name="Office Theme" id="{62F939B6-93AF-4DB8-9C6B-D6C7DFDC589F}" vid="{4A3C46E8-61CC-4603-A589-7422A47A8E4A}"/>
@@ -15382,8 +16650,6 @@
       </a:bgFillStyleLst>
     </a:fmtScheme>
   </a:themeElements>
-  <a:objectDefaults/>
-  <a:extraClrSchemeLst/>
   <a:extLst>
     <a:ext uri="{05A4C25C-085E-4340-85A3-A5531E510DB2}">
       <thm15:themeFamily xmlns:thm15="http://schemas.microsoft.com/office/thememl/2012/main" name="Office Theme" id="{62F939B6-93AF-4DB8-9C6B-D6C7DFDC589F}" vid="{4A3C46E8-61CC-4603-A589-7422A47A8E4A}"/>

--- a/开题/开题_1210.pptx
+++ b/开题/开题_1210.pptx
@@ -36,6 +36,9 @@
   </p:sldIdLst>
   <p:sldSz cx="12192000" cy="6858000"/>
   <p:notesSz cx="6858000" cy="9144000"/>
+  <p:custDataLst>
+    <p:tags r:id="rId32"/>
+  </p:custDataLst>
   <p:defaultTextStyle>
     <a:defPPr>
       <a:defRPr lang="zh-CN"/>
@@ -1757,25 +1760,6 @@
           <a:p>
             <a:r>
               <a:rPr lang="zh-CN" altLang="en-US"/>
-              <a:t>首先使用任务</a:t>
-            </a:r>
-            <a:r>
-              <a:rPr lang="en-US" altLang="zh-CN"/>
-              <a:t>1</a:t>
-            </a:r>
-            <a:r>
-              <a:rPr lang="zh-CN" altLang="en-US"/>
-              <a:t>中提出的多维度数据增强的域泛化方法来扩充源域数据，生成的数据可以作为新的域参与</a:t>
-            </a:r>
-            <a:r>
-              <a:rPr lang="zh-CN" altLang="en-US"/>
-              <a:t>训练。</a:t>
-            </a:r>
-            <a:endParaRPr lang="zh-CN" altLang="en-US"/>
-          </a:p>
-          <a:p>
-            <a:r>
-              <a:rPr lang="zh-CN" altLang="en-US"/>
               <a:t>在特征解耦方法的基础上，本研究提出了基于特征交叉重建的特征解耦模块。如图</a:t>
             </a:r>
             <a:r>
@@ -1787,14 +1771,14 @@
           <a:p>
             <a:r>
               <a:rPr lang="zh-CN" altLang="en-US"/>
-              <a:t>输入为三个样本，分别是当前样本，与当前样本来自同域但不同类的负样本以及与当前样本来自不同域但是同类的正样本</a:t>
+              <a:t>输入为两个样本，分别是当前样本和当前样本来自不同域但是同类的正样本</a:t>
             </a:r>
             <a:br>
               <a:rPr lang="zh-CN" altLang="en-US"/>
             </a:br>
             <a:r>
               <a:rPr lang="zh-CN" altLang="en-US"/>
-              <a:t>三个样本的输入经过特征提取器后进行特征解耦，将样本特征解耦为内容特征与风格特征。其中使用当前样本的内容特征进行分类预测，并将预测结果与标签进行分类损失</a:t>
+              <a:t>两个个样本的输入经过特征提取器后进行特征解耦，将样本特征解耦为内容特征与风格特征。其中使用当前样本的内容特征进行分类预测，并将预测结果与标签进行分类损失</a:t>
             </a:r>
             <a:r>
               <a:rPr lang="zh-CN" altLang="en-US"/>
@@ -1805,11 +1789,11 @@
           <a:p>
             <a:r>
               <a:rPr lang="zh-CN" altLang="en-US"/>
-              <a:t>再根据三个输入的类别异同，进行样本内容的对比损失计算，拉近同类样本的内容特征，推远不同类样本的内容特征。对风格特征的操作</a:t>
+              <a:t>由于两个样本来自不同域，但是属于同意类别，因此需要将内容特征拉近，将风格特征</a:t>
             </a:r>
             <a:r>
               <a:rPr lang="zh-CN" altLang="en-US"/>
-              <a:t>也是如此。</a:t>
+              <a:t>推远</a:t>
             </a:r>
             <a:endParaRPr lang="zh-CN" altLang="en-US"/>
           </a:p>
@@ -1823,23 +1807,6 @@
               <a:t>特征重建损失，</a:t>
             </a:r>
             <a:endParaRPr lang="zh-CN" altLang="en-US"/>
-          </a:p>
-          <a:p>
-            <a:r>
-              <a:rPr lang="zh-CN" altLang="en-US">
-                <a:sym typeface="+mn-ea"/>
-              </a:rPr>
-              <a:t>将当前样本风格特征与负样本的内容特征进行特征重建，将重建后的特征与负样本解耦前的特征进行对比，得到</a:t>
-            </a:r>
-            <a:r>
-              <a:rPr lang="zh-CN" altLang="en-US">
-                <a:sym typeface="+mn-ea"/>
-              </a:rPr>
-              <a:t>负样本特征重建损失。</a:t>
-            </a:r>
-            <a:endParaRPr lang="zh-CN" altLang="en-US">
-              <a:sym typeface="+mn-ea"/>
-            </a:endParaRPr>
           </a:p>
           <a:p>
             <a:r>
@@ -2261,115 +2228,115 @@
             <a:r>
               <a:rPr lang="zh-CN" altLang="zh-CN" b="0" dirty="0">
                 <a:latin typeface="Times New Roman" panose="02020603050405020304" pitchFamily="18" charset="0"/>
-                <a:cs typeface="宋体" charset="0"/>
+                <a:cs typeface="宋体" panose="02010600030101010101" pitchFamily="2" charset="-122"/>
               </a:rPr>
               <a:t>以</a:t>
             </a:r>
             <a:r>
               <a:rPr lang="zh-CN" altLang="zh-CN" b="0" dirty="0">
-                <a:cs typeface="宋体" charset="0"/>
+                <a:cs typeface="宋体" panose="02010600030101010101" pitchFamily="2" charset="-122"/>
               </a:rPr>
               <a:t>肝细胞癌（</a:t>
             </a:r>
             <a:r>
               <a:rPr lang="en-US" altLang="zh-CN" b="0" dirty="0">
                 <a:latin typeface="Times New Roman" panose="02020603050405020304" pitchFamily="18" charset="0"/>
-                <a:cs typeface="宋体" charset="0"/>
+                <a:cs typeface="宋体" panose="02010600030101010101" pitchFamily="2" charset="-122"/>
               </a:rPr>
               <a:t>HCC</a:t>
             </a:r>
             <a:r>
               <a:rPr lang="zh-CN" altLang="zh-CN" b="0" dirty="0">
-                <a:cs typeface="宋体" charset="0"/>
+                <a:cs typeface="宋体" panose="02010600030101010101" pitchFamily="2" charset="-122"/>
               </a:rPr>
               <a:t>）</a:t>
             </a:r>
             <a:r>
               <a:rPr lang="zh-CN" altLang="zh-CN" b="0" dirty="0">
                 <a:latin typeface="Times New Roman" panose="02020603050405020304" pitchFamily="18" charset="0"/>
-                <a:cs typeface="宋体" charset="0"/>
+                <a:cs typeface="宋体" panose="02010600030101010101" pitchFamily="2" charset="-122"/>
               </a:rPr>
               <a:t>为代表的肝脏局灶性病变</a:t>
             </a:r>
             <a:r>
               <a:rPr lang="zh-CN" altLang="zh-CN" b="0" dirty="0">
-                <a:cs typeface="宋体" charset="0"/>
+                <a:cs typeface="宋体" panose="02010600030101010101" pitchFamily="2" charset="-122"/>
               </a:rPr>
               <a:t>是一种原发性肝</a:t>
             </a:r>
             <a:r>
               <a:rPr lang="zh-CN" altLang="zh-CN" b="0" dirty="0">
                 <a:latin typeface="Times New Roman" panose="02020603050405020304" pitchFamily="18" charset="0"/>
-                <a:cs typeface="宋体" charset="0"/>
+                <a:cs typeface="宋体" panose="02010600030101010101" pitchFamily="2" charset="-122"/>
               </a:rPr>
               <a:t>脏疾病</a:t>
             </a:r>
             <a:r>
               <a:rPr lang="zh-CN" altLang="zh-CN" b="0" dirty="0">
-                <a:cs typeface="宋体" charset="0"/>
+                <a:cs typeface="宋体" panose="02010600030101010101" pitchFamily="2" charset="-122"/>
               </a:rPr>
               <a:t>，</a:t>
             </a:r>
             <a:r>
               <a:rPr lang="zh-CN" altLang="zh-CN" b="0" dirty="0">
                 <a:latin typeface="Times New Roman" panose="02020603050405020304" pitchFamily="18" charset="0"/>
-                <a:cs typeface="宋体" charset="0"/>
+                <a:cs typeface="宋体" panose="02010600030101010101" pitchFamily="2" charset="-122"/>
               </a:rPr>
               <a:t>临床认为手术切除和移植是目前治疗肝细胞癌的最佳选择。而</a:t>
             </a:r>
             <a:r>
               <a:rPr lang="zh-CN" altLang="zh-CN" b="1" dirty="0">
                 <a:latin typeface="Times New Roman" panose="02020603050405020304" pitchFamily="18" charset="0"/>
-                <a:cs typeface="宋体" charset="0"/>
+                <a:cs typeface="宋体" panose="02010600030101010101" pitchFamily="2" charset="-122"/>
               </a:rPr>
               <a:t>微血管侵犯（</a:t>
             </a:r>
             <a:r>
               <a:rPr lang="en-US" altLang="zh-CN" b="1" dirty="0">
                 <a:latin typeface="Times New Roman" panose="02020603050405020304" pitchFamily="18" charset="0"/>
-                <a:cs typeface="宋体" charset="0"/>
+                <a:cs typeface="宋体" panose="02010600030101010101" pitchFamily="2" charset="-122"/>
               </a:rPr>
               <a:t>Microvascular Invasion, MVI</a:t>
             </a:r>
             <a:r>
               <a:rPr lang="zh-CN" altLang="zh-CN" b="1" dirty="0">
                 <a:latin typeface="Times New Roman" panose="02020603050405020304" pitchFamily="18" charset="0"/>
-                <a:cs typeface="宋体" charset="0"/>
+                <a:cs typeface="宋体" panose="02010600030101010101" pitchFamily="2" charset="-122"/>
               </a:rPr>
               <a:t>）</a:t>
             </a:r>
             <a:r>
               <a:rPr lang="zh-CN" altLang="zh-CN" b="0" dirty="0">
                 <a:latin typeface="Times New Roman" panose="02020603050405020304" pitchFamily="18" charset="0"/>
-                <a:cs typeface="宋体" charset="0"/>
+                <a:cs typeface="宋体" panose="02010600030101010101" pitchFamily="2" charset="-122"/>
               </a:rPr>
               <a:t>被认为是肝癌切除或移植患者早期复发和长期预后不良的重要因素。因此，在</a:t>
             </a:r>
             <a:r>
               <a:rPr lang="en-US" altLang="zh-CN" b="0" dirty="0">
                 <a:latin typeface="Times New Roman" panose="02020603050405020304" pitchFamily="18" charset="0"/>
-                <a:cs typeface="宋体" charset="0"/>
+                <a:cs typeface="宋体" panose="02010600030101010101" pitchFamily="2" charset="-122"/>
               </a:rPr>
               <a:t>HCC</a:t>
             </a:r>
             <a:r>
               <a:rPr lang="zh-CN" altLang="zh-CN" b="0" dirty="0">
                 <a:latin typeface="Times New Roman" panose="02020603050405020304" pitchFamily="18" charset="0"/>
-                <a:cs typeface="宋体" charset="0"/>
+                <a:cs typeface="宋体" panose="02010600030101010101" pitchFamily="2" charset="-122"/>
               </a:rPr>
               <a:t>患者术前评估是否存在</a:t>
             </a:r>
             <a:r>
               <a:rPr lang="en-US" altLang="zh-CN" b="0" dirty="0">
                 <a:latin typeface="Times New Roman" panose="02020603050405020304" pitchFamily="18" charset="0"/>
-                <a:cs typeface="宋体" charset="0"/>
+                <a:cs typeface="宋体" panose="02010600030101010101" pitchFamily="2" charset="-122"/>
               </a:rPr>
               <a:t>MVI</a:t>
             </a:r>
             <a:r>
               <a:rPr lang="zh-CN" altLang="zh-CN" b="0" dirty="0">
                 <a:latin typeface="Times New Roman" panose="02020603050405020304" pitchFamily="18" charset="0"/>
-                <a:cs typeface="宋体" charset="0"/>
+                <a:cs typeface="宋体" panose="02010600030101010101" pitchFamily="2" charset="-122"/>
               </a:rPr>
               <a:t>具有非常重要的临床价值</a:t>
             </a:r>
@@ -6267,7 +6234,7 @@
                   <a:uLnTx/>
                   <a:uFillTx/>
                   <a:latin typeface="Calibri" panose="020F0502020204030204"/>
-                  <a:ea typeface="宋体" pitchFamily="2" charset="-122"/>
+                  <a:ea typeface="宋体" panose="02010600030101010101" pitchFamily="2" charset="-122"/>
                   <a:cs typeface="+mn-cs"/>
                 </a:rPr>
                 <a:t>BEIJING UNIVERSITY OF TECHNOLOGY</a:t>
@@ -6283,7 +6250,7 @@
                 <a:uLnTx/>
                 <a:uFillTx/>
                 <a:latin typeface="Calibri" panose="020F0502020204030204"/>
-                <a:ea typeface="宋体" pitchFamily="2" charset="-122"/>
+                <a:ea typeface="宋体" panose="02010600030101010101" pitchFamily="2" charset="-122"/>
                 <a:cs typeface="+mn-cs"/>
               </a:endParaRPr>
             </a:p>
@@ -6594,7 +6561,7 @@
                   <a:uLnTx/>
                   <a:uFillTx/>
                   <a:latin typeface="Calibri" panose="020F0502020204030204"/>
-                  <a:ea typeface="宋体" pitchFamily="2" charset="-122"/>
+                  <a:ea typeface="宋体" panose="02010600030101010101" pitchFamily="2" charset="-122"/>
                   <a:cs typeface="+mn-cs"/>
                 </a:rPr>
                 <a:t>BEIJING UNIVERSITY OF TECHNOLOGY</a:t>
@@ -6610,7 +6577,7 @@
                 <a:uLnTx/>
                 <a:uFillTx/>
                 <a:latin typeface="Calibri" panose="020F0502020204030204"/>
-                <a:ea typeface="宋体" pitchFamily="2" charset="-122"/>
+                <a:ea typeface="宋体" panose="02010600030101010101" pitchFamily="2" charset="-122"/>
                 <a:cs typeface="+mn-cs"/>
               </a:endParaRPr>
             </a:p>
@@ -7083,7 +7050,7 @@
                   <a:uLnTx/>
                   <a:uFillTx/>
                   <a:latin typeface="Calibri" panose="020F0502020204030204"/>
-                  <a:ea typeface="宋体" pitchFamily="2" charset="-122"/>
+                  <a:ea typeface="宋体" panose="02010600030101010101" pitchFamily="2" charset="-122"/>
                   <a:cs typeface="+mn-cs"/>
                 </a:rPr>
                 <a:t>BEIJING UNIVERSITY OF TECHNOLOGY</a:t>
@@ -7099,7 +7066,7 @@
                 <a:uLnTx/>
                 <a:uFillTx/>
                 <a:latin typeface="Calibri" panose="020F0502020204030204"/>
-                <a:ea typeface="宋体" pitchFamily="2" charset="-122"/>
+                <a:ea typeface="宋体" panose="02010600030101010101" pitchFamily="2" charset="-122"/>
                 <a:cs typeface="+mn-cs"/>
               </a:endParaRPr>
             </a:p>
@@ -7467,7 +7434,7 @@
                   <a:uLnTx/>
                   <a:uFillTx/>
                   <a:latin typeface="Calibri" panose="020F0502020204030204"/>
-                  <a:ea typeface="宋体" pitchFamily="2" charset="-122"/>
+                  <a:ea typeface="宋体" panose="02010600030101010101" pitchFamily="2" charset="-122"/>
                   <a:cs typeface="+mn-cs"/>
                 </a:rPr>
                 <a:t>BEIJING UNIVERSITY OF TECHNOLOGY</a:t>
@@ -7483,7 +7450,7 @@
                 <a:uLnTx/>
                 <a:uFillTx/>
                 <a:latin typeface="Calibri" panose="020F0502020204030204"/>
-                <a:ea typeface="宋体" pitchFamily="2" charset="-122"/>
+                <a:ea typeface="宋体" panose="02010600030101010101" pitchFamily="2" charset="-122"/>
                 <a:cs typeface="+mn-cs"/>
               </a:endParaRPr>
             </a:p>
@@ -7868,7 +7835,7 @@
                   <a:uLnTx/>
                   <a:uFillTx/>
                   <a:latin typeface="Calibri" panose="020F0502020204030204"/>
-                  <a:ea typeface="宋体" pitchFamily="2" charset="-122"/>
+                  <a:ea typeface="宋体" panose="02010600030101010101" pitchFamily="2" charset="-122"/>
                   <a:cs typeface="+mn-cs"/>
                 </a:rPr>
                 <a:t>BEIJING UNIVERSITY OF TECHNOLOGY</a:t>
@@ -7884,7 +7851,7 @@
                 <a:uLnTx/>
                 <a:uFillTx/>
                 <a:latin typeface="Calibri" panose="020F0502020204030204"/>
-                <a:ea typeface="宋体" pitchFamily="2" charset="-122"/>
+                <a:ea typeface="宋体" panose="02010600030101010101" pitchFamily="2" charset="-122"/>
                 <a:cs typeface="+mn-cs"/>
               </a:endParaRPr>
             </a:p>
@@ -8140,7 +8107,7 @@
                   <a:uLnTx/>
                   <a:uFillTx/>
                   <a:latin typeface="Calibri" panose="020F0502020204030204"/>
-                  <a:ea typeface="宋体" pitchFamily="2" charset="-122"/>
+                  <a:ea typeface="宋体" panose="02010600030101010101" pitchFamily="2" charset="-122"/>
                   <a:cs typeface="+mn-cs"/>
                 </a:rPr>
                 <a:t>BEIJING UNIVERSITY OF TECHNOLOGY</a:t>
@@ -8156,7 +8123,7 @@
                 <a:uLnTx/>
                 <a:uFillTx/>
                 <a:latin typeface="Calibri" panose="020F0502020204030204"/>
-                <a:ea typeface="宋体" pitchFamily="2" charset="-122"/>
+                <a:ea typeface="宋体" panose="02010600030101010101" pitchFamily="2" charset="-122"/>
                 <a:cs typeface="+mn-cs"/>
               </a:endParaRPr>
             </a:p>
@@ -8497,7 +8464,7 @@
                   <a:uLnTx/>
                   <a:uFillTx/>
                   <a:latin typeface="Calibri" panose="020F0502020204030204"/>
-                  <a:ea typeface="宋体" pitchFamily="2" charset="-122"/>
+                  <a:ea typeface="宋体" panose="02010600030101010101" pitchFamily="2" charset="-122"/>
                   <a:cs typeface="+mn-cs"/>
                 </a:rPr>
                 <a:t>BEIJING UNIVERSITY OF TECHNOLOGY</a:t>
@@ -8513,7 +8480,7 @@
                 <a:uLnTx/>
                 <a:uFillTx/>
                 <a:latin typeface="Calibri" panose="020F0502020204030204"/>
-                <a:ea typeface="宋体" pitchFamily="2" charset="-122"/>
+                <a:ea typeface="宋体" panose="02010600030101010101" pitchFamily="2" charset="-122"/>
                 <a:cs typeface="+mn-cs"/>
               </a:endParaRPr>
             </a:p>
@@ -8722,7 +8689,14 @@
                 <a:latin typeface="Times New Roman Regular" panose="02020603050405020304" charset="0"/>
                 <a:cs typeface="Times New Roman Regular" panose="02020603050405020304" charset="0"/>
               </a:rPr>
-              <a:t>因此，使用打乱分布的增强方法与缩放的增强方法可能会对模型的泛化性有所提升。</a:t>
+              <a:t>因此，使用分布</a:t>
+            </a:r>
+            <a:r>
+              <a:rPr lang="zh-CN" altLang="en-US">
+                <a:latin typeface="Times New Roman Regular" panose="02020603050405020304" charset="0"/>
+                <a:cs typeface="Times New Roman Regular" panose="02020603050405020304" charset="0"/>
+              </a:rPr>
+              <a:t>重排的增强方法与缩放的增强方法可能会对模型的泛化性有所提升。</a:t>
             </a:r>
             <a:endParaRPr lang="zh-CN" altLang="en-US">
               <a:latin typeface="Times New Roman Regular" panose="02020603050405020304" charset="0"/>
@@ -9018,7 +8992,7 @@
                   <a:uLnTx/>
                   <a:uFillTx/>
                   <a:latin typeface="Calibri" panose="020F0502020204030204"/>
-                  <a:ea typeface="宋体" pitchFamily="2" charset="-122"/>
+                  <a:ea typeface="宋体" panose="02010600030101010101" pitchFamily="2" charset="-122"/>
                   <a:cs typeface="+mn-cs"/>
                 </a:rPr>
                 <a:t>BEIJING UNIVERSITY OF TECHNOLOGY</a:t>
@@ -9034,7 +9008,7 @@
                 <a:uLnTx/>
                 <a:uFillTx/>
                 <a:latin typeface="Calibri" panose="020F0502020204030204"/>
-                <a:ea typeface="宋体" pitchFamily="2" charset="-122"/>
+                <a:ea typeface="宋体" panose="02010600030101010101" pitchFamily="2" charset="-122"/>
                 <a:cs typeface="+mn-cs"/>
               </a:endParaRPr>
             </a:p>
@@ -9758,7 +9732,7 @@
                   <a:uLnTx/>
                   <a:uFillTx/>
                   <a:latin typeface="Calibri" panose="020F0502020204030204"/>
-                  <a:ea typeface="宋体" pitchFamily="2" charset="-122"/>
+                  <a:ea typeface="宋体" panose="02010600030101010101" pitchFamily="2" charset="-122"/>
                   <a:cs typeface="+mn-cs"/>
                 </a:rPr>
                 <a:t>BEIJING UNIVERSITY OF TECHNOLOGY</a:t>
@@ -9774,7 +9748,7 @@
                 <a:uLnTx/>
                 <a:uFillTx/>
                 <a:latin typeface="Calibri" panose="020F0502020204030204"/>
-                <a:ea typeface="宋体" pitchFamily="2" charset="-122"/>
+                <a:ea typeface="宋体" panose="02010600030101010101" pitchFamily="2" charset="-122"/>
                 <a:cs typeface="+mn-cs"/>
               </a:endParaRPr>
             </a:p>
@@ -10142,7 +10116,7 @@
                   <a:uLnTx/>
                   <a:uFillTx/>
                   <a:latin typeface="Calibri" panose="020F0502020204030204"/>
-                  <a:ea typeface="宋体" pitchFamily="2" charset="-122"/>
+                  <a:ea typeface="宋体" panose="02010600030101010101" pitchFamily="2" charset="-122"/>
                   <a:cs typeface="+mn-cs"/>
                 </a:rPr>
                 <a:t>BEIJING UNIVERSITY OF TECHNOLOGY</a:t>
@@ -10158,7 +10132,7 @@
                 <a:uLnTx/>
                 <a:uFillTx/>
                 <a:latin typeface="Calibri" panose="020F0502020204030204"/>
-                <a:ea typeface="宋体" pitchFamily="2" charset="-122"/>
+                <a:ea typeface="宋体" panose="02010600030101010101" pitchFamily="2" charset="-122"/>
                 <a:cs typeface="+mn-cs"/>
               </a:endParaRPr>
             </a:p>
@@ -10284,6 +10258,185 @@
               <a:t>风格特征。</a:t>
             </a:r>
             <a:endParaRPr lang="zh-CN" altLang="en-US" sz="2000"/>
+          </a:p>
+        </p:txBody>
+      </p:sp>
+      <p:pic>
+        <p:nvPicPr>
+          <p:cNvPr id="6" name="图片 5"/>
+          <p:cNvPicPr>
+            <a:picLocks noChangeAspect="1"/>
+          </p:cNvPicPr>
+          <p:nvPr/>
+        </p:nvPicPr>
+        <p:blipFill>
+          <a:blip r:embed="rId3"/>
+          <a:stretch>
+            <a:fillRect/>
+          </a:stretch>
+        </p:blipFill>
+        <p:spPr>
+          <a:xfrm>
+            <a:off x="4583430" y="3769995"/>
+            <a:ext cx="3391535" cy="2014855"/>
+          </a:xfrm>
+          <a:prstGeom prst="rect">
+            <a:avLst/>
+          </a:prstGeom>
+        </p:spPr>
+      </p:pic>
+      <p:pic>
+        <p:nvPicPr>
+          <p:cNvPr id="9" name="图片 8"/>
+          <p:cNvPicPr>
+            <a:picLocks noChangeAspect="1"/>
+          </p:cNvPicPr>
+          <p:nvPr>
+            <p:custDataLst>
+              <p:tags r:id="rId4"/>
+            </p:custDataLst>
+          </p:nvPr>
+        </p:nvPicPr>
+        <p:blipFill>
+          <a:blip r:embed="rId5"/>
+          <a:stretch>
+            <a:fillRect/>
+          </a:stretch>
+        </p:blipFill>
+        <p:spPr>
+          <a:xfrm>
+            <a:off x="978535" y="3769995"/>
+            <a:ext cx="3019425" cy="1990725"/>
+          </a:xfrm>
+          <a:prstGeom prst="rect">
+            <a:avLst/>
+          </a:prstGeom>
+        </p:spPr>
+      </p:pic>
+      <p:sp>
+        <p:nvSpPr>
+          <p:cNvPr id="10" name="文本框 9"/>
+          <p:cNvSpPr txBox="1"/>
+          <p:nvPr/>
+        </p:nvSpPr>
+        <p:spPr>
+          <a:xfrm>
+            <a:off x="1882775" y="6107430"/>
+            <a:ext cx="4064000" cy="368300"/>
+          </a:xfrm>
+          <a:prstGeom prst="rect">
+            <a:avLst/>
+          </a:prstGeom>
+          <a:noFill/>
+        </p:spPr>
+        <p:txBody>
+          <a:bodyPr wrap="square" rtlCol="0">
+            <a:spAutoFit/>
+          </a:bodyPr>
+          <a:p>
+            <a:r>
+              <a:rPr lang="en-US" altLang="zh-CN"/>
+              <a:t>T1 </a:t>
+            </a:r>
+            <a:r>
+              <a:rPr lang="en-US" altLang="zh-CN"/>
+              <a:t>in</a:t>
+            </a:r>
+            <a:endParaRPr lang="en-US" altLang="zh-CN"/>
+          </a:p>
+        </p:txBody>
+      </p:sp>
+      <p:sp>
+        <p:nvSpPr>
+          <p:cNvPr id="12" name="文本框 11"/>
+          <p:cNvSpPr txBox="1"/>
+          <p:nvPr>
+            <p:custDataLst>
+              <p:tags r:id="rId6"/>
+            </p:custDataLst>
+          </p:nvPr>
+        </p:nvSpPr>
+        <p:spPr>
+          <a:xfrm>
+            <a:off x="5486400" y="6107430"/>
+            <a:ext cx="4064000" cy="368300"/>
+          </a:xfrm>
+          <a:prstGeom prst="rect">
+            <a:avLst/>
+          </a:prstGeom>
+          <a:noFill/>
+        </p:spPr>
+        <p:txBody>
+          <a:bodyPr wrap="square" rtlCol="0">
+            <a:spAutoFit/>
+          </a:bodyPr>
+          <a:p>
+            <a:r>
+              <a:rPr lang="en-US" altLang="zh-CN"/>
+              <a:t>T1 </a:t>
+            </a:r>
+            <a:r>
+              <a:rPr lang="en-US" altLang="zh-CN"/>
+              <a:t>out</a:t>
+            </a:r>
+            <a:endParaRPr lang="en-US" altLang="zh-CN"/>
+          </a:p>
+        </p:txBody>
+      </p:sp>
+      <p:pic>
+        <p:nvPicPr>
+          <p:cNvPr id="15" name="图片 14"/>
+          <p:cNvPicPr>
+            <a:picLocks noChangeAspect="1"/>
+          </p:cNvPicPr>
+          <p:nvPr>
+            <p:custDataLst>
+              <p:tags r:id="rId7"/>
+            </p:custDataLst>
+          </p:nvPr>
+        </p:nvPicPr>
+        <p:blipFill>
+          <a:blip r:embed="rId8"/>
+          <a:stretch>
+            <a:fillRect/>
+          </a:stretch>
+        </p:blipFill>
+        <p:spPr>
+          <a:xfrm>
+            <a:off x="8369300" y="3769995"/>
+            <a:ext cx="2854960" cy="2021840"/>
+          </a:xfrm>
+          <a:prstGeom prst="rect">
+            <a:avLst/>
+          </a:prstGeom>
+        </p:spPr>
+      </p:pic>
+      <p:sp>
+        <p:nvSpPr>
+          <p:cNvPr id="16" name="文本框 15"/>
+          <p:cNvSpPr txBox="1"/>
+          <p:nvPr/>
+        </p:nvSpPr>
+        <p:spPr>
+          <a:xfrm>
+            <a:off x="9457055" y="6107430"/>
+            <a:ext cx="4064000" cy="368300"/>
+          </a:xfrm>
+          <a:prstGeom prst="rect">
+            <a:avLst/>
+          </a:prstGeom>
+          <a:noFill/>
+        </p:spPr>
+        <p:txBody>
+          <a:bodyPr wrap="square" rtlCol="0">
+            <a:spAutoFit/>
+          </a:bodyPr>
+          <a:p>
+            <a:r>
+              <a:rPr lang="en-US" altLang="zh-CN"/>
+              <a:t>T2</a:t>
+            </a:r>
+            <a:endParaRPr lang="en-US" altLang="zh-CN"/>
           </a:p>
         </p:txBody>
       </p:sp>
@@ -10472,7 +10625,7 @@
                   <a:uLnTx/>
                   <a:uFillTx/>
                   <a:latin typeface="Calibri" panose="020F0502020204030204"/>
-                  <a:ea typeface="宋体" pitchFamily="2" charset="-122"/>
+                  <a:ea typeface="宋体" panose="02010600030101010101" pitchFamily="2" charset="-122"/>
                   <a:cs typeface="+mn-cs"/>
                 </a:rPr>
                 <a:t>BEIJING UNIVERSITY OF TECHNOLOGY</a:t>
@@ -10488,7 +10641,7 @@
                 <a:uLnTx/>
                 <a:uFillTx/>
                 <a:latin typeface="Calibri" panose="020F0502020204030204"/>
-                <a:ea typeface="宋体" pitchFamily="2" charset="-122"/>
+                <a:ea typeface="宋体" panose="02010600030101010101" pitchFamily="2" charset="-122"/>
                 <a:cs typeface="+mn-cs"/>
               </a:endParaRPr>
             </a:p>
@@ -10557,22 +10710,26 @@
       </p:sp>
       <p:pic>
         <p:nvPicPr>
-          <p:cNvPr id="8" name="图片 7"/>
+          <p:cNvPr id="3" name="图片 2"/>
           <p:cNvPicPr>
             <a:picLocks noChangeAspect="1"/>
           </p:cNvPicPr>
-          <p:nvPr/>
+          <p:nvPr>
+            <p:custDataLst>
+              <p:tags r:id="rId3"/>
+            </p:custDataLst>
+          </p:nvPr>
         </p:nvPicPr>
         <p:blipFill>
-          <a:blip r:embed="rId3"/>
+          <a:blip r:embed="rId4"/>
           <a:stretch>
             <a:fillRect/>
           </a:stretch>
         </p:blipFill>
         <p:spPr>
           <a:xfrm>
-            <a:off x="777875" y="878840"/>
-            <a:ext cx="8993505" cy="5509895"/>
+            <a:off x="661670" y="823595"/>
+            <a:ext cx="10868025" cy="5210175"/>
           </a:xfrm>
           <a:prstGeom prst="rect">
             <a:avLst/>
@@ -10764,7 +10921,7 @@
                   <a:uLnTx/>
                   <a:uFillTx/>
                   <a:latin typeface="Calibri" panose="020F0502020204030204"/>
-                  <a:ea typeface="宋体" pitchFamily="2" charset="-122"/>
+                  <a:ea typeface="宋体" panose="02010600030101010101" pitchFamily="2" charset="-122"/>
                   <a:cs typeface="+mn-cs"/>
                 </a:rPr>
                 <a:t>BEIJING UNIVERSITY OF TECHNOLOGY</a:t>
@@ -10780,7 +10937,7 @@
                 <a:uLnTx/>
                 <a:uFillTx/>
                 <a:latin typeface="Calibri" panose="020F0502020204030204"/>
-                <a:ea typeface="宋体" pitchFamily="2" charset="-122"/>
+                <a:ea typeface="宋体" panose="02010600030101010101" pitchFamily="2" charset="-122"/>
                 <a:cs typeface="+mn-cs"/>
               </a:endParaRPr>
             </a:p>
@@ -11151,7 +11308,7 @@
                   <a:uLnTx/>
                   <a:uFillTx/>
                   <a:latin typeface="Calibri" panose="020F0502020204030204"/>
-                  <a:ea typeface="宋体" pitchFamily="2" charset="-122"/>
+                  <a:ea typeface="宋体" panose="02010600030101010101" pitchFamily="2" charset="-122"/>
                   <a:cs typeface="+mn-cs"/>
                 </a:rPr>
                 <a:t>BEIJING UNIVERSITY OF TECHNOLOGY</a:t>
@@ -11167,7 +11324,7 @@
                 <a:uLnTx/>
                 <a:uFillTx/>
                 <a:latin typeface="Calibri" panose="020F0502020204030204"/>
-                <a:ea typeface="宋体" pitchFamily="2" charset="-122"/>
+                <a:ea typeface="宋体" panose="02010600030101010101" pitchFamily="2" charset="-122"/>
                 <a:cs typeface="+mn-cs"/>
               </a:endParaRPr>
             </a:p>
@@ -11423,7 +11580,7 @@
                   <a:uLnTx/>
                   <a:uFillTx/>
                   <a:latin typeface="Calibri" panose="020F0502020204030204"/>
-                  <a:ea typeface="宋体" pitchFamily="2" charset="-122"/>
+                  <a:ea typeface="宋体" panose="02010600030101010101" pitchFamily="2" charset="-122"/>
                   <a:cs typeface="+mn-cs"/>
                 </a:rPr>
                 <a:t>BEIJING UNIVERSITY OF TECHNOLOGY</a:t>
@@ -11439,7 +11596,7 @@
                 <a:uLnTx/>
                 <a:uFillTx/>
                 <a:latin typeface="Calibri" panose="020F0502020204030204"/>
-                <a:ea typeface="宋体" pitchFamily="2" charset="-122"/>
+                <a:ea typeface="宋体" panose="02010600030101010101" pitchFamily="2" charset="-122"/>
                 <a:cs typeface="+mn-cs"/>
               </a:endParaRPr>
             </a:p>
@@ -11767,7 +11924,7 @@
                   <a:uLnTx/>
                   <a:uFillTx/>
                   <a:latin typeface="Calibri" panose="020F0502020204030204"/>
-                  <a:ea typeface="宋体" pitchFamily="2" charset="-122"/>
+                  <a:ea typeface="宋体" panose="02010600030101010101" pitchFamily="2" charset="-122"/>
                   <a:cs typeface="+mn-cs"/>
                 </a:rPr>
                 <a:t>BEIJING UNIVERSITY OF TECHNOLOGY</a:t>
@@ -11783,7 +11940,7 @@
                 <a:uLnTx/>
                 <a:uFillTx/>
                 <a:latin typeface="Calibri" panose="020F0502020204030204"/>
-                <a:ea typeface="宋体" pitchFamily="2" charset="-122"/>
+                <a:ea typeface="宋体" panose="02010600030101010101" pitchFamily="2" charset="-122"/>
                 <a:cs typeface="+mn-cs"/>
               </a:endParaRPr>
             </a:p>
@@ -12246,7 +12403,7 @@
                   <a:uLnTx/>
                   <a:uFillTx/>
                   <a:latin typeface="Calibri" panose="020F0502020204030204"/>
-                  <a:ea typeface="宋体" pitchFamily="2" charset="-122"/>
+                  <a:ea typeface="宋体" panose="02010600030101010101" pitchFamily="2" charset="-122"/>
                   <a:cs typeface="+mn-cs"/>
                 </a:rPr>
                 <a:t>BEIJING UNIVERSITY OF TECHNOLOGY</a:t>
@@ -12262,7 +12419,7 @@
                 <a:uLnTx/>
                 <a:uFillTx/>
                 <a:latin typeface="Calibri" panose="020F0502020204030204"/>
-                <a:ea typeface="宋体" pitchFamily="2" charset="-122"/>
+                <a:ea typeface="宋体" panose="02010600030101010101" pitchFamily="2" charset="-122"/>
                 <a:cs typeface="+mn-cs"/>
               </a:endParaRPr>
             </a:p>
@@ -12504,7 +12661,7 @@
                   <a:uLnTx/>
                   <a:uFillTx/>
                   <a:latin typeface="Calibri" panose="020F0502020204030204"/>
-                  <a:ea typeface="宋体" pitchFamily="2" charset="-122"/>
+                  <a:ea typeface="宋体" panose="02010600030101010101" pitchFamily="2" charset="-122"/>
                   <a:cs typeface="+mn-cs"/>
                 </a:rPr>
                 <a:t>BEIJING UNIVERSITY OF TECHNOLOGY</a:t>
@@ -12520,7 +12677,7 @@
                 <a:uLnTx/>
                 <a:uFillTx/>
                 <a:latin typeface="Calibri" panose="020F0502020204030204"/>
-                <a:ea typeface="宋体" pitchFamily="2" charset="-122"/>
+                <a:ea typeface="宋体" panose="02010600030101010101" pitchFamily="2" charset="-122"/>
                 <a:cs typeface="+mn-cs"/>
               </a:endParaRPr>
             </a:p>
@@ -12779,7 +12936,7 @@
                   <a:uLnTx/>
                   <a:uFillTx/>
                   <a:latin typeface="Calibri" panose="020F0502020204030204"/>
-                  <a:ea typeface="宋体" pitchFamily="2" charset="-122"/>
+                  <a:ea typeface="宋体" panose="02010600030101010101" pitchFamily="2" charset="-122"/>
                   <a:cs typeface="+mn-cs"/>
                 </a:rPr>
                 <a:t>BEIJING UNIVERSITY OF TECHNOLOGY</a:t>
@@ -12795,7 +12952,7 @@
                 <a:uLnTx/>
                 <a:uFillTx/>
                 <a:latin typeface="Calibri" panose="020F0502020204030204"/>
-                <a:ea typeface="宋体" pitchFamily="2" charset="-122"/>
+                <a:ea typeface="宋体" panose="02010600030101010101" pitchFamily="2" charset="-122"/>
                 <a:cs typeface="+mn-cs"/>
               </a:endParaRPr>
             </a:p>
@@ -12842,7 +12999,7 @@
         </p:nvGraphicFramePr>
         <p:xfrm>
           <a:off x="1067295" y="2254674"/>
-          <a:ext cx="10057130" cy="3887470"/>
+          <a:ext cx="10057410" cy="3887700"/>
         </p:xfrm>
         <a:graphic>
           <a:graphicData uri="http://schemas.openxmlformats.org/drawingml/2006/table">
@@ -13884,7 +14041,7 @@
                   <a:uLnTx/>
                   <a:uFillTx/>
                   <a:latin typeface="Calibri" panose="020F0502020204030204"/>
-                  <a:ea typeface="宋体" pitchFamily="2" charset="-122"/>
+                  <a:ea typeface="宋体" panose="02010600030101010101" pitchFamily="2" charset="-122"/>
                   <a:cs typeface="+mn-cs"/>
                 </a:rPr>
                 <a:t>BEIJING UNIVERSITY OF TECHNOLOGY</a:t>
@@ -13900,7 +14057,7 @@
                 <a:uLnTx/>
                 <a:uFillTx/>
                 <a:latin typeface="Calibri" panose="020F0502020204030204"/>
-                <a:ea typeface="宋体" pitchFamily="2" charset="-122"/>
+                <a:ea typeface="宋体" panose="02010600030101010101" pitchFamily="2" charset="-122"/>
                 <a:cs typeface="+mn-cs"/>
               </a:endParaRPr>
             </a:p>
@@ -14156,7 +14313,7 @@
                   <a:uLnTx/>
                   <a:uFillTx/>
                   <a:latin typeface="Calibri" panose="020F0502020204030204"/>
-                  <a:ea typeface="宋体" pitchFamily="2" charset="-122"/>
+                  <a:ea typeface="宋体" panose="02010600030101010101" pitchFamily="2" charset="-122"/>
                   <a:cs typeface="+mn-cs"/>
                 </a:rPr>
                 <a:t>BEIJING UNIVERSITY OF TECHNOLOGY</a:t>
@@ -14172,7 +14329,7 @@
                 <a:uLnTx/>
                 <a:uFillTx/>
                 <a:latin typeface="Calibri" panose="020F0502020204030204"/>
-                <a:ea typeface="宋体" pitchFamily="2" charset="-122"/>
+                <a:ea typeface="宋体" panose="02010600030101010101" pitchFamily="2" charset="-122"/>
                 <a:cs typeface="+mn-cs"/>
               </a:endParaRPr>
             </a:p>
@@ -14267,93 +14424,93 @@
             <a:r>
               <a:rPr lang="zh-CN" altLang="zh-CN" sz="2400" b="0" dirty="0">
                 <a:latin typeface="Times New Roman" panose="02020603050405020304" pitchFamily="18" charset="0"/>
-                <a:cs typeface="宋体" charset="0"/>
+                <a:cs typeface="宋体" panose="02010600030101010101" pitchFamily="2" charset="-122"/>
               </a:rPr>
               <a:t>以</a:t>
             </a:r>
             <a:r>
               <a:rPr lang="zh-CN" altLang="zh-CN" sz="2400" b="0" dirty="0">
-                <a:cs typeface="宋体" charset="0"/>
+                <a:cs typeface="宋体" panose="02010600030101010101" pitchFamily="2" charset="-122"/>
               </a:rPr>
               <a:t>肝细胞癌（</a:t>
             </a:r>
             <a:r>
               <a:rPr lang="en-US" altLang="zh-CN" sz="2400" b="0" dirty="0">
                 <a:latin typeface="Times New Roman" panose="02020603050405020304" pitchFamily="18" charset="0"/>
-                <a:cs typeface="宋体" charset="0"/>
+                <a:cs typeface="宋体" panose="02010600030101010101" pitchFamily="2" charset="-122"/>
               </a:rPr>
               <a:t>HCC</a:t>
             </a:r>
             <a:r>
               <a:rPr lang="zh-CN" altLang="zh-CN" sz="2400" b="0" dirty="0">
-                <a:cs typeface="宋体" charset="0"/>
+                <a:cs typeface="宋体" panose="02010600030101010101" pitchFamily="2" charset="-122"/>
               </a:rPr>
               <a:t>）</a:t>
             </a:r>
             <a:r>
               <a:rPr lang="zh-CN" altLang="zh-CN" sz="2400" b="0" dirty="0">
                 <a:latin typeface="Times New Roman" panose="02020603050405020304" pitchFamily="18" charset="0"/>
-                <a:cs typeface="宋体" charset="0"/>
+                <a:cs typeface="宋体" panose="02010600030101010101" pitchFamily="2" charset="-122"/>
               </a:rPr>
               <a:t>为代表的肝脏局灶性病变</a:t>
             </a:r>
             <a:r>
               <a:rPr lang="zh-CN" altLang="zh-CN" sz="2400" b="0" dirty="0">
-                <a:cs typeface="宋体" charset="0"/>
+                <a:cs typeface="宋体" panose="02010600030101010101" pitchFamily="2" charset="-122"/>
               </a:rPr>
               <a:t>是一种原发性肝</a:t>
             </a:r>
             <a:r>
               <a:rPr lang="zh-CN" altLang="zh-CN" sz="2400" b="0" dirty="0">
                 <a:latin typeface="Times New Roman" panose="02020603050405020304" pitchFamily="18" charset="0"/>
-                <a:cs typeface="宋体" charset="0"/>
+                <a:cs typeface="宋体" panose="02010600030101010101" pitchFamily="2" charset="-122"/>
               </a:rPr>
               <a:t>脏疾病</a:t>
             </a:r>
             <a:r>
               <a:rPr lang="zh-CN" altLang="zh-CN" sz="2400" b="0" dirty="0">
-                <a:cs typeface="宋体" charset="0"/>
+                <a:cs typeface="宋体" panose="02010600030101010101" pitchFamily="2" charset="-122"/>
               </a:rPr>
               <a:t>，</a:t>
             </a:r>
             <a:r>
               <a:rPr lang="zh-CN" altLang="zh-CN" sz="2400" b="0" dirty="0">
                 <a:latin typeface="Times New Roman" panose="02020603050405020304" pitchFamily="18" charset="0"/>
-                <a:cs typeface="宋体" charset="0"/>
+                <a:cs typeface="宋体" panose="02010600030101010101" pitchFamily="2" charset="-122"/>
               </a:rPr>
               <a:t>而</a:t>
             </a:r>
             <a:r>
               <a:rPr lang="zh-CN" altLang="zh-CN" sz="2400" b="1" dirty="0">
                 <a:latin typeface="Times New Roman" panose="02020603050405020304" pitchFamily="18" charset="0"/>
-                <a:cs typeface="宋体" charset="0"/>
+                <a:cs typeface="宋体" panose="02010600030101010101" pitchFamily="2" charset="-122"/>
               </a:rPr>
               <a:t>微血管侵犯（</a:t>
             </a:r>
             <a:r>
               <a:rPr lang="en-US" altLang="zh-CN" sz="2400" b="1" dirty="0">
                 <a:latin typeface="Times New Roman" panose="02020603050405020304" pitchFamily="18" charset="0"/>
-                <a:cs typeface="宋体" charset="0"/>
+                <a:cs typeface="宋体" panose="02010600030101010101" pitchFamily="2" charset="-122"/>
               </a:rPr>
               <a:t>Microvascular Invasion, MVI</a:t>
             </a:r>
             <a:r>
               <a:rPr lang="zh-CN" altLang="zh-CN" sz="2400" b="1" dirty="0">
                 <a:latin typeface="Times New Roman" panose="02020603050405020304" pitchFamily="18" charset="0"/>
-                <a:cs typeface="宋体" charset="0"/>
+                <a:cs typeface="宋体" panose="02010600030101010101" pitchFamily="2" charset="-122"/>
               </a:rPr>
               <a:t>）</a:t>
             </a:r>
             <a:r>
               <a:rPr lang="zh-CN" altLang="zh-CN" sz="2400" b="0" dirty="0">
                 <a:latin typeface="Times New Roman" panose="02020603050405020304" pitchFamily="18" charset="0"/>
-                <a:cs typeface="宋体" charset="0"/>
+                <a:cs typeface="宋体" panose="02010600030101010101" pitchFamily="2" charset="-122"/>
               </a:rPr>
               <a:t>被认为是肝癌切除或移植患者早期复发和长期预后不良的重要因素。</a:t>
             </a:r>
             <a:endParaRPr lang="en-US" altLang="zh-CN" sz="2400" b="0" dirty="0">
               <a:latin typeface="Times New Roman" panose="02020603050405020304" pitchFamily="18" charset="0"/>
-              <a:cs typeface="宋体" charset="0"/>
+              <a:cs typeface="宋体" panose="02010600030101010101" pitchFamily="2" charset="-122"/>
             </a:endParaRPr>
           </a:p>
           <a:p>
@@ -14551,7 +14708,7 @@
                   <a:uLnTx/>
                   <a:uFillTx/>
                   <a:latin typeface="Calibri" panose="020F0502020204030204"/>
-                  <a:ea typeface="宋体" pitchFamily="2" charset="-122"/>
+                  <a:ea typeface="宋体" panose="02010600030101010101" pitchFamily="2" charset="-122"/>
                   <a:cs typeface="+mn-cs"/>
                 </a:rPr>
                 <a:t>BEIJING UNIVERSITY OF TECHNOLOGY</a:t>
@@ -14567,7 +14724,7 @@
                 <a:uLnTx/>
                 <a:uFillTx/>
                 <a:latin typeface="Calibri" panose="020F0502020204030204"/>
-                <a:ea typeface="宋体" pitchFamily="2" charset="-122"/>
+                <a:ea typeface="宋体" panose="02010600030101010101" pitchFamily="2" charset="-122"/>
                 <a:cs typeface="+mn-cs"/>
               </a:endParaRPr>
             </a:p>
@@ -14934,7 +15091,7 @@
                   <a:uLnTx/>
                   <a:uFillTx/>
                   <a:latin typeface="Calibri" panose="020F0502020204030204"/>
-                  <a:ea typeface="宋体" pitchFamily="2" charset="-122"/>
+                  <a:ea typeface="宋体" panose="02010600030101010101" pitchFamily="2" charset="-122"/>
                   <a:cs typeface="+mn-cs"/>
                 </a:rPr>
                 <a:t>BEIJING UNIVERSITY OF TECHNOLOGY</a:t>
@@ -14950,7 +15107,7 @@
                 <a:uLnTx/>
                 <a:uFillTx/>
                 <a:latin typeface="Calibri" panose="020F0502020204030204"/>
-                <a:ea typeface="宋体" pitchFamily="2" charset="-122"/>
+                <a:ea typeface="宋体" panose="02010600030101010101" pitchFamily="2" charset="-122"/>
                 <a:cs typeface="+mn-cs"/>
               </a:endParaRPr>
             </a:p>
@@ -15272,7 +15429,7 @@
                   <a:uLnTx/>
                   <a:uFillTx/>
                   <a:latin typeface="Calibri" panose="020F0502020204030204"/>
-                  <a:ea typeface="宋体" pitchFamily="2" charset="-122"/>
+                  <a:ea typeface="宋体" panose="02010600030101010101" pitchFamily="2" charset="-122"/>
                   <a:cs typeface="+mn-cs"/>
                 </a:rPr>
                 <a:t>BEIJING UNIVERSITY OF TECHNOLOGY</a:t>
@@ -15288,7 +15445,7 @@
                 <a:uLnTx/>
                 <a:uFillTx/>
                 <a:latin typeface="Calibri" panose="020F0502020204030204"/>
-                <a:ea typeface="宋体" pitchFamily="2" charset="-122"/>
+                <a:ea typeface="宋体" panose="02010600030101010101" pitchFamily="2" charset="-122"/>
                 <a:cs typeface="+mn-cs"/>
               </a:endParaRPr>
             </a:p>
@@ -15544,7 +15701,7 @@
                   <a:uLnTx/>
                   <a:uFillTx/>
                   <a:latin typeface="Calibri" panose="020F0502020204030204"/>
-                  <a:ea typeface="宋体" pitchFamily="2" charset="-122"/>
+                  <a:ea typeface="宋体" panose="02010600030101010101" pitchFamily="2" charset="-122"/>
                   <a:cs typeface="+mn-cs"/>
                 </a:rPr>
                 <a:t>BEIJING UNIVERSITY OF TECHNOLOGY</a:t>
@@ -15560,7 +15717,7 @@
                 <a:uLnTx/>
                 <a:uFillTx/>
                 <a:latin typeface="Calibri" panose="020F0502020204030204"/>
-                <a:ea typeface="宋体" pitchFamily="2" charset="-122"/>
+                <a:ea typeface="宋体" panose="02010600030101010101" pitchFamily="2" charset="-122"/>
                 <a:cs typeface="+mn-cs"/>
               </a:endParaRPr>
             </a:p>
@@ -15897,7 +16054,7 @@
                   <a:uLnTx/>
                   <a:uFillTx/>
                   <a:latin typeface="Calibri" panose="020F0502020204030204"/>
-                  <a:ea typeface="宋体" pitchFamily="2" charset="-122"/>
+                  <a:ea typeface="宋体" panose="02010600030101010101" pitchFamily="2" charset="-122"/>
                   <a:cs typeface="+mn-cs"/>
                 </a:rPr>
                 <a:t>BEIJING UNIVERSITY OF TECHNOLOGY</a:t>
@@ -15913,7 +16070,7 @@
                 <a:uLnTx/>
                 <a:uFillTx/>
                 <a:latin typeface="Calibri" panose="020F0502020204030204"/>
-                <a:ea typeface="宋体" pitchFamily="2" charset="-122"/>
+                <a:ea typeface="宋体" panose="02010600030101010101" pitchFamily="2" charset="-122"/>
                 <a:cs typeface="+mn-cs"/>
               </a:endParaRPr>
             </a:p>
@@ -16136,7 +16293,37 @@
 
 <file path=ppt/tags/tag1.xml><?xml version="1.0" encoding="utf-8"?>
 <p:tagLst xmlns:p="http://schemas.openxmlformats.org/presentationml/2006/main">
-  <p:tag name="KSO_WM_UNIT_TABLE_BEAUTIFY" val="smartTable{8beccd3a-277d-4162-95de-27933805becb}"/>
+  <p:tag name="KSO_WM_BEAUTIFY_FLAG" val=""/>
+</p:tagLst>
+</file>
+
+<file path=ppt/tags/tag2.xml><?xml version="1.0" encoding="utf-8"?>
+<p:tagLst xmlns:p="http://schemas.openxmlformats.org/presentationml/2006/main">
+  <p:tag name="KSO_WM_BEAUTIFY_FLAG" val=""/>
+</p:tagLst>
+</file>
+
+<file path=ppt/tags/tag3.xml><?xml version="1.0" encoding="utf-8"?>
+<p:tagLst xmlns:p="http://schemas.openxmlformats.org/presentationml/2006/main">
+  <p:tag name="KSO_WM_BEAUTIFY_FLAG" val=""/>
+</p:tagLst>
+</file>
+
+<file path=ppt/tags/tag4.xml><?xml version="1.0" encoding="utf-8"?>
+<p:tagLst xmlns:p="http://schemas.openxmlformats.org/presentationml/2006/main">
+  <p:tag name="KSO_WM_BEAUTIFY_FLAG" val=""/>
+</p:tagLst>
+</file>
+
+<file path=ppt/tags/tag5.xml><?xml version="1.0" encoding="utf-8"?>
+<p:tagLst xmlns:p="http://schemas.openxmlformats.org/presentationml/2006/main">
+  <p:tag name="KSO_WM_UNIT_TABLE_BEAUTIFY" val="smartTable{caa3ea99-5ecc-4b77-8026-4b8d7724b78f}"/>
+</p:tagLst>
+</file>
+
+<file path=ppt/tags/tag6.xml><?xml version="1.0" encoding="utf-8"?>
+<p:tagLst xmlns:p="http://schemas.openxmlformats.org/presentationml/2006/main">
+  <p:tag name="commondata" val="eyJoZGlkIjoiOTExOWIwZDBiOWU1ZDczYzVlYzFiNmRjZGU3ZDZkZDAifQ=="/>
 </p:tagLst>
 </file>
 
